--- a/전시 판넬/5조_YMPM_전시판넬.pptx
+++ b/전시 판넬/5조_YMPM_전시판넬.pptx
@@ -5,23 +5,22 @@
     <p:sldMasterId id="2147483648" r:id="rId1"/>
   </p:sldMasterIdLst>
   <p:notesMasterIdLst>
-    <p:notesMasterId r:id="rId4"/>
+    <p:notesMasterId r:id="rId3"/>
   </p:notesMasterIdLst>
   <p:sldIdLst>
-    <p:sldId id="256" r:id="rId2"/>
-    <p:sldId id="257" r:id="rId3"/>
+    <p:sldId id="257" r:id="rId2"/>
   </p:sldIdLst>
   <p:sldSz cx="6858000" cy="9144000" type="screen4x3"/>
   <p:notesSz cx="6858000" cy="9144000"/>
   <p:embeddedFontLst>
     <p:embeddedFont>
-      <p:font typeface="나눔고딕OTF" panose="020D0604000000000000" pitchFamily="34" charset="-127"/>
-      <p:regular r:id="rId5"/>
+      <p:font typeface="Malgun Gothic" panose="020B0503020000020004" pitchFamily="50" charset="-127"/>
+      <p:regular r:id="rId4"/>
+      <p:bold r:id="rId5"/>
     </p:embeddedFont>
     <p:embeddedFont>
-      <p:font typeface="Malgun Gothic" panose="020B0503020000020004" pitchFamily="50" charset="-127"/>
+      <p:font typeface="나눔고딕OTF" panose="020D0604000000000000" pitchFamily="34" charset="-127"/>
       <p:regular r:id="rId6"/>
-      <p:bold r:id="rId7"/>
     </p:embeddedFont>
   </p:embeddedFontLst>
   <p:defaultTextStyle>
@@ -269,7 +268,7 @@
       </p15:sldGuideLst>
     </p:ext>
     <p:ext uri="http://customooxmlschemas.google.com/">
-      <go:slidesCustomData xmlns="" xmlns:mc="http://schemas.openxmlformats.org/markup-compatibility/2006" xmlns:mv="urn:schemas-microsoft-com:mac:vml" xmlns:c="http://schemas.openxmlformats.org/drawingml/2006/chart" xmlns:dgm="http://schemas.openxmlformats.org/drawingml/2006/diagram" xmlns:o="urn:schemas-microsoft-com:office:office" xmlns:v="urn:schemas-microsoft-com:vml" xmlns:pvml="urn:schemas-microsoft-com:office:powerpoint" xmlns:com="http://schemas.openxmlformats.org/drawingml/2006/compatibility" xmlns:p14="http://schemas.microsoft.com/office/powerpoint/2010/main" xmlns:p15="http://schemas.microsoft.com/office/powerpoint/2012/main" xmlns:ahyp="http://schemas.microsoft.com/office/drawing/2018/hyperlinkcolor" xmlns:go="http://customooxmlschemas.google.com/" r:id="rId10" roundtripDataSignature="AMtx7mhK1jw155WkdJcq0TTS9IKfUDUMWw=="/>
+      <go:slidesCustomData xmlns:go="http://customooxmlschemas.google.com/" xmlns:ahyp="http://schemas.microsoft.com/office/drawing/2018/hyperlinkcolor" xmlns:p15="http://schemas.microsoft.com/office/powerpoint/2012/main" xmlns:p14="http://schemas.microsoft.com/office/powerpoint/2010/main" xmlns:com="http://schemas.openxmlformats.org/drawingml/2006/compatibility" xmlns:pvml="urn:schemas-microsoft-com:office:powerpoint" xmlns:v="urn:schemas-microsoft-com:vml" xmlns:o="urn:schemas-microsoft-com:office:office" xmlns:dgm="http://schemas.openxmlformats.org/drawingml/2006/diagram" xmlns:c="http://schemas.openxmlformats.org/drawingml/2006/chart" xmlns:mv="urn:schemas-microsoft-com:mac:vml" xmlns:mc="http://schemas.openxmlformats.org/markup-compatibility/2006" xmlns="" r:id="rId10" roundtripDataSignature="AMtx7mhK1jw155WkdJcq0TTS9IKfUDUMWw=="/>
     </p:ext>
   </p:extLst>
 </p:presentation>
@@ -855,128 +854,6 @@
 </file>
 
 <file path=ppt/notesSlides/notesSlide1.xml><?xml version="1.0" encoding="utf-8"?>
-<p:notes xmlns:a="http://schemas.openxmlformats.org/drawingml/2006/main" xmlns:r="http://schemas.openxmlformats.org/officeDocument/2006/relationships" xmlns:p="http://schemas.openxmlformats.org/presentationml/2006/main" showMasterSp="0" showMasterPhAnim="0">
-  <p:cSld>
-    <p:spTree>
-      <p:nvGrpSpPr>
-        <p:cNvPr id="1" name="Shape 80"/>
-        <p:cNvGrpSpPr/>
-        <p:nvPr/>
-      </p:nvGrpSpPr>
-      <p:grpSpPr>
-        <a:xfrm>
-          <a:off x="0" y="0"/>
-          <a:ext cx="0" cy="0"/>
-          <a:chOff x="0" y="0"/>
-          <a:chExt cx="0" cy="0"/>
-        </a:xfrm>
-      </p:grpSpPr>
-      <p:sp>
-        <p:nvSpPr>
-          <p:cNvPr id="81" name="Google Shape;81;p1:notes"/>
-          <p:cNvSpPr txBox="1">
-            <a:spLocks noGrp="1"/>
-          </p:cNvSpPr>
-          <p:nvPr>
-            <p:ph type="body" idx="1"/>
-          </p:nvPr>
-        </p:nvSpPr>
-        <p:spPr>
-          <a:xfrm>
-            <a:off x="685800" y="4343400"/>
-            <a:ext cx="5486400" cy="4114800"/>
-          </a:xfrm>
-          <a:prstGeom prst="rect">
-            <a:avLst/>
-          </a:prstGeom>
-          <a:noFill/>
-          <a:ln>
-            <a:noFill/>
-          </a:ln>
-        </p:spPr>
-        <p:txBody>
-          <a:bodyPr spcFirstLastPara="1" wrap="square" lIns="91425" tIns="91425" rIns="91425" bIns="91425" anchor="t" anchorCtr="0">
-            <a:noAutofit/>
-          </a:bodyPr>
-          <a:lstStyle/>
-          <a:p>
-            <a:pPr marL="0" lvl="0" indent="0" algn="l" rtl="0">
-              <a:lnSpc>
-                <a:spcPct val="100000"/>
-              </a:lnSpc>
-              <a:spcBef>
-                <a:spcPts val="0"/>
-              </a:spcBef>
-              <a:spcAft>
-                <a:spcPts val="0"/>
-              </a:spcAft>
-              <a:buSzPts val="1100"/>
-              <a:buNone/>
-            </a:pPr>
-            <a:endParaRPr/>
-          </a:p>
-        </p:txBody>
-      </p:sp>
-      <p:sp>
-        <p:nvSpPr>
-          <p:cNvPr id="82" name="Google Shape;82;p1:notes"/>
-          <p:cNvSpPr>
-            <a:spLocks noGrp="1" noRot="1" noChangeAspect="1"/>
-          </p:cNvSpPr>
-          <p:nvPr>
-            <p:ph type="sldImg" idx="2"/>
-          </p:nvPr>
-        </p:nvSpPr>
-        <p:spPr>
-          <a:xfrm>
-            <a:off x="2143125" y="685800"/>
-            <a:ext cx="2571750" cy="3429000"/>
-          </a:xfrm>
-          <a:custGeom>
-            <a:avLst/>
-            <a:gdLst/>
-            <a:ahLst/>
-            <a:cxnLst/>
-            <a:rect l="l" t="t" r="r" b="b"/>
-            <a:pathLst>
-              <a:path w="120000" h="120000" extrusionOk="0">
-                <a:moveTo>
-                  <a:pt x="0" y="0"/>
-                </a:moveTo>
-                <a:lnTo>
-                  <a:pt x="120000" y="0"/>
-                </a:lnTo>
-                <a:lnTo>
-                  <a:pt x="120000" y="120000"/>
-                </a:lnTo>
-                <a:lnTo>
-                  <a:pt x="0" y="120000"/>
-                </a:lnTo>
-                <a:close/>
-              </a:path>
-            </a:pathLst>
-          </a:custGeom>
-          <a:noFill/>
-          <a:ln w="9525" cap="flat" cmpd="sng">
-            <a:solidFill>
-              <a:srgbClr val="000000"/>
-            </a:solidFill>
-            <a:prstDash val="solid"/>
-            <a:round/>
-            <a:headEnd type="none" w="sm" len="sm"/>
-            <a:tailEnd type="none" w="sm" len="sm"/>
-          </a:ln>
-        </p:spPr>
-      </p:sp>
-    </p:spTree>
-  </p:cSld>
-  <p:clrMapOvr>
-    <a:masterClrMapping/>
-  </p:clrMapOvr>
-</p:notes>
-</file>
-
-<file path=ppt/notesSlides/notesSlide2.xml><?xml version="1.0" encoding="utf-8"?>
 <p:notes xmlns:a="http://schemas.openxmlformats.org/drawingml/2006/main" xmlns:r="http://schemas.openxmlformats.org/officeDocument/2006/relationships" xmlns:p="http://schemas.openxmlformats.org/presentationml/2006/main" showMasterSp="0" showMasterPhAnim="0">
   <p:cSld>
     <p:spTree>
@@ -14541,1646 +14418,6 @@
                   <a:buNone/>
                 </a:pPr>
                 <a:r>
-                  <a:rPr lang="en-US" sz="1800" b="1" i="0" u="none" strike="noStrike" cap="none" dirty="0">
-                    <a:solidFill>
-                      <a:srgbClr val="FF0000"/>
-                    </a:solidFill>
-                    <a:latin typeface="Malgun Gothic"/>
-                    <a:ea typeface="Malgun Gothic"/>
-                    <a:cs typeface="Malgun Gothic"/>
-                    <a:sym typeface="Malgun Gothic"/>
-                  </a:rPr>
-                  <a:t>Fit-Back : “</a:t>
-                </a:r>
-                <a:r>
-                  <a:rPr lang="ko-KR" altLang="en-US" sz="1800" b="1" i="0" u="none" strike="noStrike" cap="none" dirty="0" err="1">
-                    <a:solidFill>
-                      <a:srgbClr val="FF0000"/>
-                    </a:solidFill>
-                    <a:latin typeface="Malgun Gothic"/>
-                    <a:ea typeface="Malgun Gothic"/>
-                    <a:cs typeface="Malgun Gothic"/>
-                    <a:sym typeface="Malgun Gothic"/>
-                  </a:rPr>
-                  <a:t>데일리룩</a:t>
-                </a:r>
-                <a:r>
-                  <a:rPr lang="ko-KR" altLang="en-US" sz="1800" b="1" i="0" u="none" strike="noStrike" cap="none" dirty="0">
-                    <a:solidFill>
-                      <a:srgbClr val="FF0000"/>
-                    </a:solidFill>
-                    <a:latin typeface="Malgun Gothic"/>
-                    <a:ea typeface="Malgun Gothic"/>
-                    <a:cs typeface="Malgun Gothic"/>
-                    <a:sym typeface="Malgun Gothic"/>
-                  </a:rPr>
-                  <a:t> 평가 프로그램</a:t>
-                </a:r>
-                <a:r>
-                  <a:rPr lang="en-US" altLang="ko-KR" sz="1800" b="1" i="0" u="none" strike="noStrike" cap="none" dirty="0">
-                    <a:solidFill>
-                      <a:srgbClr val="FF0000"/>
-                    </a:solidFill>
-                    <a:latin typeface="Malgun Gothic"/>
-                    <a:ea typeface="Malgun Gothic"/>
-                    <a:cs typeface="Malgun Gothic"/>
-                    <a:sym typeface="Malgun Gothic"/>
-                  </a:rPr>
-                  <a:t>”</a:t>
-                </a:r>
-                <a:endParaRPr sz="1800" b="1" i="0" u="none" strike="noStrike" cap="none" dirty="0">
-                  <a:solidFill>
-                    <a:srgbClr val="FF0000"/>
-                  </a:solidFill>
-                  <a:latin typeface="Malgun Gothic"/>
-                  <a:ea typeface="Malgun Gothic"/>
-                  <a:cs typeface="Malgun Gothic"/>
-                  <a:sym typeface="Malgun Gothic"/>
-                </a:endParaRPr>
-              </a:p>
-            </p:txBody>
-          </p:sp>
-          <p:sp>
-            <p:nvSpPr>
-              <p:cNvPr id="88" name="Google Shape;88;p1"/>
-              <p:cNvSpPr/>
-              <p:nvPr/>
-            </p:nvSpPr>
-            <p:spPr>
-              <a:xfrm>
-                <a:off x="800814" y="8748464"/>
-                <a:ext cx="4824323" cy="216024"/>
-              </a:xfrm>
-              <a:prstGeom prst="rect">
-                <a:avLst/>
-              </a:prstGeom>
-              <a:solidFill>
-                <a:schemeClr val="lt1"/>
-              </a:solidFill>
-              <a:ln>
-                <a:noFill/>
-              </a:ln>
-            </p:spPr>
-            <p:txBody>
-              <a:bodyPr spcFirstLastPara="1" wrap="square" lIns="91425" tIns="45700" rIns="91425" bIns="45700" anchor="ctr" anchorCtr="0">
-                <a:noAutofit/>
-              </a:bodyPr>
-              <a:lstStyle/>
-              <a:p>
-                <a:pPr marL="0" marR="0" lvl="0" indent="0" algn="ctr" rtl="0">
-                  <a:lnSpc>
-                    <a:spcPct val="100000"/>
-                  </a:lnSpc>
-                  <a:spcBef>
-                    <a:spcPts val="0"/>
-                  </a:spcBef>
-                  <a:spcAft>
-                    <a:spcPts val="0"/>
-                  </a:spcAft>
-                  <a:buClr>
-                    <a:srgbClr val="000000"/>
-                  </a:buClr>
-                  <a:buSzPts val="1800"/>
-                  <a:buFont typeface="Arial"/>
-                  <a:buNone/>
-                </a:pPr>
-                <a:endParaRPr sz="1800" b="0" i="0" u="none" strike="noStrike" cap="none">
-                  <a:solidFill>
-                    <a:schemeClr val="dk1"/>
-                  </a:solidFill>
-                  <a:latin typeface="Malgun Gothic"/>
-                  <a:ea typeface="Malgun Gothic"/>
-                  <a:cs typeface="Malgun Gothic"/>
-                  <a:sym typeface="Malgun Gothic"/>
-                </a:endParaRPr>
-              </a:p>
-            </p:txBody>
-          </p:sp>
-        </p:grpSp>
-        <p:sp>
-          <p:nvSpPr>
-            <p:cNvPr id="89" name="Google Shape;89;p1"/>
-            <p:cNvSpPr/>
-            <p:nvPr/>
-          </p:nvSpPr>
-          <p:spPr>
-            <a:xfrm>
-              <a:off x="445554" y="2277669"/>
-              <a:ext cx="5906135" cy="1785342"/>
-            </a:xfrm>
-            <a:prstGeom prst="rect">
-              <a:avLst/>
-            </a:prstGeom>
-            <a:solidFill>
-              <a:schemeClr val="lt1"/>
-            </a:solidFill>
-            <a:ln w="38100" cap="flat" cmpd="sng">
-              <a:solidFill>
-                <a:srgbClr val="25428E"/>
-              </a:solidFill>
-              <a:prstDash val="solid"/>
-              <a:round/>
-              <a:headEnd type="none" w="sm" len="sm"/>
-              <a:tailEnd type="none" w="sm" len="sm"/>
-            </a:ln>
-          </p:spPr>
-          <p:txBody>
-            <a:bodyPr spcFirstLastPara="1" wrap="square" lIns="91425" tIns="45700" rIns="91425" bIns="45700" anchor="t" anchorCtr="0">
-              <a:noAutofit/>
-            </a:bodyPr>
-            <a:lstStyle/>
-            <a:p>
-              <a:pPr marL="0" marR="0" lvl="0" indent="0" algn="l" rtl="0">
-                <a:lnSpc>
-                  <a:spcPct val="100000"/>
-                </a:lnSpc>
-                <a:spcBef>
-                  <a:spcPts val="0"/>
-                </a:spcBef>
-                <a:spcAft>
-                  <a:spcPts val="0"/>
-                </a:spcAft>
-                <a:buNone/>
-              </a:pPr>
-              <a:r>
-                <a:rPr lang="en-US" altLang="ko-KR" sz="1100" b="0" i="0" dirty="0">
-                  <a:solidFill>
-                    <a:srgbClr val="000000"/>
-                  </a:solidFill>
-                  <a:effectLst/>
-                  <a:latin typeface="Arial" panose="020B0604020202020204" pitchFamily="34" charset="0"/>
-                </a:rPr>
-                <a:t>1. </a:t>
-              </a:r>
-              <a:r>
-                <a:rPr lang="ko-KR" altLang="en-US" sz="1100" dirty="0">
-                  <a:solidFill>
-                    <a:schemeClr val="tx1"/>
-                  </a:solidFill>
-                  <a:latin typeface="Arial" panose="020B0604020202020204" pitchFamily="34" charset="0"/>
-                  <a:ea typeface="Malgun Gothic"/>
-                  <a:sym typeface="Malgun Gothic"/>
-                </a:rPr>
-                <a:t>배경</a:t>
-              </a:r>
-              <a:r>
-                <a:rPr lang="en-US" altLang="ko-KR" sz="1100" dirty="0">
-                  <a:solidFill>
-                    <a:schemeClr val="tx1"/>
-                  </a:solidFill>
-                  <a:latin typeface="Arial" panose="020B0604020202020204" pitchFamily="34" charset="0"/>
-                  <a:ea typeface="Malgun Gothic"/>
-                  <a:sym typeface="Malgun Gothic"/>
-                </a:rPr>
-                <a:t>: SNS</a:t>
-              </a:r>
-              <a:r>
-                <a:rPr lang="ko-KR" altLang="en-US" sz="1100" dirty="0">
-                  <a:solidFill>
-                    <a:schemeClr val="tx1"/>
-                  </a:solidFill>
-                  <a:latin typeface="Arial" panose="020B0604020202020204" pitchFamily="34" charset="0"/>
-                  <a:ea typeface="Malgun Gothic"/>
-                  <a:sym typeface="Malgun Gothic"/>
-                </a:rPr>
-                <a:t>의 해시태그 </a:t>
-              </a:r>
-              <a:r>
-                <a:rPr lang="en-US" altLang="ko-KR" sz="1100" dirty="0">
-                  <a:solidFill>
-                    <a:schemeClr val="tx1"/>
-                  </a:solidFill>
-                  <a:latin typeface="Arial" panose="020B0604020202020204" pitchFamily="34" charset="0"/>
-                  <a:ea typeface="Malgun Gothic"/>
-                  <a:sym typeface="Malgun Gothic"/>
-                </a:rPr>
-                <a:t>‘</a:t>
-              </a:r>
-              <a:r>
-                <a:rPr lang="en-US" altLang="ko-KR" sz="1100" dirty="0" err="1">
-                  <a:solidFill>
-                    <a:schemeClr val="tx1"/>
-                  </a:solidFill>
-                  <a:latin typeface="Arial" panose="020B0604020202020204" pitchFamily="34" charset="0"/>
-                  <a:ea typeface="Malgun Gothic"/>
-                  <a:sym typeface="Malgun Gothic"/>
-                </a:rPr>
-                <a:t>ootd</a:t>
-              </a:r>
-              <a:r>
-                <a:rPr lang="en-US" altLang="ko-KR" sz="1100" dirty="0">
-                  <a:solidFill>
-                    <a:schemeClr val="tx1"/>
-                  </a:solidFill>
-                  <a:latin typeface="Arial" panose="020B0604020202020204" pitchFamily="34" charset="0"/>
-                  <a:ea typeface="Malgun Gothic"/>
-                  <a:sym typeface="Malgun Gothic"/>
-                </a:rPr>
-                <a:t>’</a:t>
-              </a:r>
-              <a:r>
-                <a:rPr lang="ko-KR" altLang="en-US" sz="1100" dirty="0">
-                  <a:solidFill>
-                    <a:schemeClr val="tx1"/>
-                  </a:solidFill>
-                  <a:latin typeface="Arial" panose="020B0604020202020204" pitchFamily="34" charset="0"/>
-                  <a:ea typeface="Malgun Gothic"/>
-                  <a:sym typeface="Malgun Gothic"/>
-                </a:rPr>
-                <a:t>의 사용 게시물이 </a:t>
-              </a:r>
-              <a:r>
-                <a:rPr lang="en-US" altLang="ko-KR" sz="1100" dirty="0">
-                  <a:solidFill>
-                    <a:schemeClr val="tx1"/>
-                  </a:solidFill>
-                  <a:latin typeface="Arial" panose="020B0604020202020204" pitchFamily="34" charset="0"/>
-                  <a:ea typeface="Malgun Gothic"/>
-                  <a:sym typeface="Malgun Gothic"/>
-                </a:rPr>
-                <a:t>3.9</a:t>
-              </a:r>
-              <a:r>
-                <a:rPr lang="ko-KR" altLang="en-US" sz="1100" dirty="0" err="1">
-                  <a:solidFill>
-                    <a:schemeClr val="tx1"/>
-                  </a:solidFill>
-                  <a:latin typeface="Arial" panose="020B0604020202020204" pitchFamily="34" charset="0"/>
-                  <a:ea typeface="Malgun Gothic"/>
-                  <a:sym typeface="Malgun Gothic"/>
-                </a:rPr>
-                <a:t>억개가</a:t>
-              </a:r>
-              <a:r>
-                <a:rPr lang="ko-KR" altLang="en-US" sz="1100" dirty="0">
-                  <a:solidFill>
-                    <a:schemeClr val="tx1"/>
-                  </a:solidFill>
-                  <a:latin typeface="Arial" panose="020B0604020202020204" pitchFamily="34" charset="0"/>
-                  <a:ea typeface="Malgun Gothic"/>
-                  <a:sym typeface="Malgun Gothic"/>
-                </a:rPr>
-                <a:t> </a:t>
-              </a:r>
-              <a:r>
-                <a:rPr lang="ko-KR" altLang="en-US" sz="1100" dirty="0" err="1">
-                  <a:solidFill>
-                    <a:schemeClr val="tx1"/>
-                  </a:solidFill>
-                  <a:latin typeface="Arial" panose="020B0604020202020204" pitchFamily="34" charset="0"/>
-                  <a:ea typeface="Malgun Gothic"/>
-                  <a:sym typeface="Malgun Gothic"/>
-                </a:rPr>
-                <a:t>넘어감</a:t>
-              </a:r>
-              <a:endParaRPr lang="en-US" altLang="ko-KR" sz="1100" dirty="0">
-                <a:solidFill>
-                  <a:schemeClr val="tx1"/>
-                </a:solidFill>
-                <a:latin typeface="Arial" panose="020B0604020202020204" pitchFamily="34" charset="0"/>
-                <a:ea typeface="Malgun Gothic"/>
-                <a:sym typeface="Malgun Gothic"/>
-              </a:endParaRPr>
-            </a:p>
-            <a:p>
-              <a:pPr marL="0" marR="0" lvl="0" indent="0" algn="l" rtl="0">
-                <a:lnSpc>
-                  <a:spcPct val="100000"/>
-                </a:lnSpc>
-                <a:spcBef>
-                  <a:spcPts val="0"/>
-                </a:spcBef>
-                <a:spcAft>
-                  <a:spcPts val="0"/>
-                </a:spcAft>
-                <a:buNone/>
-              </a:pPr>
-              <a:r>
-                <a:rPr lang="en-US" altLang="ko-KR" sz="1100" dirty="0">
-                  <a:solidFill>
-                    <a:schemeClr val="tx1"/>
-                  </a:solidFill>
-                  <a:latin typeface="Arial" panose="020B0604020202020204" pitchFamily="34" charset="0"/>
-                  <a:ea typeface="Malgun Gothic"/>
-                  <a:sym typeface="Malgun Gothic"/>
-                </a:rPr>
-                <a:t>-&gt; </a:t>
-              </a:r>
-              <a:r>
-                <a:rPr lang="ko-KR" altLang="en-US" sz="1100" dirty="0" err="1">
-                  <a:solidFill>
-                    <a:schemeClr val="tx1"/>
-                  </a:solidFill>
-                  <a:latin typeface="Arial" panose="020B0604020202020204" pitchFamily="34" charset="0"/>
-                  <a:ea typeface="Malgun Gothic"/>
-                  <a:sym typeface="Malgun Gothic"/>
-                </a:rPr>
-                <a:t>데일리룩에</a:t>
-              </a:r>
-              <a:r>
-                <a:rPr lang="ko-KR" altLang="en-US" sz="1100" dirty="0">
-                  <a:solidFill>
-                    <a:schemeClr val="tx1"/>
-                  </a:solidFill>
-                  <a:latin typeface="Arial" panose="020B0604020202020204" pitchFamily="34" charset="0"/>
-                  <a:ea typeface="Malgun Gothic"/>
-                  <a:sym typeface="Malgun Gothic"/>
-                </a:rPr>
-                <a:t> 관심이 많고 민감한 사람들 다수</a:t>
-              </a:r>
-              <a:endParaRPr lang="en-US" altLang="ko-KR" sz="1100" b="0" i="0" dirty="0">
-                <a:solidFill>
-                  <a:srgbClr val="000000"/>
-                </a:solidFill>
-                <a:effectLst/>
-                <a:latin typeface="Arial" panose="020B0604020202020204" pitchFamily="34" charset="0"/>
-              </a:endParaRPr>
-            </a:p>
-            <a:p>
-              <a:pPr marL="0" marR="0" lvl="0" indent="0" algn="l" rtl="0">
-                <a:lnSpc>
-                  <a:spcPct val="100000"/>
-                </a:lnSpc>
-                <a:spcBef>
-                  <a:spcPts val="0"/>
-                </a:spcBef>
-                <a:spcAft>
-                  <a:spcPts val="0"/>
-                </a:spcAft>
-                <a:buNone/>
-              </a:pPr>
-              <a:endParaRPr lang="en-US" altLang="ko-KR" sz="1100" dirty="0">
-                <a:latin typeface="Arial" panose="020B0604020202020204" pitchFamily="34" charset="0"/>
-              </a:endParaRPr>
-            </a:p>
-            <a:p>
-              <a:pPr marL="0" marR="0" lvl="0" indent="0" algn="l" rtl="0">
-                <a:lnSpc>
-                  <a:spcPct val="100000"/>
-                </a:lnSpc>
-                <a:spcBef>
-                  <a:spcPts val="0"/>
-                </a:spcBef>
-                <a:spcAft>
-                  <a:spcPts val="0"/>
-                </a:spcAft>
-                <a:buNone/>
-              </a:pPr>
-              <a:r>
-                <a:rPr lang="en-US" altLang="ko-KR" sz="1100" b="0" i="0" dirty="0">
-                  <a:solidFill>
-                    <a:srgbClr val="000000"/>
-                  </a:solidFill>
-                  <a:effectLst/>
-                  <a:latin typeface="Arial" panose="020B0604020202020204" pitchFamily="34" charset="0"/>
-                </a:rPr>
-                <a:t>2. </a:t>
-              </a:r>
-              <a:r>
-                <a:rPr lang="ko-KR" altLang="en-US" sz="1100" b="0" i="0" dirty="0">
-                  <a:solidFill>
-                    <a:srgbClr val="000000"/>
-                  </a:solidFill>
-                  <a:effectLst/>
-                  <a:latin typeface="Arial" panose="020B0604020202020204" pitchFamily="34" charset="0"/>
-                </a:rPr>
-                <a:t>대상</a:t>
-              </a:r>
-              <a:r>
-                <a:rPr lang="en-US" altLang="ko-KR" sz="1100" b="0" i="0" dirty="0">
-                  <a:solidFill>
-                    <a:srgbClr val="000000"/>
-                  </a:solidFill>
-                  <a:effectLst/>
-                  <a:latin typeface="Arial" panose="020B0604020202020204" pitchFamily="34" charset="0"/>
-                </a:rPr>
-                <a:t>: </a:t>
-              </a:r>
-              <a:r>
-                <a:rPr lang="ko-KR" altLang="en-US" sz="1100" b="0" i="0" dirty="0">
-                  <a:solidFill>
-                    <a:srgbClr val="000000"/>
-                  </a:solidFill>
-                  <a:effectLst/>
-                  <a:latin typeface="Arial" panose="020B0604020202020204" pitchFamily="34" charset="0"/>
-                </a:rPr>
-                <a:t>패션에 관심이 많은 </a:t>
-              </a:r>
-              <a:r>
-                <a:rPr lang="ko-KR" altLang="en-US" sz="1100" dirty="0">
-                  <a:latin typeface="Arial" panose="020B0604020202020204" pitchFamily="34" charset="0"/>
-                </a:rPr>
-                <a:t>고객층</a:t>
-              </a:r>
-              <a:endParaRPr lang="en-US" altLang="ko-KR" sz="1100" dirty="0">
-                <a:latin typeface="Arial" panose="020B0604020202020204" pitchFamily="34" charset="0"/>
-              </a:endParaRPr>
-            </a:p>
-            <a:p>
-              <a:pPr marL="0" marR="0" lvl="0" indent="0" algn="l" rtl="0">
-                <a:lnSpc>
-                  <a:spcPct val="100000"/>
-                </a:lnSpc>
-                <a:spcBef>
-                  <a:spcPts val="0"/>
-                </a:spcBef>
-                <a:spcAft>
-                  <a:spcPts val="0"/>
-                </a:spcAft>
-                <a:buNone/>
-              </a:pPr>
-              <a:r>
-                <a:rPr lang="en-US" altLang="ko-KR" sz="1100" dirty="0">
-                  <a:solidFill>
-                    <a:schemeClr val="tx1"/>
-                  </a:solidFill>
-                  <a:latin typeface="Arial" panose="020B0604020202020204" pitchFamily="34" charset="0"/>
-                  <a:ea typeface="Malgun Gothic"/>
-                  <a:sym typeface="Malgun Gothic"/>
-                </a:rPr>
-                <a:t>-&gt; </a:t>
-              </a:r>
-              <a:r>
-                <a:rPr lang="ko-KR" altLang="en-US" sz="1100" dirty="0">
-                  <a:solidFill>
-                    <a:schemeClr val="tx1"/>
-                  </a:solidFill>
-                  <a:latin typeface="Arial" panose="020B0604020202020204" pitchFamily="34" charset="0"/>
-                  <a:ea typeface="Malgun Gothic"/>
-                  <a:sym typeface="Malgun Gothic"/>
-                </a:rPr>
-                <a:t>유행에 유독 민감한 한국인</a:t>
-              </a:r>
-              <a:endParaRPr lang="en-US" altLang="ko-KR" sz="1100" dirty="0">
-                <a:solidFill>
-                  <a:schemeClr val="tx1"/>
-                </a:solidFill>
-                <a:latin typeface="Arial" panose="020B0604020202020204" pitchFamily="34" charset="0"/>
-                <a:ea typeface="Malgun Gothic"/>
-                <a:sym typeface="Malgun Gothic"/>
-              </a:endParaRPr>
-            </a:p>
-            <a:p>
-              <a:pPr marL="0" marR="0" lvl="0" indent="0" algn="l" rtl="0">
-                <a:lnSpc>
-                  <a:spcPct val="100000"/>
-                </a:lnSpc>
-                <a:spcBef>
-                  <a:spcPts val="0"/>
-                </a:spcBef>
-                <a:spcAft>
-                  <a:spcPts val="0"/>
-                </a:spcAft>
-                <a:buNone/>
-              </a:pPr>
-              <a:r>
-                <a:rPr lang="en-US" altLang="ko-KR" sz="1100" dirty="0">
-                  <a:solidFill>
-                    <a:schemeClr val="tx1"/>
-                  </a:solidFill>
-                  <a:latin typeface="Arial" panose="020B0604020202020204" pitchFamily="34" charset="0"/>
-                  <a:ea typeface="Malgun Gothic"/>
-                  <a:sym typeface="Malgun Gothic"/>
-                </a:rPr>
-                <a:t>-&gt; </a:t>
-              </a:r>
-              <a:r>
-                <a:rPr lang="ko-KR" altLang="en-US" sz="1100" dirty="0">
-                  <a:solidFill>
-                    <a:schemeClr val="tx1"/>
-                  </a:solidFill>
-                  <a:latin typeface="Arial" panose="020B0604020202020204" pitchFamily="34" charset="0"/>
-                  <a:ea typeface="Malgun Gothic"/>
-                  <a:sym typeface="Malgun Gothic"/>
-                </a:rPr>
-                <a:t>어떤 옷을 입어야 하는지 매일 고민하는 사람들</a:t>
-              </a:r>
-              <a:endParaRPr lang="en-US" altLang="ko-KR" sz="1100" dirty="0">
-                <a:solidFill>
-                  <a:schemeClr val="tx1"/>
-                </a:solidFill>
-                <a:latin typeface="Arial" panose="020B0604020202020204" pitchFamily="34" charset="0"/>
-                <a:ea typeface="Malgun Gothic"/>
-                <a:sym typeface="Malgun Gothic"/>
-              </a:endParaRPr>
-            </a:p>
-            <a:p>
-              <a:pPr marL="0" marR="0" lvl="0" indent="0" algn="l" rtl="0">
-                <a:lnSpc>
-                  <a:spcPct val="100000"/>
-                </a:lnSpc>
-                <a:spcBef>
-                  <a:spcPts val="0"/>
-                </a:spcBef>
-                <a:spcAft>
-                  <a:spcPts val="0"/>
-                </a:spcAft>
-                <a:buNone/>
-              </a:pPr>
-              <a:endParaRPr lang="en-US" altLang="ko-KR" sz="1100" dirty="0">
-                <a:solidFill>
-                  <a:schemeClr val="tx1"/>
-                </a:solidFill>
-                <a:latin typeface="Arial" panose="020B0604020202020204" pitchFamily="34" charset="0"/>
-                <a:ea typeface="Malgun Gothic"/>
-                <a:sym typeface="Malgun Gothic"/>
-              </a:endParaRPr>
-            </a:p>
-            <a:p>
-              <a:pPr marL="0" marR="0" lvl="0" indent="0" algn="l" rtl="0">
-                <a:lnSpc>
-                  <a:spcPct val="100000"/>
-                </a:lnSpc>
-                <a:spcBef>
-                  <a:spcPts val="0"/>
-                </a:spcBef>
-                <a:spcAft>
-                  <a:spcPts val="0"/>
-                </a:spcAft>
-                <a:buNone/>
-              </a:pPr>
-              <a:r>
-                <a:rPr lang="en-US" altLang="ko-KR" sz="1100" dirty="0">
-                  <a:solidFill>
-                    <a:schemeClr val="tx1"/>
-                  </a:solidFill>
-                  <a:latin typeface="Arial" panose="020B0604020202020204" pitchFamily="34" charset="0"/>
-                  <a:ea typeface="Malgun Gothic"/>
-                  <a:sym typeface="Malgun Gothic"/>
-                </a:rPr>
-                <a:t>3. </a:t>
-              </a:r>
-              <a:r>
-                <a:rPr lang="ko-KR" altLang="en-US" sz="1100" dirty="0">
-                  <a:solidFill>
-                    <a:schemeClr val="tx1"/>
-                  </a:solidFill>
-                  <a:latin typeface="Arial" panose="020B0604020202020204" pitchFamily="34" charset="0"/>
-                  <a:ea typeface="Malgun Gothic"/>
-                  <a:sym typeface="Malgun Gothic"/>
-                </a:rPr>
-                <a:t>목적</a:t>
-              </a:r>
-              <a:r>
-                <a:rPr lang="en-US" altLang="ko-KR" sz="1100" dirty="0">
-                  <a:solidFill>
-                    <a:schemeClr val="tx1"/>
-                  </a:solidFill>
-                  <a:latin typeface="Arial" panose="020B0604020202020204" pitchFamily="34" charset="0"/>
-                  <a:ea typeface="Malgun Gothic"/>
-                  <a:sym typeface="Malgun Gothic"/>
-                </a:rPr>
-                <a:t>: </a:t>
-              </a:r>
-              <a:r>
-                <a:rPr lang="ko-KR" altLang="en-US" sz="1100" dirty="0">
-                  <a:solidFill>
-                    <a:schemeClr val="tx1"/>
-                  </a:solidFill>
-                  <a:latin typeface="Arial" panose="020B0604020202020204" pitchFamily="34" charset="0"/>
-                  <a:ea typeface="Malgun Gothic"/>
-                  <a:sym typeface="Malgun Gothic"/>
-                </a:rPr>
-                <a:t>나의 </a:t>
-              </a:r>
-              <a:r>
-                <a:rPr lang="ko-KR" altLang="en-US" sz="1100" dirty="0" err="1">
-                  <a:solidFill>
-                    <a:schemeClr val="tx1"/>
-                  </a:solidFill>
-                  <a:latin typeface="Arial" panose="020B0604020202020204" pitchFamily="34" charset="0"/>
-                  <a:ea typeface="Malgun Gothic"/>
-                  <a:sym typeface="Malgun Gothic"/>
-                </a:rPr>
-                <a:t>데일리룩</a:t>
-              </a:r>
-              <a:r>
-                <a:rPr lang="ko-KR" altLang="en-US" sz="1100" dirty="0">
-                  <a:solidFill>
-                    <a:schemeClr val="tx1"/>
-                  </a:solidFill>
-                  <a:latin typeface="Arial" panose="020B0604020202020204" pitchFamily="34" charset="0"/>
-                  <a:ea typeface="Malgun Gothic"/>
-                  <a:sym typeface="Malgun Gothic"/>
-                </a:rPr>
-                <a:t> 관리</a:t>
-              </a:r>
-              <a:r>
-                <a:rPr lang="en-US" altLang="ko-KR" sz="1100" dirty="0">
-                  <a:solidFill>
-                    <a:schemeClr val="tx1"/>
-                  </a:solidFill>
-                  <a:latin typeface="Arial" panose="020B0604020202020204" pitchFamily="34" charset="0"/>
-                  <a:ea typeface="Malgun Gothic"/>
-                  <a:sym typeface="Malgun Gothic"/>
-                </a:rPr>
-                <a:t>, </a:t>
-              </a:r>
-              <a:r>
-                <a:rPr lang="ko-KR" altLang="en-US" sz="1100" dirty="0">
-                  <a:solidFill>
-                    <a:schemeClr val="tx1"/>
-                  </a:solidFill>
-                  <a:latin typeface="Arial" panose="020B0604020202020204" pitchFamily="34" charset="0"/>
-                  <a:ea typeface="Malgun Gothic"/>
-                  <a:sym typeface="Malgun Gothic"/>
-                </a:rPr>
-                <a:t>패션 및 코디 관련 정보와 의견 교환</a:t>
-              </a:r>
-              <a:endParaRPr lang="en-US" altLang="ko-KR" sz="1100" dirty="0">
-                <a:solidFill>
-                  <a:schemeClr val="tx1"/>
-                </a:solidFill>
-                <a:latin typeface="Arial" panose="020B0604020202020204" pitchFamily="34" charset="0"/>
-                <a:ea typeface="Malgun Gothic"/>
-                <a:sym typeface="Malgun Gothic"/>
-              </a:endParaRPr>
-            </a:p>
-            <a:p>
-              <a:pPr marL="0" marR="0" lvl="0" indent="0" algn="l" rtl="0">
-                <a:lnSpc>
-                  <a:spcPct val="100000"/>
-                </a:lnSpc>
-                <a:spcBef>
-                  <a:spcPts val="0"/>
-                </a:spcBef>
-                <a:spcAft>
-                  <a:spcPts val="0"/>
-                </a:spcAft>
-                <a:buNone/>
-              </a:pPr>
-              <a:endParaRPr lang="en-US" altLang="ko-KR" sz="1100" dirty="0">
-                <a:solidFill>
-                  <a:schemeClr val="tx1"/>
-                </a:solidFill>
-                <a:latin typeface="Arial" panose="020B0604020202020204" pitchFamily="34" charset="0"/>
-                <a:ea typeface="Malgun Gothic"/>
-                <a:sym typeface="Malgun Gothic"/>
-              </a:endParaRPr>
-            </a:p>
-            <a:p>
-              <a:pPr marL="0" marR="0" lvl="0" indent="0" algn="l" rtl="0">
-                <a:lnSpc>
-                  <a:spcPct val="100000"/>
-                </a:lnSpc>
-                <a:spcBef>
-                  <a:spcPts val="0"/>
-                </a:spcBef>
-                <a:spcAft>
-                  <a:spcPts val="0"/>
-                </a:spcAft>
-                <a:buNone/>
-              </a:pPr>
-              <a:r>
-                <a:rPr lang="ko-KR" altLang="en-US" sz="1100" dirty="0">
-                  <a:solidFill>
-                    <a:schemeClr val="accent3"/>
-                  </a:solidFill>
-                  <a:latin typeface="Arial" panose="020B0604020202020204" pitchFamily="34" charset="0"/>
-                  <a:ea typeface="Malgun Gothic"/>
-                  <a:sym typeface="Malgun Gothic"/>
-                </a:rPr>
-                <a:t>배경을 제일 앞 순서로 뺐음</a:t>
-              </a:r>
-              <a:r>
-                <a:rPr lang="en-US" altLang="ko-KR" sz="1100" dirty="0">
-                  <a:solidFill>
-                    <a:schemeClr val="accent3"/>
-                  </a:solidFill>
-                  <a:latin typeface="Arial" panose="020B0604020202020204" pitchFamily="34" charset="0"/>
-                  <a:ea typeface="Malgun Gothic"/>
-                  <a:sym typeface="Malgun Gothic"/>
-                </a:rPr>
-                <a:t> / </a:t>
-              </a:r>
-              <a:r>
-                <a:rPr lang="ko-KR" altLang="en-US" sz="1100" dirty="0">
-                  <a:solidFill>
-                    <a:schemeClr val="accent3"/>
-                  </a:solidFill>
-                  <a:latin typeface="Arial" panose="020B0604020202020204" pitchFamily="34" charset="0"/>
-                  <a:ea typeface="Malgun Gothic"/>
-                  <a:sym typeface="Malgun Gothic"/>
-                </a:rPr>
-                <a:t>배경과 대상이 한번에 소개된 후 목적으로 가는 게 나을 듯</a:t>
-              </a:r>
-              <a:endParaRPr lang="en-US" altLang="ko-KR" sz="1100" dirty="0">
-                <a:solidFill>
-                  <a:schemeClr val="accent3"/>
-                </a:solidFill>
-                <a:latin typeface="Arial" panose="020B0604020202020204" pitchFamily="34" charset="0"/>
-                <a:ea typeface="Malgun Gothic"/>
-                <a:sym typeface="Malgun Gothic"/>
-              </a:endParaRPr>
-            </a:p>
-          </p:txBody>
-        </p:sp>
-      </p:grpSp>
-      <p:pic>
-        <p:nvPicPr>
-          <p:cNvPr id="90" name="Google Shape;90;p1"/>
-          <p:cNvPicPr preferRelativeResize="0"/>
-          <p:nvPr/>
-        </p:nvPicPr>
-        <p:blipFill rotWithShape="1">
-          <a:blip r:embed="rId4">
-            <a:alphaModFix/>
-          </a:blip>
-          <a:srcRect l="6948" t="20717" r="54220" b="74844"/>
-          <a:stretch/>
-        </p:blipFill>
-        <p:spPr>
-          <a:xfrm>
-            <a:off x="409709" y="4148535"/>
-            <a:ext cx="2665248" cy="405857"/>
-          </a:xfrm>
-          <a:prstGeom prst="rect">
-            <a:avLst/>
-          </a:prstGeom>
-          <a:noFill/>
-          <a:ln>
-            <a:noFill/>
-          </a:ln>
-        </p:spPr>
-      </p:pic>
-      <p:pic>
-        <p:nvPicPr>
-          <p:cNvPr id="91" name="Google Shape;91;p1" descr="C:/Users/hanso/AppData/Roaming/PolarisOffice8/ETemp/9012_20626944/image4.png"/>
-          <p:cNvPicPr preferRelativeResize="0"/>
-          <p:nvPr/>
-        </p:nvPicPr>
-        <p:blipFill rotWithShape="1">
-          <a:blip r:embed="rId5">
-            <a:alphaModFix/>
-          </a:blip>
-          <a:srcRect l="6937" t="20678" r="54133" b="75330"/>
-          <a:stretch/>
-        </p:blipFill>
-        <p:spPr>
-          <a:xfrm>
-            <a:off x="465010" y="6501206"/>
-            <a:ext cx="2676219" cy="365125"/>
-          </a:xfrm>
-          <a:prstGeom prst="rect">
-            <a:avLst/>
-          </a:prstGeom>
-          <a:noFill/>
-          <a:ln>
-            <a:noFill/>
-          </a:ln>
-        </p:spPr>
-      </p:pic>
-      <p:graphicFrame>
-        <p:nvGraphicFramePr>
-          <p:cNvPr id="96" name="Google Shape;96;p1"/>
-          <p:cNvGraphicFramePr/>
-          <p:nvPr>
-            <p:extLst>
-              <p:ext uri="{D42A27DB-BD31-4B8C-83A1-F6EECF244321}">
-                <p14:modId xmlns:p14="http://schemas.microsoft.com/office/powerpoint/2010/main" val="2930019565"/>
-              </p:ext>
-            </p:extLst>
-          </p:nvPr>
-        </p:nvGraphicFramePr>
-        <p:xfrm>
-          <a:off x="503764" y="4521123"/>
-          <a:ext cx="5879250" cy="1785225"/>
-        </p:xfrm>
-        <a:graphic>
-          <a:graphicData uri="http://schemas.openxmlformats.org/drawingml/2006/table">
-            <a:tbl>
-              <a:tblPr>
-                <a:noFill/>
-                <a:tableStyleId>{E3DA6240-A37E-4AD5-93DC-7D6949177DA6}</a:tableStyleId>
-              </a:tblPr>
-              <a:tblGrid>
-                <a:gridCol w="5879250">
-                  <a:extLst>
-                    <a:ext uri="{9D8B030D-6E8A-4147-A177-3AD203B41FA5}">
-                      <a16:colId xmlns:a16="http://schemas.microsoft.com/office/drawing/2014/main" val="20000"/>
-                    </a:ext>
-                  </a:extLst>
-                </a:gridCol>
-              </a:tblGrid>
-              <a:tr h="1785225">
-                <a:tc>
-                  <a:txBody>
-                    <a:bodyPr/>
-                    <a:lstStyle/>
-                    <a:p>
-                      <a:pPr marL="0" marR="0" lvl="0" indent="0" algn="l" defTabSz="914400" rtl="0" eaLnBrk="1" fontAlgn="auto" latinLnBrk="0" hangingPunct="1">
-                        <a:lnSpc>
-                          <a:spcPct val="100000"/>
-                        </a:lnSpc>
-                        <a:spcBef>
-                          <a:spcPts val="0"/>
-                        </a:spcBef>
-                        <a:spcAft>
-                          <a:spcPts val="0"/>
-                        </a:spcAft>
-                        <a:buClr>
-                          <a:srgbClr val="000000"/>
-                        </a:buClr>
-                        <a:buSzTx/>
-                        <a:buFont typeface="Arial"/>
-                        <a:buNone/>
-                        <a:tabLst/>
-                        <a:defRPr/>
-                      </a:pPr>
-                      <a:r>
-                        <a:rPr kumimoji="0" lang="en-US" altLang="ko-KR" sz="1100" b="0" i="0" u="none" strike="noStrike" kern="0" cap="none" spc="0" normalizeH="0" baseline="0" noProof="0" dirty="0">
-                          <a:ln>
-                            <a:noFill/>
-                          </a:ln>
-                          <a:solidFill>
-                            <a:schemeClr val="tx1"/>
-                          </a:solidFill>
-                          <a:effectLst/>
-                          <a:uLnTx/>
-                          <a:uFillTx/>
-                          <a:latin typeface="+mn-lt"/>
-                          <a:ea typeface="Malgun Gothic"/>
-                          <a:cs typeface="Malgun Gothic"/>
-                          <a:sym typeface="Malgun Gothic"/>
-                        </a:rPr>
-                        <a:t>1. </a:t>
-                      </a:r>
-                      <a:r>
-                        <a:rPr kumimoji="0" lang="ko-KR" altLang="en-US" sz="1100" b="0" i="0" u="none" strike="noStrike" kern="0" cap="none" spc="0" normalizeH="0" baseline="0" noProof="0" dirty="0">
-                          <a:ln>
-                            <a:noFill/>
-                          </a:ln>
-                          <a:solidFill>
-                            <a:schemeClr val="tx1"/>
-                          </a:solidFill>
-                          <a:effectLst/>
-                          <a:uLnTx/>
-                          <a:uFillTx/>
-                          <a:latin typeface="+mn-lt"/>
-                          <a:ea typeface="Malgun Gothic"/>
-                          <a:cs typeface="Malgun Gothic"/>
-                          <a:sym typeface="Malgun Gothic"/>
-                        </a:rPr>
-                        <a:t>개발 프레임워크</a:t>
-                      </a:r>
-                      <a:r>
-                        <a:rPr kumimoji="0" lang="en-US" altLang="ko-KR" sz="1100" b="0" i="0" u="none" strike="noStrike" kern="0" cap="none" spc="0" normalizeH="0" baseline="0" noProof="0" dirty="0">
-                          <a:ln>
-                            <a:noFill/>
-                          </a:ln>
-                          <a:solidFill>
-                            <a:schemeClr val="tx1"/>
-                          </a:solidFill>
-                          <a:effectLst/>
-                          <a:uLnTx/>
-                          <a:uFillTx/>
-                          <a:latin typeface="+mn-lt"/>
-                          <a:ea typeface="Malgun Gothic"/>
-                          <a:cs typeface="Malgun Gothic"/>
-                          <a:sym typeface="Malgun Gothic"/>
-                        </a:rPr>
-                        <a:t>: REACT(JS, TS, HTML, CSS)</a:t>
-                      </a:r>
-                      <a:endParaRPr kumimoji="0" lang="en-US" altLang="ko-KR" sz="1100" b="0" i="0" u="none" strike="noStrike" kern="0" cap="none" spc="0" normalizeH="0" baseline="0" noProof="0" dirty="0">
-                        <a:ln>
-                          <a:noFill/>
-                        </a:ln>
-                        <a:solidFill>
-                          <a:schemeClr val="accent3"/>
-                        </a:solidFill>
-                        <a:effectLst/>
-                        <a:uLnTx/>
-                        <a:uFillTx/>
-                        <a:latin typeface="+mn-lt"/>
-                        <a:ea typeface="Malgun Gothic"/>
-                        <a:cs typeface="Malgun Gothic"/>
-                        <a:sym typeface="Malgun Gothic"/>
-                      </a:endParaRPr>
-                    </a:p>
-                    <a:p>
-                      <a:pPr marL="0" marR="0" lvl="0" indent="0" algn="l" defTabSz="914400" rtl="0" eaLnBrk="1" fontAlgn="auto" latinLnBrk="0" hangingPunct="1">
-                        <a:lnSpc>
-                          <a:spcPct val="100000"/>
-                        </a:lnSpc>
-                        <a:spcBef>
-                          <a:spcPts val="0"/>
-                        </a:spcBef>
-                        <a:spcAft>
-                          <a:spcPts val="0"/>
-                        </a:spcAft>
-                        <a:buClr>
-                          <a:srgbClr val="000000"/>
-                        </a:buClr>
-                        <a:buSzTx/>
-                        <a:buFont typeface="Arial"/>
-                        <a:buNone/>
-                        <a:tabLst/>
-                        <a:defRPr/>
-                      </a:pPr>
-                      <a:r>
-                        <a:rPr kumimoji="0" lang="en-US" altLang="ko-KR" sz="1100" b="0" i="0" u="none" strike="noStrike" kern="0" cap="none" spc="0" normalizeH="0" baseline="0" noProof="0" dirty="0">
-                          <a:ln>
-                            <a:noFill/>
-                          </a:ln>
-                          <a:solidFill>
-                            <a:schemeClr val="tx1"/>
-                          </a:solidFill>
-                          <a:effectLst/>
-                          <a:uLnTx/>
-                          <a:uFillTx/>
-                          <a:latin typeface="+mn-lt"/>
-                          <a:ea typeface="Malgun Gothic"/>
-                          <a:cs typeface="Malgun Gothic"/>
-                          <a:sym typeface="Malgun Gothic"/>
-                        </a:rPr>
-                        <a:t>	           SPRINGBOOT(Tomcat)</a:t>
-                      </a:r>
-                    </a:p>
-                    <a:p>
-                      <a:pPr marL="0" marR="0" lvl="0" indent="0" algn="l" defTabSz="914400" rtl="0" eaLnBrk="1" fontAlgn="auto" latinLnBrk="0" hangingPunct="1">
-                        <a:lnSpc>
-                          <a:spcPct val="100000"/>
-                        </a:lnSpc>
-                        <a:spcBef>
-                          <a:spcPts val="0"/>
-                        </a:spcBef>
-                        <a:spcAft>
-                          <a:spcPts val="0"/>
-                        </a:spcAft>
-                        <a:buClr>
-                          <a:srgbClr val="000000"/>
-                        </a:buClr>
-                        <a:buSzTx/>
-                        <a:buFont typeface="Arial"/>
-                        <a:buNone/>
-                        <a:tabLst/>
-                        <a:defRPr/>
-                      </a:pPr>
-                      <a:r>
-                        <a:rPr kumimoji="0" lang="en-US" altLang="ko-KR" sz="1100" b="0" i="0" u="none" strike="noStrike" kern="0" cap="none" spc="0" normalizeH="0" baseline="0" noProof="0" dirty="0">
-                          <a:ln>
-                            <a:noFill/>
-                          </a:ln>
-                          <a:solidFill>
-                            <a:schemeClr val="tx1"/>
-                          </a:solidFill>
-                          <a:effectLst/>
-                          <a:uLnTx/>
-                          <a:uFillTx/>
-                          <a:latin typeface="+mn-lt"/>
-                          <a:ea typeface="Malgun Gothic"/>
-                          <a:cs typeface="Malgun Gothic"/>
-                          <a:sym typeface="Malgun Gothic"/>
-                        </a:rPr>
-                        <a:t>	           MYSQL</a:t>
-                      </a:r>
-                    </a:p>
-                    <a:p>
-                      <a:pPr marL="0" marR="0" lvl="0" indent="0" algn="l" defTabSz="914400" rtl="0" eaLnBrk="1" fontAlgn="auto" latinLnBrk="0" hangingPunct="1">
-                        <a:lnSpc>
-                          <a:spcPct val="100000"/>
-                        </a:lnSpc>
-                        <a:spcBef>
-                          <a:spcPts val="0"/>
-                        </a:spcBef>
-                        <a:spcAft>
-                          <a:spcPts val="0"/>
-                        </a:spcAft>
-                        <a:buClr>
-                          <a:srgbClr val="000000"/>
-                        </a:buClr>
-                        <a:buSzTx/>
-                        <a:buFont typeface="Arial"/>
-                        <a:buNone/>
-                        <a:tabLst/>
-                        <a:defRPr/>
-                      </a:pPr>
-                      <a:r>
-                        <a:rPr kumimoji="0" lang="en-US" altLang="ko-KR" sz="1100" b="0" i="0" u="none" strike="noStrike" kern="0" cap="none" spc="0" normalizeH="0" baseline="0" noProof="0" dirty="0">
-                          <a:ln>
-                            <a:noFill/>
-                          </a:ln>
-                          <a:solidFill>
-                            <a:schemeClr val="tx1"/>
-                          </a:solidFill>
-                          <a:effectLst/>
-                          <a:uLnTx/>
-                          <a:uFillTx/>
-                          <a:latin typeface="Arial"/>
-                          <a:ea typeface="Malgun Gothic"/>
-                          <a:cs typeface="Malgun Gothic"/>
-                          <a:sym typeface="Malgun Gothic"/>
-                        </a:rPr>
-                        <a:t>2. </a:t>
-                      </a:r>
-                      <a:r>
-                        <a:rPr kumimoji="0" lang="ko-KR" altLang="en-US" sz="1100" b="0" i="0" u="none" strike="noStrike" kern="0" cap="none" spc="0" normalizeH="0" baseline="0" noProof="0" dirty="0">
-                          <a:ln>
-                            <a:noFill/>
-                          </a:ln>
-                          <a:solidFill>
-                            <a:schemeClr val="tx1"/>
-                          </a:solidFill>
-                          <a:effectLst/>
-                          <a:uLnTx/>
-                          <a:uFillTx/>
-                          <a:latin typeface="Arial"/>
-                          <a:ea typeface="Malgun Gothic"/>
-                          <a:cs typeface="Malgun Gothic"/>
-                          <a:sym typeface="Malgun Gothic"/>
-                        </a:rPr>
-                        <a:t>서비스 배포</a:t>
-                      </a:r>
-                      <a:r>
-                        <a:rPr kumimoji="0" lang="en-US" altLang="ko-KR" sz="1100" b="0" i="0" u="none" strike="noStrike" kern="0" cap="none" spc="0" normalizeH="0" baseline="0" noProof="0" dirty="0">
-                          <a:ln>
-                            <a:noFill/>
-                          </a:ln>
-                          <a:solidFill>
-                            <a:schemeClr val="tx1"/>
-                          </a:solidFill>
-                          <a:effectLst/>
-                          <a:uLnTx/>
-                          <a:uFillTx/>
-                          <a:latin typeface="Arial"/>
-                          <a:ea typeface="Malgun Gothic"/>
-                          <a:cs typeface="Malgun Gothic"/>
-                          <a:sym typeface="Malgun Gothic"/>
-                        </a:rPr>
-                        <a:t>: AWS – EC2, S3, RDS + Jenkins</a:t>
-                      </a:r>
-                    </a:p>
-                    <a:p>
-                      <a:pPr marL="0" marR="0" lvl="0" indent="0" algn="l" defTabSz="914400" rtl="0" eaLnBrk="1" fontAlgn="auto" latinLnBrk="0" hangingPunct="1">
-                        <a:lnSpc>
-                          <a:spcPct val="100000"/>
-                        </a:lnSpc>
-                        <a:spcBef>
-                          <a:spcPts val="0"/>
-                        </a:spcBef>
-                        <a:spcAft>
-                          <a:spcPts val="0"/>
-                        </a:spcAft>
-                        <a:buClr>
-                          <a:srgbClr val="000000"/>
-                        </a:buClr>
-                        <a:buSzTx/>
-                        <a:buFont typeface="Arial"/>
-                        <a:buNone/>
-                        <a:tabLst/>
-                        <a:defRPr/>
-                      </a:pPr>
-                      <a:endParaRPr kumimoji="0" lang="en-US" altLang="ko-KR" sz="1100" b="0" i="0" u="none" strike="noStrike" kern="0" cap="none" spc="0" normalizeH="0" baseline="0" noProof="0" dirty="0">
-                        <a:ln>
-                          <a:noFill/>
-                        </a:ln>
-                        <a:solidFill>
-                          <a:schemeClr val="tx1"/>
-                        </a:solidFill>
-                        <a:effectLst/>
-                        <a:uLnTx/>
-                        <a:uFillTx/>
-                        <a:latin typeface="+mn-lt"/>
-                        <a:ea typeface="Malgun Gothic"/>
-                        <a:cs typeface="Malgun Gothic"/>
-                        <a:sym typeface="Malgun Gothic"/>
-                      </a:endParaRPr>
-                    </a:p>
-                  </a:txBody>
-                  <a:tcPr marL="91450" marR="91450" marT="45725" marB="45725">
-                    <a:lnL w="28575" cap="flat" cmpd="sng">
-                      <a:solidFill>
-                        <a:srgbClr val="244061"/>
-                      </a:solidFill>
-                      <a:prstDash val="solid"/>
-                      <a:round/>
-                      <a:headEnd type="none" w="sm" len="sm"/>
-                      <a:tailEnd type="none" w="sm" len="sm"/>
-                    </a:lnL>
-                    <a:lnR w="28575" cap="flat" cmpd="sng" algn="ctr">
-                      <a:solidFill>
-                        <a:srgbClr val="244061"/>
-                      </a:solidFill>
-                      <a:prstDash val="solid"/>
-                      <a:round/>
-                      <a:headEnd type="none" w="sm" len="sm"/>
-                      <a:tailEnd type="none" w="sm" len="sm"/>
-                    </a:lnR>
-                    <a:lnT w="28575" cap="flat" cmpd="sng">
-                      <a:solidFill>
-                        <a:srgbClr val="244061"/>
-                      </a:solidFill>
-                      <a:prstDash val="solid"/>
-                      <a:round/>
-                      <a:headEnd type="none" w="sm" len="sm"/>
-                      <a:tailEnd type="none" w="sm" len="sm"/>
-                    </a:lnT>
-                    <a:lnB w="28575" cap="flat" cmpd="sng" algn="ctr">
-                      <a:solidFill>
-                        <a:srgbClr val="244061"/>
-                      </a:solidFill>
-                      <a:prstDash val="solid"/>
-                      <a:round/>
-                      <a:headEnd type="none" w="sm" len="sm"/>
-                      <a:tailEnd type="none" w="sm" len="sm"/>
-                    </a:lnB>
-                  </a:tcPr>
-                </a:tc>
-                <a:extLst>
-                  <a:ext uri="{0D108BD9-81ED-4DB2-BD59-A6C34878D82A}">
-                    <a16:rowId xmlns:a16="http://schemas.microsoft.com/office/drawing/2014/main" val="10000"/>
-                  </a:ext>
-                </a:extLst>
-              </a:tr>
-            </a:tbl>
-          </a:graphicData>
-        </a:graphic>
-      </p:graphicFrame>
-      <p:graphicFrame>
-        <p:nvGraphicFramePr>
-          <p:cNvPr id="97" name="Google Shape;97;p1"/>
-          <p:cNvGraphicFramePr/>
-          <p:nvPr>
-            <p:extLst>
-              <p:ext uri="{D42A27DB-BD31-4B8C-83A1-F6EECF244321}">
-                <p14:modId xmlns:p14="http://schemas.microsoft.com/office/powerpoint/2010/main" val="3328470581"/>
-              </p:ext>
-            </p:extLst>
-          </p:nvPr>
-        </p:nvGraphicFramePr>
-        <p:xfrm>
-          <a:off x="536985" y="6872427"/>
-          <a:ext cx="5879250" cy="1785225"/>
-        </p:xfrm>
-        <a:graphic>
-          <a:graphicData uri="http://schemas.openxmlformats.org/drawingml/2006/table">
-            <a:tbl>
-              <a:tblPr>
-                <a:noFill/>
-                <a:tableStyleId>{E3DA6240-A37E-4AD5-93DC-7D6949177DA6}</a:tableStyleId>
-              </a:tblPr>
-              <a:tblGrid>
-                <a:gridCol w="5879250">
-                  <a:extLst>
-                    <a:ext uri="{9D8B030D-6E8A-4147-A177-3AD203B41FA5}">
-                      <a16:colId xmlns:a16="http://schemas.microsoft.com/office/drawing/2014/main" val="20000"/>
-                    </a:ext>
-                  </a:extLst>
-                </a:gridCol>
-              </a:tblGrid>
-              <a:tr h="1785225">
-                <a:tc>
-                  <a:txBody>
-                    <a:bodyPr/>
-                    <a:lstStyle/>
-                    <a:p>
-                      <a:pPr marL="0" marR="0" lvl="0" indent="0" algn="l" defTabSz="914400" rtl="0" eaLnBrk="1" fontAlgn="auto" latinLnBrk="0" hangingPunct="1">
-                        <a:lnSpc>
-                          <a:spcPct val="100000"/>
-                        </a:lnSpc>
-                        <a:spcBef>
-                          <a:spcPts val="0"/>
-                        </a:spcBef>
-                        <a:spcAft>
-                          <a:spcPts val="0"/>
-                        </a:spcAft>
-                        <a:buClr>
-                          <a:srgbClr val="000000"/>
-                        </a:buClr>
-                        <a:buSzTx/>
-                        <a:buFont typeface="Arial"/>
-                        <a:buNone/>
-                        <a:tabLst/>
-                        <a:defRPr/>
-                      </a:pPr>
-                      <a:r>
-                        <a:rPr kumimoji="0" lang="en-US" altLang="ko-KR" sz="1100" b="0" i="0" u="none" strike="noStrike" kern="0" cap="none" spc="0" normalizeH="0" baseline="0" noProof="0" dirty="0">
-                          <a:ln>
-                            <a:noFill/>
-                          </a:ln>
-                          <a:solidFill>
-                            <a:schemeClr val="tx1"/>
-                          </a:solidFill>
-                          <a:effectLst/>
-                          <a:uLnTx/>
-                          <a:uFillTx/>
-                          <a:latin typeface="+mn-lt"/>
-                          <a:ea typeface="Malgun Gothic"/>
-                          <a:cs typeface="Malgun Gothic"/>
-                          <a:sym typeface="Malgun Gothic"/>
-                        </a:rPr>
-                        <a:t>1. </a:t>
-                      </a:r>
-                      <a:r>
-                        <a:rPr kumimoji="0" lang="ko-KR" altLang="en-US" sz="1100" b="0" i="0" u="none" strike="noStrike" kern="0" cap="none" spc="0" normalizeH="0" baseline="0" noProof="0" dirty="0">
-                          <a:ln>
-                            <a:noFill/>
-                          </a:ln>
-                          <a:solidFill>
-                            <a:schemeClr val="tx1"/>
-                          </a:solidFill>
-                          <a:effectLst/>
-                          <a:uLnTx/>
-                          <a:uFillTx/>
-                          <a:latin typeface="+mn-lt"/>
-                          <a:ea typeface="Malgun Gothic"/>
-                          <a:cs typeface="Malgun Gothic"/>
-                          <a:sym typeface="Malgun Gothic"/>
-                        </a:rPr>
-                        <a:t>한국의 빠르고 민감한 유행 파악 및 분석 가능</a:t>
-                      </a:r>
-                      <a:endParaRPr kumimoji="0" lang="en-US" altLang="ko-KR" sz="1100" b="0" i="0" u="none" strike="noStrike" kern="0" cap="none" spc="0" normalizeH="0" baseline="0" noProof="0" dirty="0">
-                        <a:ln>
-                          <a:noFill/>
-                        </a:ln>
-                        <a:solidFill>
-                          <a:schemeClr val="tx1"/>
-                        </a:solidFill>
-                        <a:effectLst/>
-                        <a:uLnTx/>
-                        <a:uFillTx/>
-                        <a:latin typeface="+mn-lt"/>
-                        <a:ea typeface="Malgun Gothic"/>
-                        <a:cs typeface="Malgun Gothic"/>
-                        <a:sym typeface="Malgun Gothic"/>
-                      </a:endParaRPr>
-                    </a:p>
-                    <a:p>
-                      <a:pPr marL="0" marR="0" lvl="0" indent="0" algn="l" defTabSz="914400" rtl="0" eaLnBrk="1" fontAlgn="auto" latinLnBrk="0" hangingPunct="1">
-                        <a:lnSpc>
-                          <a:spcPct val="100000"/>
-                        </a:lnSpc>
-                        <a:spcBef>
-                          <a:spcPts val="0"/>
-                        </a:spcBef>
-                        <a:spcAft>
-                          <a:spcPts val="0"/>
-                        </a:spcAft>
-                        <a:buClr>
-                          <a:srgbClr val="000000"/>
-                        </a:buClr>
-                        <a:buSzTx/>
-                        <a:buFont typeface="Arial"/>
-                        <a:buNone/>
-                        <a:tabLst/>
-                        <a:defRPr/>
-                      </a:pPr>
-                      <a:r>
-                        <a:rPr kumimoji="0" lang="en-US" altLang="ko-KR" sz="1100" b="0" i="0" u="none" strike="noStrike" kern="0" cap="none" spc="0" normalizeH="0" baseline="0" noProof="0" dirty="0">
-                          <a:ln>
-                            <a:noFill/>
-                          </a:ln>
-                          <a:solidFill>
-                            <a:schemeClr val="tx1"/>
-                          </a:solidFill>
-                          <a:effectLst/>
-                          <a:uLnTx/>
-                          <a:uFillTx/>
-                          <a:latin typeface="+mn-lt"/>
-                          <a:ea typeface="Malgun Gothic"/>
-                          <a:cs typeface="Malgun Gothic"/>
-                          <a:sym typeface="Malgun Gothic"/>
-                        </a:rPr>
-                        <a:t>2. </a:t>
-                      </a:r>
-                      <a:r>
-                        <a:rPr kumimoji="0" lang="ko-KR" altLang="en-US" sz="1100" b="0" i="0" u="none" strike="noStrike" kern="0" cap="none" spc="0" normalizeH="0" baseline="0" noProof="0" dirty="0">
-                          <a:ln>
-                            <a:noFill/>
-                          </a:ln>
-                          <a:solidFill>
-                            <a:schemeClr val="tx1"/>
-                          </a:solidFill>
-                          <a:effectLst/>
-                          <a:uLnTx/>
-                          <a:uFillTx/>
-                          <a:latin typeface="+mn-lt"/>
-                          <a:ea typeface="Malgun Gothic"/>
-                          <a:cs typeface="Malgun Gothic"/>
-                          <a:sym typeface="Malgun Gothic"/>
-                        </a:rPr>
-                        <a:t>유저가 보유한 아이템으로 간편하게 여러가지 코디 시뮬레이션 가능</a:t>
-                      </a:r>
-                      <a:endParaRPr kumimoji="0" lang="en-US" altLang="ko-KR" sz="1100" b="0" i="0" u="none" strike="noStrike" kern="0" cap="none" spc="0" normalizeH="0" baseline="0" noProof="0" dirty="0">
-                        <a:ln>
-                          <a:noFill/>
-                        </a:ln>
-                        <a:solidFill>
-                          <a:schemeClr val="tx1"/>
-                        </a:solidFill>
-                        <a:effectLst/>
-                        <a:uLnTx/>
-                        <a:uFillTx/>
-                        <a:latin typeface="+mn-lt"/>
-                        <a:ea typeface="Malgun Gothic"/>
-                        <a:cs typeface="Malgun Gothic"/>
-                        <a:sym typeface="Malgun Gothic"/>
-                      </a:endParaRPr>
-                    </a:p>
-                    <a:p>
-                      <a:pPr marL="0" marR="0" lvl="0" indent="0" algn="l" defTabSz="914400" rtl="0" eaLnBrk="1" fontAlgn="auto" latinLnBrk="0" hangingPunct="1">
-                        <a:lnSpc>
-                          <a:spcPct val="100000"/>
-                        </a:lnSpc>
-                        <a:spcBef>
-                          <a:spcPts val="0"/>
-                        </a:spcBef>
-                        <a:spcAft>
-                          <a:spcPts val="0"/>
-                        </a:spcAft>
-                        <a:buClr>
-                          <a:srgbClr val="000000"/>
-                        </a:buClr>
-                        <a:buSzTx/>
-                        <a:buFont typeface="Arial"/>
-                        <a:buNone/>
-                        <a:tabLst/>
-                        <a:defRPr/>
-                      </a:pPr>
-                      <a:r>
-                        <a:rPr kumimoji="0" lang="en-US" altLang="ko-KR" sz="1100" b="0" i="0" u="none" strike="noStrike" kern="0" cap="none" spc="0" normalizeH="0" baseline="0" noProof="0" dirty="0">
-                          <a:ln>
-                            <a:noFill/>
-                          </a:ln>
-                          <a:solidFill>
-                            <a:schemeClr val="tx1"/>
-                          </a:solidFill>
-                          <a:effectLst/>
-                          <a:uLnTx/>
-                          <a:uFillTx/>
-                          <a:latin typeface="+mn-lt"/>
-                          <a:ea typeface="Malgun Gothic"/>
-                          <a:cs typeface="Malgun Gothic"/>
-                          <a:sym typeface="Malgun Gothic"/>
-                        </a:rPr>
-                        <a:t>3. </a:t>
-                      </a:r>
-                      <a:r>
-                        <a:rPr kumimoji="0" lang="ko-KR" altLang="en-US" sz="1100" b="0" i="0" u="none" strike="noStrike" kern="0" cap="none" spc="0" normalizeH="0" baseline="0" noProof="0" dirty="0">
-                          <a:ln>
-                            <a:noFill/>
-                          </a:ln>
-                          <a:solidFill>
-                            <a:schemeClr val="tx1"/>
-                          </a:solidFill>
-                          <a:effectLst/>
-                          <a:uLnTx/>
-                          <a:uFillTx/>
-                          <a:latin typeface="+mn-lt"/>
-                          <a:ea typeface="Malgun Gothic"/>
-                          <a:cs typeface="Malgun Gothic"/>
-                          <a:sym typeface="Malgun Gothic"/>
-                        </a:rPr>
-                        <a:t>유저의 패션에 대한 만족도 상승</a:t>
-                      </a:r>
-                      <a:endParaRPr kumimoji="0" lang="en-US" altLang="ko-KR" sz="1100" b="0" i="0" u="none" strike="noStrike" kern="0" cap="none" spc="0" normalizeH="0" baseline="0" noProof="0" dirty="0">
-                        <a:ln>
-                          <a:noFill/>
-                        </a:ln>
-                        <a:solidFill>
-                          <a:schemeClr val="tx1"/>
-                        </a:solidFill>
-                        <a:effectLst/>
-                        <a:uLnTx/>
-                        <a:uFillTx/>
-                        <a:latin typeface="+mn-lt"/>
-                        <a:ea typeface="Malgun Gothic"/>
-                        <a:cs typeface="Malgun Gothic"/>
-                        <a:sym typeface="Malgun Gothic"/>
-                      </a:endParaRPr>
-                    </a:p>
-                    <a:p>
-                      <a:pPr marL="0" marR="0" lvl="0" indent="0" algn="l" defTabSz="914400" rtl="0" eaLnBrk="1" fontAlgn="auto" latinLnBrk="0" hangingPunct="1">
-                        <a:lnSpc>
-                          <a:spcPct val="100000"/>
-                        </a:lnSpc>
-                        <a:spcBef>
-                          <a:spcPts val="0"/>
-                        </a:spcBef>
-                        <a:spcAft>
-                          <a:spcPts val="0"/>
-                        </a:spcAft>
-                        <a:buClr>
-                          <a:srgbClr val="000000"/>
-                        </a:buClr>
-                        <a:buSzTx/>
-                        <a:buFont typeface="Arial"/>
-                        <a:buNone/>
-                        <a:tabLst/>
-                        <a:defRPr/>
-                      </a:pPr>
-                      <a:r>
-                        <a:rPr kumimoji="0" lang="en-US" altLang="ko-KR" sz="1100" b="0" i="0" u="none" strike="noStrike" kern="0" cap="none" spc="0" normalizeH="0" baseline="0" noProof="0" dirty="0">
-                          <a:ln>
-                            <a:noFill/>
-                          </a:ln>
-                          <a:solidFill>
-                            <a:schemeClr val="tx1"/>
-                          </a:solidFill>
-                          <a:effectLst/>
-                          <a:uLnTx/>
-                          <a:uFillTx/>
-                          <a:latin typeface="+mn-lt"/>
-                          <a:ea typeface="Malgun Gothic"/>
-                          <a:cs typeface="Malgun Gothic"/>
-                          <a:sym typeface="Malgun Gothic"/>
-                        </a:rPr>
-                        <a:t>4. </a:t>
-                      </a:r>
-                      <a:r>
-                        <a:rPr kumimoji="0" lang="ko-KR" altLang="en-US" sz="1100" b="0" i="0" u="none" strike="noStrike" kern="0" cap="none" spc="0" normalizeH="0" baseline="0" noProof="0" dirty="0">
-                          <a:ln>
-                            <a:noFill/>
-                          </a:ln>
-                          <a:solidFill>
-                            <a:schemeClr val="tx1"/>
-                          </a:solidFill>
-                          <a:effectLst/>
-                          <a:uLnTx/>
-                          <a:uFillTx/>
-                          <a:latin typeface="+mn-lt"/>
-                          <a:ea typeface="Malgun Gothic"/>
-                          <a:cs typeface="Malgun Gothic"/>
-                          <a:sym typeface="Malgun Gothic"/>
-                        </a:rPr>
-                        <a:t>패션에 관심이 많은 고객들의 소통이 활발히 이루어짐</a:t>
-                      </a:r>
-                    </a:p>
-                  </a:txBody>
-                  <a:tcPr marL="91450" marR="91450" marT="45725" marB="45725">
-                    <a:lnL w="28575" cap="flat" cmpd="sng">
-                      <a:solidFill>
-                        <a:srgbClr val="244061"/>
-                      </a:solidFill>
-                      <a:prstDash val="solid"/>
-                      <a:round/>
-                      <a:headEnd type="none" w="sm" len="sm"/>
-                      <a:tailEnd type="none" w="sm" len="sm"/>
-                    </a:lnL>
-                    <a:lnR w="28575" cap="flat" cmpd="sng" algn="ctr">
-                      <a:solidFill>
-                        <a:srgbClr val="244061"/>
-                      </a:solidFill>
-                      <a:prstDash val="solid"/>
-                      <a:round/>
-                      <a:headEnd type="none" w="sm" len="sm"/>
-                      <a:tailEnd type="none" w="sm" len="sm"/>
-                    </a:lnR>
-                    <a:lnT w="28575" cap="flat" cmpd="sng">
-                      <a:solidFill>
-                        <a:srgbClr val="244061"/>
-                      </a:solidFill>
-                      <a:prstDash val="solid"/>
-                      <a:round/>
-                      <a:headEnd type="none" w="sm" len="sm"/>
-                      <a:tailEnd type="none" w="sm" len="sm"/>
-                    </a:lnT>
-                    <a:lnB w="28575" cap="flat" cmpd="sng" algn="ctr">
-                      <a:solidFill>
-                        <a:srgbClr val="244061"/>
-                      </a:solidFill>
-                      <a:prstDash val="solid"/>
-                      <a:round/>
-                      <a:headEnd type="none" w="sm" len="sm"/>
-                      <a:tailEnd type="none" w="sm" len="sm"/>
-                    </a:lnB>
-                  </a:tcPr>
-                </a:tc>
-                <a:extLst>
-                  <a:ext uri="{0D108BD9-81ED-4DB2-BD59-A6C34878D82A}">
-                    <a16:rowId xmlns:a16="http://schemas.microsoft.com/office/drawing/2014/main" val="10000"/>
-                  </a:ext>
-                </a:extLst>
-              </a:tr>
-            </a:tbl>
-          </a:graphicData>
-        </a:graphic>
-      </p:graphicFrame>
-    </p:spTree>
-  </p:cSld>
-  <p:clrMapOvr>
-    <a:masterClrMapping/>
-  </p:clrMapOvr>
-</p:sld>
-</file>
-
-<file path=ppt/slides/slide2.xml><?xml version="1.0" encoding="utf-8"?>
-<p:sld xmlns:a="http://schemas.openxmlformats.org/drawingml/2006/main" xmlns:r="http://schemas.openxmlformats.org/officeDocument/2006/relationships" xmlns:p="http://schemas.openxmlformats.org/presentationml/2006/main">
-  <p:cSld>
-    <p:spTree>
-      <p:nvGrpSpPr>
-        <p:cNvPr id="1" name="Shape 83"/>
-        <p:cNvGrpSpPr/>
-        <p:nvPr/>
-      </p:nvGrpSpPr>
-      <p:grpSpPr>
-        <a:xfrm>
-          <a:off x="0" y="0"/>
-          <a:ext cx="0" cy="0"/>
-          <a:chOff x="0" y="0"/>
-          <a:chExt cx="0" cy="0"/>
-        </a:xfrm>
-      </p:grpSpPr>
-      <p:grpSp>
-        <p:nvGrpSpPr>
-          <p:cNvPr id="84" name="Google Shape;84;p1"/>
-          <p:cNvGrpSpPr/>
-          <p:nvPr/>
-        </p:nvGrpSpPr>
-        <p:grpSpPr>
-          <a:xfrm>
-            <a:off x="0" y="0"/>
-            <a:ext cx="6858635" cy="9171940"/>
-            <a:chOff x="0" y="0"/>
-            <a:chExt cx="6858635" cy="9171940"/>
-          </a:xfrm>
-        </p:grpSpPr>
-        <p:grpSp>
-          <p:nvGrpSpPr>
-            <p:cNvPr id="85" name="Google Shape;85;p1"/>
-            <p:cNvGrpSpPr/>
-            <p:nvPr/>
-          </p:nvGrpSpPr>
-          <p:grpSpPr>
-            <a:xfrm>
-              <a:off x="0" y="0"/>
-              <a:ext cx="6858635" cy="9171940"/>
-              <a:chOff x="0" y="0"/>
-              <a:chExt cx="6858635" cy="9171940"/>
-            </a:xfrm>
-          </p:grpSpPr>
-          <p:pic>
-            <p:nvPicPr>
-              <p:cNvPr id="86" name="Google Shape;86;p1" descr="C:/Users/hanso/AppData/Roaming/PolarisOffice8/ETemp/9012_20626944/image1.png"/>
-              <p:cNvPicPr preferRelativeResize="0"/>
-              <p:nvPr/>
-            </p:nvPicPr>
-            <p:blipFill rotWithShape="1">
-              <a:blip r:embed="rId3">
-                <a:alphaModFix/>
-              </a:blip>
-              <a:srcRect/>
-              <a:stretch/>
-            </p:blipFill>
-            <p:spPr>
-              <a:xfrm>
-                <a:off x="0" y="0"/>
-                <a:ext cx="6858635" cy="9171940"/>
-              </a:xfrm>
-              <a:prstGeom prst="rect">
-                <a:avLst/>
-              </a:prstGeom>
-              <a:noFill/>
-              <a:ln>
-                <a:noFill/>
-              </a:ln>
-            </p:spPr>
-          </p:pic>
-          <p:sp>
-            <p:nvSpPr>
-              <p:cNvPr id="87" name="Google Shape;87;p1"/>
-              <p:cNvSpPr/>
-              <p:nvPr/>
-            </p:nvSpPr>
-            <p:spPr>
-              <a:xfrm>
-                <a:off x="445554" y="421727"/>
-                <a:ext cx="4824323" cy="1224136"/>
-              </a:xfrm>
-              <a:prstGeom prst="rect">
-                <a:avLst/>
-              </a:prstGeom>
-              <a:solidFill>
-                <a:schemeClr val="lt1"/>
-              </a:solidFill>
-              <a:ln>
-                <a:noFill/>
-              </a:ln>
-            </p:spPr>
-            <p:txBody>
-              <a:bodyPr spcFirstLastPara="1" wrap="square" lIns="91425" tIns="45700" rIns="91425" bIns="45700" anchor="ctr" anchorCtr="0">
-                <a:noAutofit/>
-              </a:bodyPr>
-              <a:lstStyle/>
-              <a:p>
-                <a:pPr marL="0" marR="0" lvl="0" indent="0" algn="ctr" rtl="0">
-                  <a:lnSpc>
-                    <a:spcPct val="100000"/>
-                  </a:lnSpc>
-                  <a:spcBef>
-                    <a:spcPts val="0"/>
-                  </a:spcBef>
-                  <a:spcAft>
-                    <a:spcPts val="0"/>
-                  </a:spcAft>
-                  <a:buClr>
-                    <a:srgbClr val="000000"/>
-                  </a:buClr>
-                  <a:buSzPts val="1800"/>
-                  <a:buFont typeface="Arial"/>
-                  <a:buNone/>
-                </a:pPr>
-                <a:r>
                   <a:rPr lang="en-US" sz="3000" b="1" i="0" u="none" strike="noStrike" cap="none" dirty="0">
                     <a:solidFill>
                       <a:schemeClr val="tx1"/>
@@ -16336,8 +14573,8 @@
           </p:nvSpPr>
           <p:spPr>
             <a:xfrm>
-              <a:off x="445554" y="2277669"/>
-              <a:ext cx="5906135" cy="1785342"/>
+              <a:off x="445554" y="2395257"/>
+              <a:ext cx="5906135" cy="1667754"/>
             </a:xfrm>
             <a:prstGeom prst="rect">
               <a:avLst/>
@@ -16361,7 +14598,7 @@
             </a:bodyPr>
             <a:lstStyle/>
             <a:p>
-              <a:pPr marL="0" marR="0" lvl="0" indent="0" algn="l" rtl="0">
+              <a:pPr marR="0" lvl="0" algn="l" rtl="0">
                 <a:lnSpc>
                   <a:spcPct val="100000"/>
                 </a:lnSpc>
@@ -16371,16 +14608,15 @@
                 <a:spcAft>
                   <a:spcPts val="0"/>
                 </a:spcAft>
-                <a:buNone/>
               </a:pPr>
               <a:r>
-                <a:rPr lang="en-US" altLang="ko-KR" sz="1300" b="1" i="0" dirty="0">
+                <a:rPr lang="en-US" altLang="ko-KR" sz="1300" b="1" dirty="0">
                   <a:solidFill>
-                    <a:srgbClr val="000000"/>
+                    <a:schemeClr val="tx1"/>
                   </a:solidFill>
-                  <a:effectLst/>
                   <a:latin typeface="나눔고딕OTF" panose="020D0604000000000000" pitchFamily="34" charset="-127"/>
                   <a:ea typeface="나눔고딕OTF" panose="020D0604000000000000" pitchFamily="34" charset="-127"/>
+                  <a:sym typeface="Malgun Gothic"/>
                 </a:rPr>
                 <a:t>1. </a:t>
               </a:r>
@@ -16426,7 +14662,7 @@
                   <a:ea typeface="나눔고딕OTF" panose="020D0604000000000000" pitchFamily="34" charset="-127"/>
                   <a:sym typeface="Malgun Gothic"/>
                 </a:rPr>
-                <a:t>의 해시태그 </a:t>
+                <a:t> 속 해시태그 </a:t>
               </a:r>
               <a:r>
                 <a:rPr lang="en-US" altLang="ko-KR" sz="1200" dirty="0">
@@ -16437,29 +14673,7 @@
                   <a:ea typeface="나눔고딕OTF" panose="020D0604000000000000" pitchFamily="34" charset="-127"/>
                   <a:sym typeface="Malgun Gothic"/>
                 </a:rPr>
-                <a:t>‘</a:t>
-              </a:r>
-              <a:r>
-                <a:rPr lang="en-US" altLang="ko-KR" sz="1200" dirty="0" err="1">
-                  <a:solidFill>
-                    <a:schemeClr val="tx1"/>
-                  </a:solidFill>
-                  <a:latin typeface="나눔고딕OTF" panose="020D0604000000000000" pitchFamily="34" charset="-127"/>
-                  <a:ea typeface="나눔고딕OTF" panose="020D0604000000000000" pitchFamily="34" charset="-127"/>
-                  <a:sym typeface="Malgun Gothic"/>
-                </a:rPr>
-                <a:t>ootd</a:t>
-              </a:r>
-              <a:r>
-                <a:rPr lang="en-US" altLang="ko-KR" sz="1200" dirty="0">
-                  <a:solidFill>
-                    <a:schemeClr val="tx1"/>
-                  </a:solidFill>
-                  <a:latin typeface="나눔고딕OTF" panose="020D0604000000000000" pitchFamily="34" charset="-127"/>
-                  <a:ea typeface="나눔고딕OTF" panose="020D0604000000000000" pitchFamily="34" charset="-127"/>
-                  <a:sym typeface="Malgun Gothic"/>
-                </a:rPr>
-                <a:t>’</a:t>
+                <a:t>‘#OOTD’</a:t>
               </a:r>
               <a:r>
                 <a:rPr lang="ko-KR" altLang="en-US" sz="1200" dirty="0">
@@ -16484,17 +14698,6 @@
                 <a:t>3.9</a:t>
               </a:r>
               <a:r>
-                <a:rPr lang="ko-KR" altLang="en-US" sz="1200" dirty="0" err="1">
-                  <a:solidFill>
-                    <a:schemeClr val="tx1"/>
-                  </a:solidFill>
-                  <a:latin typeface="나눔고딕OTF" panose="020D0604000000000000" pitchFamily="34" charset="-127"/>
-                  <a:ea typeface="나눔고딕OTF" panose="020D0604000000000000" pitchFamily="34" charset="-127"/>
-                  <a:sym typeface="Malgun Gothic"/>
-                </a:rPr>
-                <a:t>억개가</a:t>
-              </a:r>
-              <a:r>
                 <a:rPr lang="ko-KR" altLang="en-US" sz="1200" dirty="0">
                   <a:solidFill>
                     <a:schemeClr val="tx1"/>
@@ -16503,18 +14706,7 @@
                   <a:ea typeface="나눔고딕OTF" panose="020D0604000000000000" pitchFamily="34" charset="-127"/>
                   <a:sym typeface="Malgun Gothic"/>
                 </a:rPr>
-                <a:t> </a:t>
-              </a:r>
-              <a:r>
-                <a:rPr lang="ko-KR" altLang="en-US" sz="1200" dirty="0" err="1">
-                  <a:solidFill>
-                    <a:schemeClr val="tx1"/>
-                  </a:solidFill>
-                  <a:latin typeface="나눔고딕OTF" panose="020D0604000000000000" pitchFamily="34" charset="-127"/>
-                  <a:ea typeface="나눔고딕OTF" panose="020D0604000000000000" pitchFamily="34" charset="-127"/>
-                  <a:sym typeface="Malgun Gothic"/>
-                </a:rPr>
-                <a:t>넘어감</a:t>
+                <a:t>억 개 이상</a:t>
               </a:r>
               <a:endParaRPr lang="en-US" altLang="ko-KR" sz="1200" dirty="0">
                 <a:solidFill>
@@ -16526,7 +14718,7 @@
               </a:endParaRPr>
             </a:p>
             <a:p>
-              <a:pPr marL="0" marR="0" lvl="0" indent="0" algn="l" rtl="0">
+              <a:pPr marR="0" lvl="0" algn="l" rtl="0">
                 <a:lnSpc>
                   <a:spcPct val="100000"/>
                 </a:lnSpc>
@@ -16536,7 +14728,6 @@
                 <a:spcAft>
                   <a:spcPts val="0"/>
                 </a:spcAft>
-                <a:buNone/>
               </a:pPr>
               <a:r>
                 <a:rPr lang="en-US" altLang="ko-KR" sz="1200" dirty="0">
@@ -16951,14 +15142,14 @@
           <p:nvPr>
             <p:extLst>
               <p:ext uri="{D42A27DB-BD31-4B8C-83A1-F6EECF244321}">
-                <p14:modId xmlns:p14="http://schemas.microsoft.com/office/powerpoint/2010/main" val="2742130265"/>
+                <p14:modId xmlns:p14="http://schemas.microsoft.com/office/powerpoint/2010/main" val="2212973976"/>
               </p:ext>
             </p:extLst>
           </p:nvPr>
         </p:nvGraphicFramePr>
         <p:xfrm>
-          <a:off x="536985" y="6872427"/>
-          <a:ext cx="5879250" cy="1785225"/>
+          <a:off x="536985" y="6989898"/>
+          <a:ext cx="5879250" cy="1667754"/>
         </p:xfrm>
         <a:graphic>
           <a:graphicData uri="http://schemas.openxmlformats.org/drawingml/2006/table">
@@ -16976,7 +15167,7 @@
                   </a:extLst>
                 </a:gridCol>
               </a:tblGrid>
-              <a:tr h="1785225">
+              <a:tr h="1667754">
                 <a:tc>
                   <a:txBody>
                     <a:bodyPr/>
@@ -17002,7 +15193,7 @@
                         <a:defRPr/>
                       </a:pPr>
                       <a:r>
-                        <a:rPr kumimoji="0" lang="en-US" altLang="ko-KR" sz="1400" b="1" i="0" u="none" strike="noStrike" kern="0" cap="none" spc="0" normalizeH="0" baseline="0" noProof="0" dirty="0">
+                        <a:rPr kumimoji="0" lang="en-US" altLang="ko-KR" sz="1460" b="1" i="0" u="none" strike="noStrike" kern="0" cap="none" spc="0" normalizeH="0" baseline="0" noProof="0" dirty="0">
                           <a:ln>
                             <a:noFill/>
                           </a:ln>
@@ -17020,7 +15211,7 @@
                         <a:t>1. </a:t>
                       </a:r>
                       <a:r>
-                        <a:rPr kumimoji="0" lang="ko-KR" altLang="en-US" sz="1400" b="1" i="0" u="none" strike="noStrike" kern="0" cap="none" spc="0" normalizeH="0" baseline="0" noProof="0" dirty="0">
+                        <a:rPr kumimoji="0" lang="ko-KR" altLang="en-US" sz="1460" b="1" i="0" u="none" strike="noStrike" kern="0" cap="none" spc="0" normalizeH="0" baseline="0" noProof="0" dirty="0">
                           <a:ln>
                             <a:noFill/>
                           </a:ln>
@@ -17037,7 +15228,7 @@
                         </a:rPr>
                         <a:t>한국의 빠르고 민감한 유행 파악 및 분석 가능</a:t>
                       </a:r>
-                      <a:endParaRPr kumimoji="0" lang="en-US" altLang="ko-KR" sz="1400" b="1" i="0" u="none" strike="noStrike" kern="0" cap="none" spc="0" normalizeH="0" baseline="0" noProof="0" dirty="0">
+                      <a:endParaRPr kumimoji="0" lang="en-US" altLang="ko-KR" sz="1460" b="1" i="0" u="none" strike="noStrike" kern="0" cap="none" spc="0" normalizeH="0" baseline="0" noProof="0" dirty="0">
                         <a:ln>
                           <a:noFill/>
                         </a:ln>
@@ -17073,7 +15264,7 @@
                         <a:tabLst/>
                         <a:defRPr/>
                       </a:pPr>
-                      <a:endParaRPr kumimoji="0" lang="en-US" altLang="ko-KR" sz="1400" b="1" i="0" u="none" strike="noStrike" kern="0" cap="none" spc="0" normalizeH="0" baseline="0" noProof="0" dirty="0">
+                      <a:endParaRPr kumimoji="0" lang="en-US" altLang="ko-KR" sz="1460" b="1" i="0" u="none" strike="noStrike" kern="0" cap="none" spc="0" normalizeH="0" baseline="0" noProof="0" dirty="0">
                         <a:ln>
                           <a:noFill/>
                         </a:ln>
@@ -17110,7 +15301,7 @@
                         <a:defRPr/>
                       </a:pPr>
                       <a:r>
-                        <a:rPr kumimoji="0" lang="en-US" altLang="ko-KR" sz="1400" b="1" i="0" u="none" strike="noStrike" kern="0" cap="none" spc="0" normalizeH="0" baseline="0" noProof="0" dirty="0">
+                        <a:rPr kumimoji="0" lang="en-US" altLang="ko-KR" sz="1460" b="1" i="0" u="none" strike="noStrike" kern="0" cap="none" spc="0" normalizeH="0" baseline="0" noProof="0" dirty="0">
                           <a:ln>
                             <a:noFill/>
                           </a:ln>
@@ -17128,7 +15319,7 @@
                         <a:t>2. </a:t>
                       </a:r>
                       <a:r>
-                        <a:rPr kumimoji="0" lang="ko-KR" altLang="en-US" sz="1400" b="1" i="0" u="none" strike="noStrike" kern="0" cap="none" spc="0" normalizeH="0" baseline="0" noProof="0" dirty="0">
+                        <a:rPr kumimoji="0" lang="ko-KR" altLang="en-US" sz="1460" b="1" i="0" u="none" strike="noStrike" kern="0" cap="none" spc="0" normalizeH="0" baseline="0" noProof="0" dirty="0">
                           <a:ln>
                             <a:noFill/>
                           </a:ln>
@@ -17145,7 +15336,7 @@
                         </a:rPr>
                         <a:t>유저가 보유한 아이템으로 간편하게 여러가지 코디 시뮬레이션 가능</a:t>
                       </a:r>
-                      <a:endParaRPr kumimoji="0" lang="en-US" altLang="ko-KR" sz="1400" b="1" i="0" u="none" strike="noStrike" kern="0" cap="none" spc="0" normalizeH="0" baseline="0" noProof="0" dirty="0">
+                      <a:endParaRPr kumimoji="0" lang="en-US" altLang="ko-KR" sz="1460" b="1" i="0" u="none" strike="noStrike" kern="0" cap="none" spc="0" normalizeH="0" baseline="0" noProof="0" dirty="0">
                         <a:ln>
                           <a:noFill/>
                         </a:ln>
@@ -17181,7 +15372,7 @@
                         <a:tabLst/>
                         <a:defRPr/>
                       </a:pPr>
-                      <a:endParaRPr kumimoji="0" lang="en-US" altLang="ko-KR" sz="1400" b="1" i="0" u="none" strike="noStrike" kern="0" cap="none" spc="0" normalizeH="0" baseline="0" noProof="0" dirty="0">
+                      <a:endParaRPr kumimoji="0" lang="en-US" altLang="ko-KR" sz="1460" b="1" i="0" u="none" strike="noStrike" kern="0" cap="none" spc="0" normalizeH="0" baseline="0" noProof="0" dirty="0">
                         <a:ln>
                           <a:noFill/>
                         </a:ln>
@@ -17218,7 +15409,7 @@
                         <a:defRPr/>
                       </a:pPr>
                       <a:r>
-                        <a:rPr kumimoji="0" lang="en-US" altLang="ko-KR" sz="1400" b="1" i="0" u="none" strike="noStrike" kern="0" cap="none" spc="0" normalizeH="0" baseline="0" noProof="0" dirty="0">
+                        <a:rPr kumimoji="0" lang="en-US" altLang="ko-KR" sz="1460" b="1" i="0" u="none" strike="noStrike" kern="0" cap="none" spc="0" normalizeH="0" baseline="0" noProof="0" dirty="0">
                           <a:ln>
                             <a:noFill/>
                           </a:ln>
@@ -17236,7 +15427,7 @@
                         <a:t>3. </a:t>
                       </a:r>
                       <a:r>
-                        <a:rPr kumimoji="0" lang="ko-KR" altLang="en-US" sz="1400" b="1" i="0" u="none" strike="noStrike" kern="0" cap="none" spc="0" normalizeH="0" baseline="0" noProof="0" dirty="0">
+                        <a:rPr kumimoji="0" lang="ko-KR" altLang="en-US" sz="1460" b="1" i="0" u="none" strike="noStrike" kern="0" cap="none" spc="0" normalizeH="0" baseline="0" noProof="0" dirty="0">
                           <a:ln>
                             <a:noFill/>
                           </a:ln>
@@ -17253,7 +15444,7 @@
                         </a:rPr>
                         <a:t>유저의 패션에 대한 만족도 상승</a:t>
                       </a:r>
-                      <a:endParaRPr kumimoji="0" lang="en-US" altLang="ko-KR" sz="1400" b="1" i="0" u="none" strike="noStrike" kern="0" cap="none" spc="0" normalizeH="0" baseline="0" noProof="0" dirty="0">
+                      <a:endParaRPr kumimoji="0" lang="en-US" altLang="ko-KR" sz="1460" b="1" i="0" u="none" strike="noStrike" kern="0" cap="none" spc="0" normalizeH="0" baseline="0" noProof="0" dirty="0">
                         <a:ln>
                           <a:noFill/>
                         </a:ln>
@@ -17289,7 +15480,7 @@
                         <a:tabLst/>
                         <a:defRPr/>
                       </a:pPr>
-                      <a:endParaRPr kumimoji="0" lang="en-US" altLang="ko-KR" sz="1400" b="1" i="0" u="none" strike="noStrike" kern="0" cap="none" spc="0" normalizeH="0" baseline="0" noProof="0" dirty="0">
+                      <a:endParaRPr kumimoji="0" lang="en-US" altLang="ko-KR" sz="1460" b="1" i="0" u="none" strike="noStrike" kern="0" cap="none" spc="0" normalizeH="0" baseline="0" noProof="0" dirty="0">
                         <a:ln>
                           <a:noFill/>
                         </a:ln>
@@ -17326,7 +15517,7 @@
                         <a:defRPr/>
                       </a:pPr>
                       <a:r>
-                        <a:rPr kumimoji="0" lang="en-US" altLang="ko-KR" sz="1400" b="1" i="0" u="none" strike="noStrike" kern="0" cap="none" spc="0" normalizeH="0" baseline="0" noProof="0" dirty="0">
+                        <a:rPr kumimoji="0" lang="en-US" altLang="ko-KR" sz="1460" b="1" i="0" u="none" strike="noStrike" kern="0" cap="none" spc="0" normalizeH="0" baseline="0" noProof="0" dirty="0">
                           <a:ln>
                             <a:noFill/>
                           </a:ln>
@@ -17344,7 +15535,7 @@
                         <a:t>4. </a:t>
                       </a:r>
                       <a:r>
-                        <a:rPr kumimoji="0" lang="ko-KR" altLang="en-US" sz="1400" b="1" i="0" u="none" strike="noStrike" kern="0" cap="none" spc="0" normalizeH="0" baseline="0" noProof="0" dirty="0">
+                        <a:rPr kumimoji="0" lang="ko-KR" altLang="en-US" sz="1460" b="1" i="0" u="none" strike="noStrike" kern="0" cap="none" spc="0" normalizeH="0" baseline="0" noProof="0" dirty="0">
                           <a:ln>
                             <a:noFill/>
                           </a:ln>

--- a/전시 판넬/5조_YMPM_전시판넬.pptx
+++ b/전시 판넬/5조_YMPM_전시판넬.pptx
@@ -1,28 +1,17 @@
 
 <file path=ppt/presentation.xml><?xml version="1.0" encoding="utf-8"?>
-<p:presentation xmlns:a="http://schemas.openxmlformats.org/drawingml/2006/main" xmlns:r="http://schemas.openxmlformats.org/officeDocument/2006/relationships" xmlns:p="http://schemas.openxmlformats.org/presentationml/2006/main" strictFirstAndLastChars="0" embedTrueTypeFonts="1" saveSubsetFonts="1" autoCompressPictures="0">
+<p:presentation xmlns:a="http://schemas.openxmlformats.org/drawingml/2006/main" xmlns:r="http://schemas.openxmlformats.org/officeDocument/2006/relationships" xmlns:p="http://schemas.openxmlformats.org/presentationml/2006/main" xmlns:p14="http://schemas.microsoft.com/office/powerpoint/2010/main" strictFirstAndLastChars="0" embedTrueTypeFonts="1" saveSubsetFonts="1" autoCompressPictures="0">
   <p:sldMasterIdLst>
-    <p:sldMasterId id="2147483648" r:id="rId1"/>
+    <p:sldMasterId id="2147483664" r:id="rId17"/>
   </p:sldMasterIdLst>
   <p:notesMasterIdLst>
-    <p:notesMasterId r:id="rId3"/>
+    <p:notesMasterId r:id="rId19"/>
   </p:notesMasterIdLst>
   <p:sldIdLst>
-    <p:sldId id="257" r:id="rId2"/>
+    <p:sldId id="257" r:id="rId21"/>
   </p:sldIdLst>
-  <p:sldSz cx="6858000" cy="9144000" type="screen4x3"/>
+  <p:sldSz cx="6858000" cy="9144000"/>
   <p:notesSz cx="6858000" cy="9144000"/>
-  <p:embeddedFontLst>
-    <p:embeddedFont>
-      <p:font typeface="Malgun Gothic" panose="020B0503020000020004" pitchFamily="50" charset="-127"/>
-      <p:regular r:id="rId4"/>
-      <p:bold r:id="rId5"/>
-    </p:embeddedFont>
-    <p:embeddedFont>
-      <p:font typeface="나눔고딕OTF" panose="020D0604000000000000" pitchFamily="34" charset="-127"/>
-      <p:regular r:id="rId6"/>
-    </p:embeddedFont>
-  </p:embeddedFontLst>
   <p:defaultTextStyle>
     <a:defPPr marR="0" lvl="0" algn="l" rtl="0">
       <a:lnSpc>
@@ -253,24 +242,37 @@
     </a:lvl9pPr>
   </p:defaultTextStyle>
   <p:extLst>
+    <p:ext uri="http://customooxmlschemas.google.com/">
+      <go:slidesCustomData xmlns:go="http://customooxmlschemas.google.com/" xmlns:ahyp="http://schemas.microsoft.com/office/drawing/2018/hyperlinkcolor" xmlns:p15="http://schemas.microsoft.com/office/powerpoint/2012/main" xmlns:p14="http://schemas.microsoft.com/office/powerpoint/2010/main" xmlns:com="http://schemas.openxmlformats.org/drawingml/2006/compatibility" xmlns:pvml="urn:schemas-microsoft-com:office:powerpoint" xmlns:v="urn:schemas-microsoft-com:vml" xmlns:o="urn:schemas-microsoft-com:office:office" xmlns:dgm="http://schemas.openxmlformats.org/drawingml/2006/diagram" xmlns:c="http://schemas.openxmlformats.org/drawingml/2006/chart" xmlns:mv="urn:schemas-microsoft-com:mac:vml" xmlns:mc="http://schemas.openxmlformats.org/markup-compatibility/2006" xmlns="" r:id="rId10" roundtripDataSignature="AMtx7mhK1jw155WkdJcq0TTS9IKfUDUMWw=="/>
+    </p:ext>
     <p:ext uri="{EFAFB233-063F-42B5-8137-9DF3F51BA10A}">
       <p15:sldGuideLst xmlns:p15="http://schemas.microsoft.com/office/powerpoint/2012/main">
-        <p15:guide id="1" orient="horz" pos="2876">
+        <p15:guide id="1" orient="horz" pos="2875" userDrawn="0">
           <p15:clr>
             <a:srgbClr val="A4A3A4"/>
           </p15:clr>
         </p15:guide>
-        <p15:guide id="2" pos="2156">
+        <p15:guide id="2" pos="2155" userDrawn="0">
           <p15:clr>
             <a:srgbClr val="A4A3A4"/>
           </p15:clr>
         </p15:guide>
       </p15:sldGuideLst>
     </p:ext>
-    <p:ext uri="http://customooxmlschemas.google.com/">
-      <go:slidesCustomData xmlns:go="http://customooxmlschemas.google.com/" xmlns:ahyp="http://schemas.microsoft.com/office/drawing/2018/hyperlinkcolor" xmlns:p15="http://schemas.microsoft.com/office/powerpoint/2012/main" xmlns:p14="http://schemas.microsoft.com/office/powerpoint/2010/main" xmlns:com="http://schemas.openxmlformats.org/drawingml/2006/compatibility" xmlns:pvml="urn:schemas-microsoft-com:office:powerpoint" xmlns:v="urn:schemas-microsoft-com:vml" xmlns:o="urn:schemas-microsoft-com:office:office" xmlns:dgm="http://schemas.openxmlformats.org/drawingml/2006/diagram" xmlns:c="http://schemas.openxmlformats.org/drawingml/2006/chart" xmlns:mv="urn:schemas-microsoft-com:mac:vml" xmlns:mc="http://schemas.openxmlformats.org/markup-compatibility/2006" xmlns="" r:id="rId10" roundtripDataSignature="AMtx7mhK1jw155WkdJcq0TTS9IKfUDUMWw=="/>
-    </p:ext>
   </p:extLst>
+  <p:embeddedFontLst>
+    <p:embeddedFont>
+      <p:font typeface="Malgun Gothic" panose="020B0503020000020004" pitchFamily="50" charset="-127">
+        <p:regular r:id="rId4"/>
+        <p:bold r:id="rId2"/>
+      </p:font>
+    </p:embeddedFont>
+    <p:embeddedFont>
+      <p:font typeface="나눔고딕OTF" panose="020D0604000000000000" pitchFamily="34" charset="-127">
+        <p:regular r:id="rId1"/>
+      </p:font>
+    </p:embeddedFont>
+  </p:embeddedFontLst>
 </p:presentation>
 </file>
 
@@ -14302,7 +14304,7 @@
 </file>
 
 <file path=ppt/slides/slide1.xml><?xml version="1.0" encoding="utf-8"?>
-<p:sld xmlns:a="http://schemas.openxmlformats.org/drawingml/2006/main" xmlns:r="http://schemas.openxmlformats.org/officeDocument/2006/relationships" xmlns:p="http://schemas.openxmlformats.org/presentationml/2006/main">
+<p:sld xmlns:a="http://schemas.openxmlformats.org/drawingml/2006/main" xmlns:r="http://schemas.openxmlformats.org/officeDocument/2006/relationships" xmlns:p="http://schemas.openxmlformats.org/presentationml/2006/main" xmlns:p14="http://schemas.microsoft.com/office/powerpoint/2010/main">
   <p:cSld>
     <p:spTree>
       <p:nvGrpSpPr>
@@ -14326,9 +14328,9 @@
         </p:nvGrpSpPr>
         <p:grpSpPr>
           <a:xfrm>
-            <a:off x="0" y="0"/>
+            <a:off x="0" y="-22860"/>
             <a:ext cx="6858635" cy="9171940"/>
-            <a:chOff x="0" y="0"/>
+            <a:chOff x="0" y="-22860"/>
             <a:chExt cx="6858635" cy="9171940"/>
           </a:xfrm>
         </p:grpSpPr>
@@ -14340,67 +14342,74 @@
           </p:nvGrpSpPr>
           <p:grpSpPr>
             <a:xfrm>
-              <a:off x="0" y="0"/>
+              <a:off x="0" y="-22860"/>
               <a:ext cx="6858635" cy="9171940"/>
-              <a:chOff x="0" y="0"/>
+              <a:chOff x="0" y="-22860"/>
               <a:chExt cx="6858635" cy="9171940"/>
             </a:xfrm>
           </p:grpSpPr>
           <p:pic>
             <p:nvPicPr>
-              <p:cNvPr id="86" name="Google Shape;86;p1" descr="C:/Users/hanso/AppData/Roaming/PolarisOffice8/ETemp/9012_20626944/image1.png"/>
-              <p:cNvPicPr preferRelativeResize="0"/>
+              <p:cNvPr id="86" name="Google Shape;86;p1" descr="C:/Users/admin/AppData/Roaming/PolarisOffice/ETemp/13068_19716960/image1.png"/>
+              <p:cNvPicPr preferRelativeResize="0">
+                <a:picLocks/>
+              </p:cNvPicPr>
               <p:nvPr/>
             </p:nvPicPr>
             <p:blipFill rotWithShape="1">
-              <a:blip r:embed="rId3">
-                <a:alphaModFix/>
+              <a:blip r:embed="rId3" cstate="print">
+                <a:extLst>
+                  <a:ext uri="{28A0092B-C50C-407E-A947-70E740481C1C}">
+                    <a14:useLocalDpi xmlns:a14="http://schemas.microsoft.com/office/drawing/2010/main" val="0"/>
+                  </a:ext>
+                </a:extLst>
               </a:blip>
-              <a:srcRect/>
-              <a:stretch/>
+              <a:stretch>
+                <a:fillRect/>
+              </a:stretch>
             </p:blipFill>
             <p:spPr>
-              <a:xfrm>
-                <a:off x="0" y="0"/>
-                <a:ext cx="6858635" cy="9171940"/>
+              <a:xfrm rot="0">
+                <a:off x="0" y="-22860"/>
+                <a:ext cx="6859270" cy="9172575"/>
               </a:xfrm>
-              <a:prstGeom prst="rect">
-                <a:avLst/>
-              </a:prstGeom>
+              <a:prstGeom prst="rect"/>
               <a:noFill/>
-              <a:ln>
+              <a:ln w="0">
                 <a:noFill/>
+                <a:prstDash/>
               </a:ln>
             </p:spPr>
           </p:pic>
           <p:sp>
             <p:nvSpPr>
               <p:cNvPr id="87" name="Google Shape;87;p1"/>
-              <p:cNvSpPr/>
+              <p:cNvSpPr>
+                <a:spLocks/>
+              </p:cNvSpPr>
               <p:nvPr/>
             </p:nvSpPr>
             <p:spPr>
-              <a:xfrm>
-                <a:off x="445554" y="421727"/>
-                <a:ext cx="4824323" cy="1224136"/>
+              <a:xfrm rot="0">
+                <a:off x="445770" y="398780"/>
+                <a:ext cx="4824730" cy="1224915"/>
               </a:xfrm>
-              <a:prstGeom prst="rect">
-                <a:avLst/>
-              </a:prstGeom>
+              <a:prstGeom prst="rect"/>
               <a:solidFill>
                 <a:schemeClr val="lt1"/>
               </a:solidFill>
-              <a:ln>
+              <a:ln w="0">
                 <a:noFill/>
+                <a:prstDash/>
               </a:ln>
             </p:spPr>
             <p:txBody>
-              <a:bodyPr spcFirstLastPara="1" wrap="square" lIns="91425" tIns="45700" rIns="91425" bIns="45700" anchor="ctr" anchorCtr="0">
+              <a:bodyPr wrap="square" lIns="91440" tIns="45720" rIns="91440" bIns="45720" numCol="1" vert="horz" anchor="ctr">
                 <a:noAutofit/>
               </a:bodyPr>
               <a:lstStyle/>
               <a:p>
-                <a:pPr marL="0" marR="0" lvl="0" indent="0" algn="ctr" rtl="0">
+                <a:pPr marL="0" indent="0" rtl="0" algn="ctr" latinLnBrk="0">
                   <a:lnSpc>
                     <a:spcPct val="100000"/>
                   </a:lnSpc>
@@ -14410,28 +14419,31 @@
                   <a:spcAft>
                     <a:spcPts val="0"/>
                   </a:spcAft>
-                  <a:buClr>
-                    <a:srgbClr val="000000"/>
-                  </a:buClr>
-                  <a:buSzPts val="1800"/>
-                  <a:buFont typeface="Arial"/>
+                  <a:buFontTx/>
                   <a:buNone/>
                 </a:pPr>
                 <a:r>
-                  <a:rPr lang="en-US" sz="3000" b="1" i="0" u="none" strike="noStrike" cap="none" dirty="0">
+                  <a:rPr lang="en-US" sz="3000" cap="none" i="0" b="1" strike="noStrike">
                     <a:solidFill>
                       <a:schemeClr val="tx1"/>
                     </a:solidFill>
-                    <a:latin typeface="나눔고딕OTF" panose="020D0604000000000000" pitchFamily="34" charset="-127"/>
-                    <a:ea typeface="나눔고딕OTF" panose="020D0604000000000000" pitchFamily="34" charset="-127"/>
-                    <a:cs typeface="Malgun Gothic"/>
-                    <a:sym typeface="Malgun Gothic"/>
+                    <a:latin typeface="나눔고딕OTF" charset="0"/>
+                    <a:ea typeface="나눔고딕OTF" charset="0"/>
+                    <a:cs typeface="Malgun Gothic" charset="0"/>
                   </a:rPr>
                   <a:t>Fit-Back : </a:t>
                 </a:r>
+                <a:endParaRPr lang="ko-KR" altLang="en-US" sz="3000" cap="none" i="0" b="1" strike="noStrike">
+                  <a:solidFill>
+                    <a:schemeClr val="tx1"/>
+                  </a:solidFill>
+                  <a:latin typeface="나눔고딕OTF" charset="0"/>
+                  <a:ea typeface="나눔고딕OTF" charset="0"/>
+                  <a:cs typeface="Malgun Gothic" charset="0"/>
+                </a:endParaRPr>
               </a:p>
               <a:p>
-                <a:pPr marL="0" marR="0" lvl="0" indent="0" algn="ctr" rtl="0">
+                <a:pPr marL="0" indent="0" rtl="0" algn="ctr" latinLnBrk="0">
                   <a:lnSpc>
                     <a:spcPct val="100000"/>
                   </a:lnSpc>
@@ -14441,69 +14453,49 @@
                   <a:spcAft>
                     <a:spcPts val="0"/>
                   </a:spcAft>
-                  <a:buClr>
-                    <a:srgbClr val="000000"/>
-                  </a:buClr>
-                  <a:buSzPts val="1800"/>
-                  <a:buFont typeface="Arial"/>
+                  <a:buFontTx/>
                   <a:buNone/>
                 </a:pPr>
                 <a:r>
-                  <a:rPr lang="en-US" sz="3000" b="1" i="0" u="none" strike="noStrike" cap="none" dirty="0">
+                  <a:rPr lang="en-US" sz="2600" cap="none" i="0" b="1" strike="noStrike">
                     <a:solidFill>
                       <a:schemeClr val="tx1"/>
                     </a:solidFill>
-                    <a:latin typeface="나눔고딕OTF" panose="020D0604000000000000" pitchFamily="34" charset="-127"/>
-                    <a:ea typeface="나눔고딕OTF" panose="020D0604000000000000" pitchFamily="34" charset="-127"/>
-                    <a:cs typeface="Malgun Gothic"/>
-                    <a:sym typeface="Malgun Gothic"/>
+                    <a:latin typeface="나눔고딕OTF" charset="0"/>
+                    <a:ea typeface="나눔고딕OTF" charset="0"/>
+                    <a:cs typeface="Malgun Gothic" charset="0"/>
                   </a:rPr>
                   <a:t>“</a:t>
                 </a:r>
                 <a:r>
-                  <a:rPr lang="ko-KR" altLang="en-US" sz="3000" b="1" i="0" u="none" strike="noStrike" cap="none" dirty="0" err="1">
+                  <a:rPr lang="en-US" sz="2600" cap="none" i="0" b="1" strike="noStrike">
                     <a:solidFill>
                       <a:schemeClr val="tx1"/>
                     </a:solidFill>
-                    <a:latin typeface="나눔고딕OTF" panose="020D0604000000000000" pitchFamily="34" charset="-127"/>
-                    <a:ea typeface="나눔고딕OTF" panose="020D0604000000000000" pitchFamily="34" charset="-127"/>
-                    <a:cs typeface="Malgun Gothic"/>
-                    <a:sym typeface="Malgun Gothic"/>
+                    <a:latin typeface="나눔고딕OTF" charset="0"/>
+                    <a:ea typeface="나눔고딕OTF" charset="0"/>
+                    <a:cs typeface="Malgun Gothic" charset="0"/>
                   </a:rPr>
-                  <a:t>데일리룩</a:t>
+                  <a:t>데일리룩 관리 및 피드백 서비스</a:t>
                 </a:r>
                 <a:r>
-                  <a:rPr lang="ko-KR" altLang="en-US" sz="3000" b="1" i="0" u="none" strike="noStrike" cap="none" dirty="0">
+                  <a:rPr lang="en-US" altLang="ko-KR" sz="2600" cap="none" i="0" b="1" strike="noStrike">
                     <a:solidFill>
                       <a:schemeClr val="tx1"/>
                     </a:solidFill>
-                    <a:latin typeface="나눔고딕OTF" panose="020D0604000000000000" pitchFamily="34" charset="-127"/>
-                    <a:ea typeface="나눔고딕OTF" panose="020D0604000000000000" pitchFamily="34" charset="-127"/>
-                    <a:cs typeface="Malgun Gothic"/>
-                    <a:sym typeface="Malgun Gothic"/>
-                  </a:rPr>
-                  <a:t> 평가 프로그램</a:t>
-                </a:r>
-                <a:r>
-                  <a:rPr lang="en-US" altLang="ko-KR" sz="3000" b="1" i="0" u="none" strike="noStrike" cap="none" dirty="0">
-                    <a:solidFill>
-                      <a:schemeClr val="tx1"/>
-                    </a:solidFill>
-                    <a:latin typeface="나눔고딕OTF" panose="020D0604000000000000" pitchFamily="34" charset="-127"/>
-                    <a:ea typeface="나눔고딕OTF" panose="020D0604000000000000" pitchFamily="34" charset="-127"/>
-                    <a:cs typeface="Malgun Gothic"/>
-                    <a:sym typeface="Malgun Gothic"/>
+                    <a:latin typeface="나눔고딕OTF" charset="0"/>
+                    <a:ea typeface="나눔고딕OTF" charset="0"/>
+                    <a:cs typeface="Malgun Gothic" charset="0"/>
                   </a:rPr>
                   <a:t>”</a:t>
                 </a:r>
-                <a:endParaRPr sz="3000" b="1" i="0" u="none" strike="noStrike" cap="none" dirty="0">
+                <a:endParaRPr lang="ko-KR" altLang="en-US" sz="2600" cap="none" i="0" b="1" strike="noStrike">
                   <a:solidFill>
                     <a:schemeClr val="tx1"/>
                   </a:solidFill>
-                  <a:latin typeface="나눔고딕OTF" panose="020D0604000000000000" pitchFamily="34" charset="-127"/>
-                  <a:ea typeface="나눔고딕OTF" panose="020D0604000000000000" pitchFamily="34" charset="-127"/>
-                  <a:cs typeface="Malgun Gothic"/>
-                  <a:sym typeface="Malgun Gothic"/>
+                  <a:latin typeface="나눔고딕OTF" charset="0"/>
+                  <a:ea typeface="나눔고딕OTF" charset="0"/>
+                  <a:cs typeface="Malgun Gothic" charset="0"/>
                 </a:endParaRPr>
               </a:p>
             </p:txBody>
@@ -14511,31 +14503,32 @@
           <p:sp>
             <p:nvSpPr>
               <p:cNvPr id="88" name="Google Shape;88;p1"/>
-              <p:cNvSpPr/>
+              <p:cNvSpPr>
+                <a:spLocks/>
+              </p:cNvSpPr>
               <p:nvPr/>
             </p:nvSpPr>
             <p:spPr>
-              <a:xfrm>
-                <a:off x="800814" y="8748464"/>
-                <a:ext cx="4824323" cy="216024"/>
+              <a:xfrm rot="0">
+                <a:off x="800735" y="8725535"/>
+                <a:ext cx="4824730" cy="216535"/>
               </a:xfrm>
-              <a:prstGeom prst="rect">
-                <a:avLst/>
-              </a:prstGeom>
+              <a:prstGeom prst="rect"/>
               <a:solidFill>
                 <a:schemeClr val="lt1"/>
               </a:solidFill>
-              <a:ln>
+              <a:ln w="0">
                 <a:noFill/>
+                <a:prstDash/>
               </a:ln>
             </p:spPr>
             <p:txBody>
-              <a:bodyPr spcFirstLastPara="1" wrap="square" lIns="91425" tIns="45700" rIns="91425" bIns="45700" anchor="ctr" anchorCtr="0">
+              <a:bodyPr wrap="square" lIns="91440" tIns="45720" rIns="91440" bIns="45720" numCol="1" vert="horz" anchor="ctr">
                 <a:noAutofit/>
               </a:bodyPr>
               <a:lstStyle/>
               <a:p>
-                <a:pPr marL="0" marR="0" lvl="0" indent="0" algn="ctr" rtl="0">
+                <a:pPr marL="0" indent="0" rtl="0" algn="ctr" latinLnBrk="0">
                   <a:lnSpc>
                     <a:spcPct val="100000"/>
                   </a:lnSpc>
@@ -14545,21 +14538,16 @@
                   <a:spcAft>
                     <a:spcPts val="0"/>
                   </a:spcAft>
-                  <a:buClr>
-                    <a:srgbClr val="000000"/>
-                  </a:buClr>
-                  <a:buSzPts val="1800"/>
-                  <a:buFont typeface="Arial"/>
+                  <a:buFontTx/>
                   <a:buNone/>
                 </a:pPr>
-                <a:endParaRPr sz="1800" b="0" i="0" u="none" strike="noStrike" cap="none">
+                <a:endParaRPr lang="ko-KR" altLang="en-US" sz="1800" cap="none" i="0" b="0" strike="noStrike">
                   <a:solidFill>
                     <a:schemeClr val="dk1"/>
                   </a:solidFill>
-                  <a:latin typeface="Malgun Gothic"/>
-                  <a:ea typeface="Malgun Gothic"/>
-                  <a:cs typeface="Malgun Gothic"/>
-                  <a:sym typeface="Malgun Gothic"/>
+                  <a:latin typeface="Malgun Gothic" charset="0"/>
+                  <a:ea typeface="Malgun Gothic" charset="0"/>
+                  <a:cs typeface="Malgun Gothic" charset="0"/>
                 </a:endParaRPr>
               </a:p>
             </p:txBody>
@@ -14568,37 +14556,37 @@
         <p:sp>
           <p:nvSpPr>
             <p:cNvPr id="89" name="Google Shape;89;p1"/>
-            <p:cNvSpPr/>
+            <p:cNvSpPr>
+              <a:spLocks/>
+            </p:cNvSpPr>
             <p:nvPr/>
           </p:nvSpPr>
           <p:spPr>
-            <a:xfrm>
-              <a:off x="445554" y="2395257"/>
-              <a:ext cx="5906135" cy="1667754"/>
+            <a:xfrm rot="0">
+              <a:off x="445770" y="2372360"/>
+              <a:ext cx="5906770" cy="1668145"/>
             </a:xfrm>
-            <a:prstGeom prst="rect">
-              <a:avLst/>
-            </a:prstGeom>
+            <a:prstGeom prst="rect"/>
             <a:solidFill>
               <a:schemeClr val="lt1"/>
             </a:solidFill>
             <a:ln w="38100" cap="flat" cmpd="sng">
               <a:solidFill>
-                <a:srgbClr val="25428E"/>
+                <a:srgbClr val="25428E">
+                  <a:alpha val="100000"/>
+                </a:srgbClr>
               </a:solidFill>
               <a:prstDash val="solid"/>
               <a:round/>
-              <a:headEnd type="none" w="sm" len="sm"/>
-              <a:tailEnd type="none" w="sm" len="sm"/>
             </a:ln>
           </p:spPr>
           <p:txBody>
-            <a:bodyPr spcFirstLastPara="1" wrap="square" lIns="91425" tIns="45700" rIns="91425" bIns="45700" anchor="t" anchorCtr="0">
+            <a:bodyPr wrap="square" lIns="91440" tIns="45720" rIns="91440" bIns="45720" numCol="1" vert="horz" anchor="t">
               <a:noAutofit/>
             </a:bodyPr>
             <a:lstStyle/>
             <a:p>
-              <a:pPr marR="0" lvl="0" algn="l" rtl="0">
+              <a:pPr marL="0" indent="0" rtl="0" algn="l" latinLnBrk="0">
                 <a:lnSpc>
                   <a:spcPct val="100000"/>
                 </a:lnSpc>
@@ -14608,117 +14596,149 @@
                 <a:spcAft>
                   <a:spcPts val="0"/>
                 </a:spcAft>
+                <a:buFontTx/>
+                <a:buNone/>
               </a:pPr>
               <a:r>
-                <a:rPr lang="en-US" altLang="ko-KR" sz="1300" b="1" dirty="0">
+                <a:rPr lang="en-US" altLang="ko-KR" sz="1300" b="1">
                   <a:solidFill>
                     <a:schemeClr val="tx1"/>
                   </a:solidFill>
-                  <a:latin typeface="나눔고딕OTF" panose="020D0604000000000000" pitchFamily="34" charset="-127"/>
-                  <a:ea typeface="나눔고딕OTF" panose="020D0604000000000000" pitchFamily="34" charset="-127"/>
-                  <a:sym typeface="Malgun Gothic"/>
+                  <a:latin typeface="나눔고딕OTF" charset="0"/>
+                  <a:ea typeface="나눔고딕OTF" charset="0"/>
                 </a:rPr>
                 <a:t>1. </a:t>
               </a:r>
               <a:r>
-                <a:rPr lang="ko-KR" altLang="en-US" sz="1300" b="1" dirty="0">
+                <a:rPr lang="ko-KR" altLang="en-US" sz="1300" b="1">
                   <a:solidFill>
                     <a:schemeClr val="tx1"/>
                   </a:solidFill>
-                  <a:latin typeface="나눔고딕OTF" panose="020D0604000000000000" pitchFamily="34" charset="-127"/>
-                  <a:ea typeface="나눔고딕OTF" panose="020D0604000000000000" pitchFamily="34" charset="-127"/>
-                  <a:sym typeface="Malgun Gothic"/>
+                  <a:latin typeface="나눔고딕OTF" charset="0"/>
+                  <a:ea typeface="나눔고딕OTF" charset="0"/>
                 </a:rPr>
                 <a:t>배경</a:t>
               </a:r>
               <a:r>
-                <a:rPr lang="en-US" altLang="ko-KR" sz="1300" b="1" dirty="0">
+                <a:rPr lang="en-US" altLang="ko-KR" sz="1300" b="1">
                   <a:solidFill>
                     <a:schemeClr val="tx1"/>
                   </a:solidFill>
-                  <a:latin typeface="나눔고딕OTF" panose="020D0604000000000000" pitchFamily="34" charset="-127"/>
-                  <a:ea typeface="나눔고딕OTF" panose="020D0604000000000000" pitchFamily="34" charset="-127"/>
-                  <a:sym typeface="Malgun Gothic"/>
+                  <a:latin typeface="나눔고딕OTF" charset="0"/>
+                  <a:ea typeface="나눔고딕OTF" charset="0"/>
                 </a:rPr>
                 <a:t>: </a:t>
               </a:r>
               <a:r>
-                <a:rPr lang="en-US" altLang="ko-KR" sz="1200" dirty="0">
+                <a:rPr lang="en-US" altLang="ko-KR" sz="1200">
                   <a:solidFill>
                     <a:schemeClr val="tx1"/>
                   </a:solidFill>
-                  <a:latin typeface="나눔고딕OTF" panose="020D0604000000000000" pitchFamily="34" charset="-127"/>
-                  <a:ea typeface="나눔고딕OTF" panose="020D0604000000000000" pitchFamily="34" charset="-127"/>
-                  <a:sym typeface="Malgun Gothic"/>
+                  <a:latin typeface="나눔고딕OTF" charset="0"/>
+                  <a:ea typeface="나눔고딕OTF" charset="0"/>
                 </a:rPr>
                 <a:t>SNS</a:t>
               </a:r>
               <a:r>
-                <a:rPr lang="ko-KR" altLang="en-US" sz="1200" dirty="0">
+                <a:rPr lang="ko-KR" altLang="en-US" sz="1200">
                   <a:solidFill>
                     <a:schemeClr val="tx1"/>
                   </a:solidFill>
-                  <a:latin typeface="나눔고딕OTF" panose="020D0604000000000000" pitchFamily="34" charset="-127"/>
-                  <a:ea typeface="나눔고딕OTF" panose="020D0604000000000000" pitchFamily="34" charset="-127"/>
-                  <a:sym typeface="Malgun Gothic"/>
+                  <a:latin typeface="나눔고딕OTF" charset="0"/>
+                  <a:ea typeface="나눔고딕OTF" charset="0"/>
                 </a:rPr>
-                <a:t> 속 해시태그 </a:t>
+                <a:t> </a:t>
               </a:r>
               <a:r>
-                <a:rPr lang="en-US" altLang="ko-KR" sz="1200" dirty="0">
+                <a:rPr lang="ko-KR" altLang="en-US" sz="1200">
                   <a:solidFill>
                     <a:schemeClr val="tx1"/>
                   </a:solidFill>
-                  <a:latin typeface="나눔고딕OTF" panose="020D0604000000000000" pitchFamily="34" charset="-127"/>
-                  <a:ea typeface="나눔고딕OTF" panose="020D0604000000000000" pitchFamily="34" charset="-127"/>
-                  <a:sym typeface="Malgun Gothic"/>
+                  <a:latin typeface="나눔고딕OTF" charset="0"/>
+                  <a:ea typeface="나눔고딕OTF" charset="0"/>
+                </a:rPr>
+                <a:t>속</a:t>
+              </a:r>
+              <a:r>
+                <a:rPr lang="ko-KR" altLang="en-US" sz="1200">
+                  <a:solidFill>
+                    <a:schemeClr val="tx1"/>
+                  </a:solidFill>
+                  <a:latin typeface="나눔고딕OTF" charset="0"/>
+                  <a:ea typeface="나눔고딕OTF" charset="0"/>
+                </a:rPr>
+                <a:t> </a:t>
+              </a:r>
+              <a:r>
+                <a:rPr lang="ko-KR" altLang="en-US" sz="1200">
+                  <a:solidFill>
+                    <a:schemeClr val="tx1"/>
+                  </a:solidFill>
+                  <a:latin typeface="나눔고딕OTF" charset="0"/>
+                  <a:ea typeface="나눔고딕OTF" charset="0"/>
+                </a:rPr>
+                <a:t>해시태그</a:t>
+              </a:r>
+              <a:r>
+                <a:rPr lang="ko-KR" altLang="en-US" sz="1200">
+                  <a:solidFill>
+                    <a:schemeClr val="tx1"/>
+                  </a:solidFill>
+                  <a:latin typeface="나눔고딕OTF" charset="0"/>
+                  <a:ea typeface="나눔고딕OTF" charset="0"/>
+                </a:rPr>
+                <a:t> </a:t>
+              </a:r>
+              <a:r>
+                <a:rPr lang="en-US" altLang="ko-KR" sz="1200">
+                  <a:solidFill>
+                    <a:schemeClr val="tx1"/>
+                  </a:solidFill>
+                  <a:latin typeface="나눔고딕OTF" charset="0"/>
+                  <a:ea typeface="나눔고딕OTF" charset="0"/>
                 </a:rPr>
                 <a:t>‘#OOTD’</a:t>
               </a:r>
               <a:r>
-                <a:rPr lang="ko-KR" altLang="en-US" sz="1200" dirty="0">
+                <a:rPr lang="ko-KR" altLang="en-US" sz="1200">
                   <a:solidFill>
                     <a:schemeClr val="tx1"/>
                   </a:solidFill>
-                  <a:latin typeface="나눔고딕OTF" panose="020D0604000000000000" pitchFamily="34" charset="-127"/>
-                  <a:ea typeface="나눔고딕OTF" panose="020D0604000000000000" pitchFamily="34" charset="-127"/>
-                  <a:sym typeface="Malgun Gothic"/>
+                  <a:latin typeface="나눔고딕OTF" charset="0"/>
+                  <a:ea typeface="나눔고딕OTF" charset="0"/>
                 </a:rPr>
                 <a:t>의 사용 게시물이 </a:t>
               </a:r>
               <a:r>
-                <a:rPr lang="en-US" altLang="ko-KR" sz="1200" dirty="0">
+                <a:rPr lang="en-US" altLang="ko-KR" sz="1200">
                   <a:solidFill>
                     <a:schemeClr val="tx1"/>
                   </a:solidFill>
-                  <a:latin typeface="나눔고딕OTF" panose="020D0604000000000000" pitchFamily="34" charset="-127"/>
-                  <a:ea typeface="나눔고딕OTF" panose="020D0604000000000000" pitchFamily="34" charset="-127"/>
-                  <a:sym typeface="Malgun Gothic"/>
+                  <a:latin typeface="나눔고딕OTF" charset="0"/>
+                  <a:ea typeface="나눔고딕OTF" charset="0"/>
                 </a:rPr>
                 <a:t>3.9</a:t>
               </a:r>
               <a:r>
-                <a:rPr lang="ko-KR" altLang="en-US" sz="1200" dirty="0">
+                <a:rPr lang="ko-KR" altLang="en-US" sz="1200">
                   <a:solidFill>
                     <a:schemeClr val="tx1"/>
                   </a:solidFill>
-                  <a:latin typeface="나눔고딕OTF" panose="020D0604000000000000" pitchFamily="34" charset="-127"/>
-                  <a:ea typeface="나눔고딕OTF" panose="020D0604000000000000" pitchFamily="34" charset="-127"/>
-                  <a:sym typeface="Malgun Gothic"/>
+                  <a:latin typeface="나눔고딕OTF" charset="0"/>
+                  <a:ea typeface="나눔고딕OTF" charset="0"/>
                 </a:rPr>
                 <a:t>억 개 이상</a:t>
               </a:r>
-              <a:endParaRPr lang="en-US" altLang="ko-KR" sz="1200" dirty="0">
+              <a:endParaRPr lang="ko-KR" altLang="en-US" sz="1200">
                 <a:solidFill>
                   <a:schemeClr val="tx1"/>
                 </a:solidFill>
-                <a:latin typeface="나눔고딕OTF" panose="020D0604000000000000" pitchFamily="34" charset="-127"/>
-                <a:ea typeface="나눔고딕OTF" panose="020D0604000000000000" pitchFamily="34" charset="-127"/>
-                <a:sym typeface="Malgun Gothic"/>
+                <a:latin typeface="나눔고딕OTF" charset="0"/>
+                <a:ea typeface="나눔고딕OTF" charset="0"/>
               </a:endParaRPr>
             </a:p>
             <a:p>
-              <a:pPr marR="0" lvl="0" algn="l" rtl="0">
+              <a:pPr marL="0" indent="0" rtl="0" algn="l" latinLnBrk="0">
                 <a:lnSpc>
                   <a:spcPct val="100000"/>
                 </a:lnSpc>
@@ -14728,51 +14748,39 @@
                 <a:spcAft>
                   <a:spcPts val="0"/>
                 </a:spcAft>
+                <a:buFontTx/>
+                <a:buNone/>
               </a:pPr>
               <a:r>
-                <a:rPr lang="en-US" altLang="ko-KR" sz="1200" dirty="0">
+                <a:rPr lang="en-US" altLang="ko-KR" sz="1200">
                   <a:solidFill>
                     <a:schemeClr val="tx1"/>
                   </a:solidFill>
-                  <a:latin typeface="나눔고딕OTF" panose="020D0604000000000000" pitchFamily="34" charset="-127"/>
-                  <a:ea typeface="나눔고딕OTF" panose="020D0604000000000000" pitchFamily="34" charset="-127"/>
-                  <a:sym typeface="Malgun Gothic"/>
+                  <a:latin typeface="나눔고딕OTF" charset="0"/>
+                  <a:ea typeface="나눔고딕OTF" charset="0"/>
                 </a:rPr>
                 <a:t>-&gt; </a:t>
               </a:r>
               <a:r>
-                <a:rPr lang="ko-KR" altLang="en-US" sz="1200" dirty="0" err="1">
+                <a:rPr lang="ko-KR" altLang="en-US" sz="1200">
                   <a:solidFill>
                     <a:schemeClr val="tx1"/>
                   </a:solidFill>
-                  <a:latin typeface="나눔고딕OTF" panose="020D0604000000000000" pitchFamily="34" charset="-127"/>
-                  <a:ea typeface="나눔고딕OTF" panose="020D0604000000000000" pitchFamily="34" charset="-127"/>
-                  <a:sym typeface="Malgun Gothic"/>
+                  <a:latin typeface="나눔고딕OTF" charset="0"/>
+                  <a:ea typeface="나눔고딕OTF" charset="0"/>
                 </a:rPr>
-                <a:t>데일리룩에</a:t>
+                <a:t>데일리룩에 관심이 많고 민감한 사람들 다수</a:t>
               </a:r>
-              <a:r>
-                <a:rPr lang="ko-KR" altLang="en-US" sz="1200" dirty="0">
-                  <a:solidFill>
-                    <a:schemeClr val="tx1"/>
-                  </a:solidFill>
-                  <a:latin typeface="나눔고딕OTF" panose="020D0604000000000000" pitchFamily="34" charset="-127"/>
-                  <a:ea typeface="나눔고딕OTF" panose="020D0604000000000000" pitchFamily="34" charset="-127"/>
-                  <a:sym typeface="Malgun Gothic"/>
-                </a:rPr>
-                <a:t> 관심이 많고 민감한 사람들 다수</a:t>
-              </a:r>
-              <a:endParaRPr lang="en-US" altLang="ko-KR" sz="1200" b="0" i="0" dirty="0">
-                <a:solidFill>
-                  <a:srgbClr val="000000"/>
-                </a:solidFill>
-                <a:effectLst/>
-                <a:latin typeface="나눔고딕OTF" panose="020D0604000000000000" pitchFamily="34" charset="-127"/>
-                <a:ea typeface="나눔고딕OTF" panose="020D0604000000000000" pitchFamily="34" charset="-127"/>
+              <a:endParaRPr lang="ko-KR" altLang="en-US" sz="1200">
+                <a:solidFill>
+                  <a:schemeClr val="tx1"/>
+                </a:solidFill>
+                <a:latin typeface="나눔고딕OTF" charset="0"/>
+                <a:ea typeface="나눔고딕OTF" charset="0"/>
               </a:endParaRPr>
             </a:p>
             <a:p>
-              <a:pPr marL="0" marR="0" lvl="0" indent="0" algn="l" rtl="0">
+              <a:pPr marL="0" indent="0" rtl="0" algn="l" latinLnBrk="0">
                 <a:lnSpc>
                   <a:spcPct val="100000"/>
                 </a:lnSpc>
@@ -14782,15 +14790,16 @@
                 <a:spcAft>
                   <a:spcPts val="0"/>
                 </a:spcAft>
+                <a:buFontTx/>
                 <a:buNone/>
               </a:pPr>
-              <a:endParaRPr lang="en-US" altLang="ko-KR" sz="1200" dirty="0">
-                <a:latin typeface="나눔고딕OTF" panose="020D0604000000000000" pitchFamily="34" charset="-127"/>
-                <a:ea typeface="나눔고딕OTF" panose="020D0604000000000000" pitchFamily="34" charset="-127"/>
+              <a:endParaRPr lang="ko-KR" altLang="en-US" sz="1200">
+                <a:latin typeface="나눔고딕OTF" charset="0"/>
+                <a:ea typeface="나눔고딕OTF" charset="0"/>
               </a:endParaRPr>
             </a:p>
             <a:p>
-              <a:pPr marL="0" marR="0" lvl="0" indent="0" algn="l" rtl="0">
+              <a:pPr marL="0" indent="0" rtl="0" algn="l" latinLnBrk="0">
                 <a:lnSpc>
                   <a:spcPct val="100000"/>
                 </a:lnSpc>
@@ -14800,66 +14809,113 @@
                 <a:spcAft>
                   <a:spcPts val="0"/>
                 </a:spcAft>
+                <a:buFontTx/>
                 <a:buNone/>
               </a:pPr>
               <a:r>
-                <a:rPr lang="en-US" altLang="ko-KR" sz="1300" b="1" i="0" dirty="0">
+                <a:rPr lang="en-US" altLang="ko-KR" sz="1300" i="0" b="1">
                   <a:solidFill>
                     <a:srgbClr val="000000"/>
                   </a:solidFill>
-                  <a:effectLst/>
-                  <a:latin typeface="나눔고딕OTF" panose="020D0604000000000000" pitchFamily="34" charset="-127"/>
-                  <a:ea typeface="나눔고딕OTF" panose="020D0604000000000000" pitchFamily="34" charset="-127"/>
+                  <a:latin typeface="나눔고딕OTF" charset="0"/>
+                  <a:ea typeface="나눔고딕OTF" charset="0"/>
                 </a:rPr>
                 <a:t>2. </a:t>
               </a:r>
               <a:r>
-                <a:rPr lang="ko-KR" altLang="en-US" sz="1300" b="1" i="0" dirty="0">
+                <a:rPr lang="ko-KR" altLang="en-US" sz="1300" i="0" b="1">
                   <a:solidFill>
                     <a:srgbClr val="000000"/>
                   </a:solidFill>
-                  <a:effectLst/>
-                  <a:latin typeface="나눔고딕OTF" panose="020D0604000000000000" pitchFamily="34" charset="-127"/>
-                  <a:ea typeface="나눔고딕OTF" panose="020D0604000000000000" pitchFamily="34" charset="-127"/>
+                  <a:latin typeface="나눔고딕OTF" charset="0"/>
+                  <a:ea typeface="나눔고딕OTF" charset="0"/>
                 </a:rPr>
                 <a:t>대상</a:t>
               </a:r>
               <a:r>
-                <a:rPr lang="en-US" altLang="ko-KR" sz="1300" b="1" i="0" dirty="0">
+                <a:rPr lang="en-US" altLang="ko-KR" sz="1300" i="0" b="1">
                   <a:solidFill>
                     <a:srgbClr val="000000"/>
                   </a:solidFill>
-                  <a:effectLst/>
-                  <a:latin typeface="나눔고딕OTF" panose="020D0604000000000000" pitchFamily="34" charset="-127"/>
-                  <a:ea typeface="나눔고딕OTF" panose="020D0604000000000000" pitchFamily="34" charset="-127"/>
+                  <a:latin typeface="나눔고딕OTF" charset="0"/>
+                  <a:ea typeface="나눔고딕OTF" charset="0"/>
                 </a:rPr>
                 <a:t>: </a:t>
               </a:r>
               <a:r>
-                <a:rPr lang="ko-KR" altLang="en-US" sz="1200" b="0" i="0" dirty="0">
+                <a:rPr lang="ko-KR" altLang="en-US" sz="1200" i="0" b="0">
                   <a:solidFill>
                     <a:srgbClr val="000000"/>
                   </a:solidFill>
-                  <a:effectLst/>
-                  <a:latin typeface="나눔고딕OTF" panose="020D0604000000000000" pitchFamily="34" charset="-127"/>
-                  <a:ea typeface="나눔고딕OTF" panose="020D0604000000000000" pitchFamily="34" charset="-127"/>
+                  <a:latin typeface="나눔고딕OTF" charset="0"/>
+                  <a:ea typeface="나눔고딕OTF" charset="0"/>
                 </a:rPr>
-                <a:t>패션에 관심이 많은 </a:t>
+                <a:t>패션에</a:t>
               </a:r>
               <a:r>
-                <a:rPr lang="ko-KR" altLang="en-US" sz="1200" dirty="0">
-                  <a:latin typeface="나눔고딕OTF" panose="020D0604000000000000" pitchFamily="34" charset="-127"/>
-                  <a:ea typeface="나눔고딕OTF" panose="020D0604000000000000" pitchFamily="34" charset="-127"/>
+                <a:rPr lang="ko-KR" altLang="en-US" sz="1200" i="0" b="0">
+                  <a:solidFill>
+                    <a:srgbClr val="000000"/>
+                  </a:solidFill>
+                  <a:latin typeface="나눔고딕OTF" charset="0"/>
+                  <a:ea typeface="나눔고딕OTF" charset="0"/>
+                </a:rPr>
+                <a:t> </a:t>
+              </a:r>
+              <a:r>
+                <a:rPr lang="ko-KR" altLang="en-US" sz="1200" i="0" b="0">
+                  <a:solidFill>
+                    <a:srgbClr val="000000"/>
+                  </a:solidFill>
+                  <a:latin typeface="나눔고딕OTF" charset="0"/>
+                  <a:ea typeface="나눔고딕OTF" charset="0"/>
+                </a:rPr>
+                <a:t>관심이</a:t>
+              </a:r>
+              <a:r>
+                <a:rPr lang="ko-KR" altLang="en-US" sz="1200" i="0" b="0">
+                  <a:solidFill>
+                    <a:srgbClr val="000000"/>
+                  </a:solidFill>
+                  <a:latin typeface="나눔고딕OTF" charset="0"/>
+                  <a:ea typeface="나눔고딕OTF" charset="0"/>
+                </a:rPr>
+                <a:t> </a:t>
+              </a:r>
+              <a:r>
+                <a:rPr lang="ko-KR" altLang="en-US" sz="1200" i="0" b="0">
+                  <a:solidFill>
+                    <a:srgbClr val="000000"/>
+                  </a:solidFill>
+                  <a:latin typeface="나눔고딕OTF" charset="0"/>
+                  <a:ea typeface="나눔고딕OTF" charset="0"/>
+                </a:rPr>
+                <a:t>많은</a:t>
+              </a:r>
+              <a:r>
+                <a:rPr lang="ko-KR" altLang="en-US" sz="1200" i="0" b="0">
+                  <a:solidFill>
+                    <a:srgbClr val="000000"/>
+                  </a:solidFill>
+                  <a:latin typeface="나눔고딕OTF" charset="0"/>
+                  <a:ea typeface="나눔고딕OTF" charset="0"/>
+                </a:rPr>
+                <a:t> </a:t>
+              </a:r>
+              <a:r>
+                <a:rPr lang="ko-KR" altLang="en-US" sz="1200">
+                  <a:latin typeface="나눔고딕OTF" charset="0"/>
+                  <a:ea typeface="나눔고딕OTF" charset="0"/>
                 </a:rPr>
                 <a:t>고객층</a:t>
               </a:r>
-              <a:endParaRPr lang="en-US" altLang="ko-KR" sz="1200" dirty="0">
-                <a:latin typeface="나눔고딕OTF" panose="020D0604000000000000" pitchFamily="34" charset="-127"/>
-                <a:ea typeface="나눔고딕OTF" panose="020D0604000000000000" pitchFamily="34" charset="-127"/>
+              <a:endParaRPr lang="ko-KR" altLang="en-US" sz="1200">
+                <a:latin typeface="나눔고딕OTF" charset="0"/>
+                <a:ea typeface="나눔고딕OTF" charset="0"/>
               </a:endParaRPr>
             </a:p>
             <a:p>
-              <a:pPr marL="0" marR="0" lvl="0" indent="0" algn="l" rtl="0">
+              <a:pPr marL="0" indent="0" rtl="0" algn="l" latinLnBrk="0">
                 <a:lnSpc>
                   <a:spcPct val="100000"/>
                 </a:lnSpc>
@@ -14869,41 +14925,39 @@
                 <a:spcAft>
                   <a:spcPts val="0"/>
                 </a:spcAft>
+                <a:buFontTx/>
                 <a:buNone/>
               </a:pPr>
               <a:r>
-                <a:rPr lang="en-US" altLang="ko-KR" sz="1200" dirty="0">
+                <a:rPr lang="en-US" altLang="ko-KR" sz="1200">
                   <a:solidFill>
                     <a:schemeClr val="tx1"/>
                   </a:solidFill>
-                  <a:latin typeface="나눔고딕OTF" panose="020D0604000000000000" pitchFamily="34" charset="-127"/>
-                  <a:ea typeface="나눔고딕OTF" panose="020D0604000000000000" pitchFamily="34" charset="-127"/>
-                  <a:sym typeface="Malgun Gothic"/>
+                  <a:latin typeface="나눔고딕OTF" charset="0"/>
+                  <a:ea typeface="나눔고딕OTF" charset="0"/>
                 </a:rPr>
                 <a:t>-&gt; </a:t>
               </a:r>
               <a:r>
-                <a:rPr lang="ko-KR" altLang="en-US" sz="1200" dirty="0">
+                <a:rPr lang="ko-KR" altLang="en-US" sz="1200">
                   <a:solidFill>
                     <a:schemeClr val="tx1"/>
                   </a:solidFill>
-                  <a:latin typeface="나눔고딕OTF" panose="020D0604000000000000" pitchFamily="34" charset="-127"/>
-                  <a:ea typeface="나눔고딕OTF" panose="020D0604000000000000" pitchFamily="34" charset="-127"/>
-                  <a:sym typeface="Malgun Gothic"/>
+                  <a:latin typeface="나눔고딕OTF" charset="0"/>
+                  <a:ea typeface="나눔고딕OTF" charset="0"/>
                 </a:rPr>
                 <a:t>유행에 유독 민감한 한국인</a:t>
               </a:r>
-              <a:endParaRPr lang="en-US" altLang="ko-KR" sz="1200" dirty="0">
+              <a:endParaRPr lang="ko-KR" altLang="en-US" sz="1200">
                 <a:solidFill>
                   <a:schemeClr val="tx1"/>
                 </a:solidFill>
-                <a:latin typeface="나눔고딕OTF" panose="020D0604000000000000" pitchFamily="34" charset="-127"/>
-                <a:ea typeface="나눔고딕OTF" panose="020D0604000000000000" pitchFamily="34" charset="-127"/>
-                <a:sym typeface="Malgun Gothic"/>
+                <a:latin typeface="나눔고딕OTF" charset="0"/>
+                <a:ea typeface="나눔고딕OTF" charset="0"/>
               </a:endParaRPr>
             </a:p>
             <a:p>
-              <a:pPr marL="0" marR="0" lvl="0" indent="0" algn="l" rtl="0">
+              <a:pPr marL="0" indent="0" rtl="0" algn="l" latinLnBrk="0">
                 <a:lnSpc>
                   <a:spcPct val="100000"/>
                 </a:lnSpc>
@@ -14913,41 +14967,39 @@
                 <a:spcAft>
                   <a:spcPts val="0"/>
                 </a:spcAft>
+                <a:buFontTx/>
                 <a:buNone/>
               </a:pPr>
               <a:r>
-                <a:rPr lang="en-US" altLang="ko-KR" sz="1200" dirty="0">
+                <a:rPr lang="en-US" altLang="ko-KR" sz="1200">
                   <a:solidFill>
                     <a:schemeClr val="tx1"/>
                   </a:solidFill>
-                  <a:latin typeface="나눔고딕OTF" panose="020D0604000000000000" pitchFamily="34" charset="-127"/>
-                  <a:ea typeface="나눔고딕OTF" panose="020D0604000000000000" pitchFamily="34" charset="-127"/>
-                  <a:sym typeface="Malgun Gothic"/>
+                  <a:latin typeface="나눔고딕OTF" charset="0"/>
+                  <a:ea typeface="나눔고딕OTF" charset="0"/>
                 </a:rPr>
                 <a:t>-&gt; </a:t>
               </a:r>
               <a:r>
-                <a:rPr lang="ko-KR" altLang="en-US" sz="1200" dirty="0">
+                <a:rPr lang="ko-KR" altLang="en-US" sz="1200">
                   <a:solidFill>
                     <a:schemeClr val="tx1"/>
                   </a:solidFill>
-                  <a:latin typeface="나눔고딕OTF" panose="020D0604000000000000" pitchFamily="34" charset="-127"/>
-                  <a:ea typeface="나눔고딕OTF" panose="020D0604000000000000" pitchFamily="34" charset="-127"/>
-                  <a:sym typeface="Malgun Gothic"/>
+                  <a:latin typeface="나눔고딕OTF" charset="0"/>
+                  <a:ea typeface="나눔고딕OTF" charset="0"/>
                 </a:rPr>
                 <a:t>어떤 옷을 입어야 하는지 매일 고민하는 사람들</a:t>
               </a:r>
-              <a:endParaRPr lang="en-US" altLang="ko-KR" sz="1200" dirty="0">
+              <a:endParaRPr lang="ko-KR" altLang="en-US" sz="1200">
                 <a:solidFill>
                   <a:schemeClr val="tx1"/>
                 </a:solidFill>
-                <a:latin typeface="나눔고딕OTF" panose="020D0604000000000000" pitchFamily="34" charset="-127"/>
-                <a:ea typeface="나눔고딕OTF" panose="020D0604000000000000" pitchFamily="34" charset="-127"/>
-                <a:sym typeface="Malgun Gothic"/>
+                <a:latin typeface="나눔고딕OTF" charset="0"/>
+                <a:ea typeface="나눔고딕OTF" charset="0"/>
               </a:endParaRPr>
             </a:p>
             <a:p>
-              <a:pPr marL="0" marR="0" lvl="0" indent="0" algn="l" rtl="0">
+              <a:pPr marL="0" indent="0" rtl="0" algn="l" latinLnBrk="0">
                 <a:lnSpc>
                   <a:spcPct val="100000"/>
                 </a:lnSpc>
@@ -14957,19 +15009,19 @@
                 <a:spcAft>
                   <a:spcPts val="0"/>
                 </a:spcAft>
+                <a:buFontTx/>
                 <a:buNone/>
               </a:pPr>
-              <a:endParaRPr lang="en-US" altLang="ko-KR" sz="1200" dirty="0">
+              <a:endParaRPr lang="ko-KR" altLang="en-US" sz="1200">
                 <a:solidFill>
                   <a:schemeClr val="tx1"/>
                 </a:solidFill>
-                <a:latin typeface="나눔고딕OTF" panose="020D0604000000000000" pitchFamily="34" charset="-127"/>
-                <a:ea typeface="나눔고딕OTF" panose="020D0604000000000000" pitchFamily="34" charset="-127"/>
-                <a:sym typeface="Malgun Gothic"/>
+                <a:latin typeface="나눔고딕OTF" charset="0"/>
+                <a:ea typeface="나눔고딕OTF" charset="0"/>
               </a:endParaRPr>
             </a:p>
             <a:p>
-              <a:pPr marL="0" marR="0" lvl="0" indent="0" algn="l" rtl="0">
+              <a:pPr marL="0" indent="0" rtl="0" algn="l" latinLnBrk="0">
                 <a:lnSpc>
                   <a:spcPct val="100000"/>
                 </a:lnSpc>
@@ -14979,103 +15031,75 @@
                 <a:spcAft>
                   <a:spcPts val="0"/>
                 </a:spcAft>
+                <a:buFontTx/>
                 <a:buNone/>
               </a:pPr>
               <a:r>
-                <a:rPr lang="en-US" altLang="ko-KR" sz="1300" b="1" dirty="0">
+                <a:rPr lang="en-US" altLang="ko-KR" sz="1300" b="1">
                   <a:solidFill>
                     <a:schemeClr val="tx1"/>
                   </a:solidFill>
-                  <a:latin typeface="나눔고딕OTF" panose="020D0604000000000000" pitchFamily="34" charset="-127"/>
-                  <a:ea typeface="나눔고딕OTF" panose="020D0604000000000000" pitchFamily="34" charset="-127"/>
-                  <a:sym typeface="Malgun Gothic"/>
+                  <a:latin typeface="나눔고딕OTF" charset="0"/>
+                  <a:ea typeface="나눔고딕OTF" charset="0"/>
                 </a:rPr>
                 <a:t>3. </a:t>
               </a:r>
               <a:r>
-                <a:rPr lang="ko-KR" altLang="en-US" sz="1300" b="1" dirty="0">
+                <a:rPr lang="ko-KR" altLang="en-US" sz="1300" b="1">
                   <a:solidFill>
                     <a:schemeClr val="tx1"/>
                   </a:solidFill>
-                  <a:latin typeface="나눔고딕OTF" panose="020D0604000000000000" pitchFamily="34" charset="-127"/>
-                  <a:ea typeface="나눔고딕OTF" panose="020D0604000000000000" pitchFamily="34" charset="-127"/>
-                  <a:sym typeface="Malgun Gothic"/>
+                  <a:latin typeface="나눔고딕OTF" charset="0"/>
+                  <a:ea typeface="나눔고딕OTF" charset="0"/>
                 </a:rPr>
                 <a:t>목적</a:t>
               </a:r>
               <a:r>
-                <a:rPr lang="en-US" altLang="ko-KR" sz="1300" b="1" dirty="0">
+                <a:rPr lang="en-US" altLang="ko-KR" sz="1300" b="1">
                   <a:solidFill>
                     <a:schemeClr val="tx1"/>
                   </a:solidFill>
-                  <a:latin typeface="나눔고딕OTF" panose="020D0604000000000000" pitchFamily="34" charset="-127"/>
-                  <a:ea typeface="나눔고딕OTF" panose="020D0604000000000000" pitchFamily="34" charset="-127"/>
-                  <a:sym typeface="Malgun Gothic"/>
+                  <a:latin typeface="나눔고딕OTF" charset="0"/>
+                  <a:ea typeface="나눔고딕OTF" charset="0"/>
                 </a:rPr>
                 <a:t>: </a:t>
               </a:r>
               <a:r>
-                <a:rPr lang="ko-KR" altLang="en-US" sz="1200" dirty="0">
+                <a:rPr lang="ko-KR" altLang="en-US" sz="1200">
                   <a:solidFill>
                     <a:schemeClr val="tx1"/>
                   </a:solidFill>
-                  <a:latin typeface="나눔고딕OTF" panose="020D0604000000000000" pitchFamily="34" charset="-127"/>
-                  <a:ea typeface="나눔고딕OTF" panose="020D0604000000000000" pitchFamily="34" charset="-127"/>
-                  <a:sym typeface="Malgun Gothic"/>
+                  <a:latin typeface="나눔고딕OTF" charset="0"/>
+                  <a:ea typeface="나눔고딕OTF" charset="0"/>
                 </a:rPr>
-                <a:t>나의 </a:t>
+                <a:t>나의 데일리룩 관리</a:t>
               </a:r>
               <a:r>
-                <a:rPr lang="ko-KR" altLang="en-US" sz="1200" dirty="0" err="1">
+                <a:rPr lang="en-US" altLang="ko-KR" sz="1200">
                   <a:solidFill>
                     <a:schemeClr val="tx1"/>
                   </a:solidFill>
-                  <a:latin typeface="나눔고딕OTF" panose="020D0604000000000000" pitchFamily="34" charset="-127"/>
-                  <a:ea typeface="나눔고딕OTF" panose="020D0604000000000000" pitchFamily="34" charset="-127"/>
-                  <a:sym typeface="Malgun Gothic"/>
-                </a:rPr>
-                <a:t>데일리룩</a:t>
-              </a:r>
-              <a:r>
-                <a:rPr lang="ko-KR" altLang="en-US" sz="1200" dirty="0">
-                  <a:solidFill>
-                    <a:schemeClr val="tx1"/>
-                  </a:solidFill>
-                  <a:latin typeface="나눔고딕OTF" panose="020D0604000000000000" pitchFamily="34" charset="-127"/>
-                  <a:ea typeface="나눔고딕OTF" panose="020D0604000000000000" pitchFamily="34" charset="-127"/>
-                  <a:sym typeface="Malgun Gothic"/>
-                </a:rPr>
-                <a:t> 관리</a:t>
-              </a:r>
-              <a:r>
-                <a:rPr lang="en-US" altLang="ko-KR" sz="1200" dirty="0">
-                  <a:solidFill>
-                    <a:schemeClr val="tx1"/>
-                  </a:solidFill>
-                  <a:latin typeface="나눔고딕OTF" panose="020D0604000000000000" pitchFamily="34" charset="-127"/>
-                  <a:ea typeface="나눔고딕OTF" panose="020D0604000000000000" pitchFamily="34" charset="-127"/>
-                  <a:sym typeface="Malgun Gothic"/>
+                  <a:latin typeface="나눔고딕OTF" charset="0"/>
+                  <a:ea typeface="나눔고딕OTF" charset="0"/>
                 </a:rPr>
                 <a:t>, </a:t>
               </a:r>
               <a:r>
-                <a:rPr lang="ko-KR" altLang="en-US" sz="1200" dirty="0">
+                <a:rPr lang="ko-KR" altLang="en-US" sz="1200">
                   <a:solidFill>
                     <a:schemeClr val="tx1"/>
                   </a:solidFill>
-                  <a:latin typeface="나눔고딕OTF" panose="020D0604000000000000" pitchFamily="34" charset="-127"/>
-                  <a:ea typeface="나눔고딕OTF" panose="020D0604000000000000" pitchFamily="34" charset="-127"/>
-                  <a:sym typeface="Malgun Gothic"/>
+                  <a:latin typeface="나눔고딕OTF" charset="0"/>
+                  <a:ea typeface="나눔고딕OTF" charset="0"/>
                 </a:rPr>
                 <a:t>패션 및 코디 관련 정보와 의견 교환</a:t>
               </a:r>
-              <a:endParaRPr lang="en-US" altLang="ko-KR" sz="1200" dirty="0">
+              <a:endParaRPr lang="ko-KR" altLang="en-US" sz="1200">
                 <a:solidFill>
                   <a:schemeClr val="tx1"/>
                 </a:solidFill>
-                <a:latin typeface="나눔고딕OTF" panose="020D0604000000000000" pitchFamily="34" charset="-127"/>
-                <a:ea typeface="나눔고딕OTF" panose="020D0604000000000000" pitchFamily="34" charset="-127"/>
-                <a:sym typeface="Malgun Gothic"/>
+                <a:latin typeface="나눔고딕OTF" charset="0"/>
+                <a:ea typeface="나눔고딕OTF" charset="0"/>
               </a:endParaRPr>
             </a:p>
           </p:txBody>
@@ -15096,8 +15120,8 @@
         </p:blipFill>
         <p:spPr>
           <a:xfrm>
-            <a:off x="409709" y="4148535"/>
-            <a:ext cx="2665248" cy="405857"/>
+            <a:off x="409575" y="4148455"/>
+            <a:ext cx="2665095" cy="405765"/>
           </a:xfrm>
           <a:prstGeom prst="rect">
             <a:avLst/>
@@ -15110,7 +15134,7 @@
       </p:pic>
       <p:pic>
         <p:nvPicPr>
-          <p:cNvPr id="91" name="Google Shape;91;p1" descr="C:/Users/hanso/AppData/Roaming/PolarisOffice8/ETemp/9012_20626944/image4.png"/>
+          <p:cNvPr id="91" name="Google Shape;91;p1"/>
           <p:cNvPicPr preferRelativeResize="0"/>
           <p:nvPr/>
         </p:nvPicPr>
@@ -15123,8 +15147,8 @@
         </p:blipFill>
         <p:spPr>
           <a:xfrm>
-            <a:off x="465010" y="6501206"/>
-            <a:ext cx="2676219" cy="365125"/>
+            <a:off x="464820" y="6501130"/>
+            <a:ext cx="2676525" cy="365125"/>
           </a:xfrm>
           <a:prstGeom prst="rect">
             <a:avLst/>
@@ -15632,8 +15656,8 @@
         </p:blipFill>
         <p:spPr bwMode="auto">
           <a:xfrm>
-            <a:off x="575181" y="4901223"/>
-            <a:ext cx="820008" cy="712703"/>
+            <a:off x="575310" y="4900930"/>
+            <a:ext cx="819785" cy="712470"/>
           </a:xfrm>
           <a:prstGeom prst="rect">
             <a:avLst/>
@@ -15679,8 +15703,8 @@
         </p:blipFill>
         <p:spPr bwMode="auto">
           <a:xfrm>
-            <a:off x="1545986" y="4891105"/>
-            <a:ext cx="712703" cy="712703"/>
+            <a:off x="1546225" y="4891405"/>
+            <a:ext cx="712470" cy="712470"/>
           </a:xfrm>
           <a:prstGeom prst="rect">
             <a:avLst/>
@@ -15719,8 +15743,8 @@
         </p:blipFill>
         <p:spPr>
           <a:xfrm>
-            <a:off x="2500272" y="4901222"/>
-            <a:ext cx="712703" cy="712703"/>
+            <a:off x="2499995" y="4900930"/>
+            <a:ext cx="712470" cy="712470"/>
           </a:xfrm>
           <a:prstGeom prst="rect">
             <a:avLst/>
@@ -15741,8 +15765,8 @@
         </p:nvSpPr>
         <p:spPr>
           <a:xfrm>
-            <a:off x="465010" y="4554392"/>
-            <a:ext cx="1689886" cy="307777"/>
+            <a:off x="464820" y="4554220"/>
+            <a:ext cx="2949575" cy="307340"/>
           </a:xfrm>
           <a:prstGeom prst="rect">
             <a:avLst/>
@@ -15750,25 +15774,51 @@
           <a:noFill/>
         </p:spPr>
         <p:txBody>
-          <a:bodyPr wrap="none" rtlCol="0">
+          <a:bodyPr wrap="none" lIns="91440" tIns="45720" rIns="91440" bIns="45720" numCol="1" vert="horz" anchor="t">
             <a:spAutoFit/>
           </a:bodyPr>
           <a:lstStyle/>
           <a:p>
+            <a:pPr marL="0" indent="0" latinLnBrk="0"/>
             <a:r>
-              <a:rPr lang="en-US" altLang="ko-KR" dirty="0">
-                <a:latin typeface="나눔고딕OTF" panose="020D0604000000000000" pitchFamily="34" charset="-127"/>
-                <a:ea typeface="나눔고딕OTF" panose="020D0604000000000000" pitchFamily="34" charset="-127"/>
+              <a:rPr lang="en-US" altLang="ko-KR">
+                <a:latin typeface="나눔고딕OTF" charset="0"/>
+                <a:ea typeface="나눔고딕OTF" charset="0"/>
               </a:rPr>
               <a:t>1. </a:t>
             </a:r>
             <a:r>
-              <a:rPr lang="ko-KR" altLang="en-US" dirty="0">
-                <a:latin typeface="나눔고딕OTF" panose="020D0604000000000000" pitchFamily="34" charset="-127"/>
-                <a:ea typeface="나눔고딕OTF" panose="020D0604000000000000" pitchFamily="34" charset="-127"/>
+              <a:rPr lang="ko-KR" altLang="en-US">
+                <a:latin typeface="나눔고딕OTF" charset="0"/>
+                <a:ea typeface="나눔고딕OTF" charset="0"/>
               </a:rPr>
-              <a:t>개발 프레임워크</a:t>
+              <a:t>개발</a:t>
             </a:r>
+            <a:r>
+              <a:rPr lang="ko-KR" altLang="en-US">
+                <a:latin typeface="나눔고딕OTF" charset="0"/>
+                <a:ea typeface="나눔고딕OTF" charset="0"/>
+              </a:rPr>
+              <a:t> </a:t>
+            </a:r>
+            <a:r>
+              <a:rPr lang="ko-KR" altLang="en-US">
+                <a:latin typeface="나눔고딕OTF" charset="0"/>
+                <a:ea typeface="나눔고딕OTF" charset="0"/>
+              </a:rPr>
+              <a:t>프레임워크</a:t>
+            </a:r>
+            <a:r>
+              <a:rPr lang="ko-KR" altLang="en-US">
+                <a:latin typeface="나눔고딕OTF" charset="0"/>
+                <a:ea typeface="나눔고딕OTF" charset="0"/>
+              </a:rPr>
+              <a:t> 및 DB관리시스템</a:t>
+            </a:r>
+            <a:endParaRPr lang="ko-KR" altLang="en-US">
+              <a:latin typeface="나눔고딕OTF" charset="0"/>
+              <a:ea typeface="나눔고딕OTF" charset="0"/>
+            </a:endParaRPr>
           </a:p>
         </p:txBody>
       </p:sp>
@@ -15786,8 +15836,8 @@
         </p:nvSpPr>
         <p:spPr>
           <a:xfrm>
-            <a:off x="717323" y="5698564"/>
-            <a:ext cx="535723" cy="707886"/>
+            <a:off x="717550" y="5698490"/>
+            <a:ext cx="535940" cy="708025"/>
           </a:xfrm>
           <a:prstGeom prst="rect">
             <a:avLst/>
@@ -15855,8 +15905,8 @@
         </p:nvSpPr>
         <p:spPr>
           <a:xfrm>
-            <a:off x="1536692" y="5702508"/>
-            <a:ext cx="731290" cy="400110"/>
+            <a:off x="1653540" y="5702300"/>
+            <a:ext cx="498475" cy="399415"/>
           </a:xfrm>
           <a:prstGeom prst="rect">
             <a:avLst/>
@@ -15864,29 +15914,30 @@
           <a:noFill/>
         </p:spPr>
         <p:txBody>
-          <a:bodyPr wrap="none" rtlCol="0">
+          <a:bodyPr wrap="none" lIns="91440" tIns="45720" rIns="91440" bIns="45720" numCol="1" vert="horz" anchor="t">
             <a:spAutoFit/>
           </a:bodyPr>
           <a:lstStyle/>
           <a:p>
-            <a:pPr algn="ctr"/>
+            <a:pPr marL="0" indent="0" algn="ctr" latinLnBrk="0"/>
             <a:r>
-              <a:rPr lang="en-US" altLang="ko-KR" sz="1000" dirty="0">
-                <a:latin typeface="나눔고딕OTF" panose="020D0604000000000000" pitchFamily="34" charset="-127"/>
-                <a:ea typeface="나눔고딕OTF" panose="020D0604000000000000" pitchFamily="34" charset="-127"/>
+              <a:rPr lang="en-US" altLang="ko-KR" sz="1000">
+                <a:latin typeface="나눔고딕OTF" charset="0"/>
+                <a:ea typeface="나눔고딕OTF" charset="0"/>
               </a:rPr>
               <a:t>JAVA</a:t>
             </a:r>
+            <a:endParaRPr lang="ko-KR" altLang="en-US" sz="1000">
+              <a:latin typeface="나눔고딕OTF" charset="0"/>
+              <a:ea typeface="나눔고딕OTF" charset="0"/>
+            </a:endParaRPr>
           </a:p>
           <a:p>
-            <a:pPr algn="ctr"/>
-            <a:r>
-              <a:rPr lang="en-US" altLang="ko-KR" sz="1000" dirty="0">
-                <a:latin typeface="나눔고딕OTF" panose="020D0604000000000000" pitchFamily="34" charset="-127"/>
-                <a:ea typeface="나눔고딕OTF" panose="020D0604000000000000" pitchFamily="34" charset="-127"/>
-              </a:rPr>
-              <a:t>TOMCAT</a:t>
-            </a:r>
+            <a:pPr marL="0" indent="0" algn="ctr" latinLnBrk="0"/>
+            <a:endParaRPr lang="ko-KR" altLang="en-US" sz="1000">
+              <a:latin typeface="나눔고딕OTF" charset="0"/>
+              <a:ea typeface="나눔고딕OTF" charset="0"/>
+            </a:endParaRPr>
           </a:p>
         </p:txBody>
       </p:sp>
@@ -15904,8 +15955,8 @@
         </p:nvSpPr>
         <p:spPr>
           <a:xfrm>
-            <a:off x="2532180" y="5701747"/>
-            <a:ext cx="630302" cy="246221"/>
+            <a:off x="2536190" y="5701665"/>
+            <a:ext cx="623570" cy="245745"/>
           </a:xfrm>
           <a:prstGeom prst="rect">
             <a:avLst/>
@@ -15913,19 +15964,23 @@
           <a:noFill/>
         </p:spPr>
         <p:txBody>
-          <a:bodyPr wrap="none" rtlCol="0">
+          <a:bodyPr wrap="none" lIns="91440" tIns="45720" rIns="91440" bIns="45720" numCol="1" vert="horz" anchor="t">
             <a:spAutoFit/>
           </a:bodyPr>
           <a:lstStyle/>
           <a:p>
-            <a:pPr algn="ctr"/>
+            <a:pPr marL="0" indent="0" algn="ctr" latinLnBrk="0"/>
             <a:r>
-              <a:rPr lang="en-US" altLang="ko-KR" sz="1000" dirty="0">
-                <a:latin typeface="나눔고딕OTF" panose="020D0604000000000000" pitchFamily="34" charset="-127"/>
-                <a:ea typeface="나눔고딕OTF" panose="020D0604000000000000" pitchFamily="34" charset="-127"/>
+              <a:rPr lang="en-US" altLang="ko-KR" sz="1000">
+                <a:latin typeface="나눔고딕OTF" charset="0"/>
+                <a:ea typeface="나눔고딕OTF" charset="0"/>
               </a:rPr>
               <a:t>RDBMS</a:t>
             </a:r>
+            <a:endParaRPr lang="ko-KR" altLang="en-US" sz="1000">
+              <a:latin typeface="나눔고딕OTF" charset="0"/>
+              <a:ea typeface="나눔고딕OTF" charset="0"/>
+            </a:endParaRPr>
           </a:p>
         </p:txBody>
       </p:sp>
@@ -15943,8 +15998,8 @@
         </p:nvSpPr>
         <p:spPr>
           <a:xfrm>
-            <a:off x="3558525" y="4554391"/>
-            <a:ext cx="1289135" cy="307777"/>
+            <a:off x="3558540" y="4554220"/>
+            <a:ext cx="1289050" cy="307975"/>
           </a:xfrm>
           <a:prstGeom prst="rect">
             <a:avLst/>
@@ -16003,8 +16058,8 @@
         </p:blipFill>
         <p:spPr bwMode="auto">
           <a:xfrm>
-            <a:off x="3711719" y="5002138"/>
-            <a:ext cx="909585" cy="545751"/>
+            <a:off x="3711575" y="5001895"/>
+            <a:ext cx="909320" cy="545465"/>
           </a:xfrm>
           <a:prstGeom prst="rect">
             <a:avLst/>
@@ -16035,8 +16090,8 @@
         </p:nvSpPr>
         <p:spPr>
           <a:xfrm>
-            <a:off x="3921091" y="5698564"/>
-            <a:ext cx="490840" cy="553998"/>
+            <a:off x="3921125" y="5698490"/>
+            <a:ext cx="490855" cy="553720"/>
           </a:xfrm>
           <a:prstGeom prst="rect">
             <a:avLst/>
@@ -16146,8 +16201,8 @@
         </p:blipFill>
         <p:spPr bwMode="auto">
           <a:xfrm>
-            <a:off x="4905803" y="4987470"/>
-            <a:ext cx="1668333" cy="536802"/>
+            <a:off x="4906010" y="4987290"/>
+            <a:ext cx="1668145" cy="536575"/>
           </a:xfrm>
           <a:prstGeom prst="rect">
             <a:avLst/>
@@ -16178,8 +16233,8 @@
         </p:nvSpPr>
         <p:spPr>
           <a:xfrm>
-            <a:off x="1323542" y="5119823"/>
-            <a:ext cx="298480" cy="292388"/>
+            <a:off x="1323340" y="5120005"/>
+            <a:ext cx="298450" cy="292100"/>
           </a:xfrm>
           <a:prstGeom prst="rect">
             <a:avLst/>
@@ -16217,8 +16272,8 @@
         </p:nvSpPr>
         <p:spPr>
           <a:xfrm>
-            <a:off x="2220386" y="5118778"/>
-            <a:ext cx="298480" cy="292388"/>
+            <a:off x="2220595" y="5118735"/>
+            <a:ext cx="298450" cy="292100"/>
           </a:xfrm>
           <a:prstGeom prst="rect">
             <a:avLst/>
@@ -16256,8 +16311,8 @@
         </p:nvSpPr>
         <p:spPr>
           <a:xfrm>
-            <a:off x="4621304" y="5095161"/>
-            <a:ext cx="298480" cy="292388"/>
+            <a:off x="4621530" y="5095240"/>
+            <a:ext cx="298450" cy="292100"/>
           </a:xfrm>
           <a:prstGeom prst="rect">
             <a:avLst/>
@@ -16291,6 +16346,21 @@
   <p:clrMapOvr>
     <a:masterClrMapping/>
   </p:clrMapOvr>
+  <mc:AlternateContent xmlns:mc="http://schemas.openxmlformats.org/markup-compatibility/2006">
+    <mc:Choice xmlns:p14="http://schemas.microsoft.com/office/powerpoint/2010/main" Requires="p14">
+      <p:transition spd="slow" p14:dur="2000"/>
+    </mc:Choice>
+    <mc:Fallback>
+      <p:transition spd="slow"/>
+    </mc:Fallback>
+  </mc:AlternateContent>
+  <p:timing>
+    <p:tnLst>
+      <p:par>
+        <p:cTn id="1" dur="indefinite" restart="never" nodeType="tmRoot"/>
+      </p:par>
+    </p:tnLst>
+  </p:timing>
 </p:sld>
 </file>
 

--- a/전시 판넬/5조_YMPM_전시판넬.pptx
+++ b/전시 판넬/5조_YMPM_전시판넬.pptx
@@ -2,7 +2,7 @@
 <file path=ppt/presentation.xml><?xml version="1.0" encoding="utf-8"?>
 <p:presentation xmlns:a="http://schemas.openxmlformats.org/drawingml/2006/main" xmlns:r="http://schemas.openxmlformats.org/officeDocument/2006/relationships" xmlns:p="http://schemas.openxmlformats.org/presentationml/2006/main" xmlns:p14="http://schemas.microsoft.com/office/powerpoint/2010/main" strictFirstAndLastChars="0" embedTrueTypeFonts="1" saveSubsetFonts="1" autoCompressPictures="0">
   <p:sldMasterIdLst>
-    <p:sldMasterId id="2147483664" r:id="rId17"/>
+    <p:sldMasterId id="2147483666" r:id="rId17"/>
   </p:sldMasterIdLst>
   <p:notesMasterIdLst>
     <p:notesMasterId r:id="rId19"/>
@@ -247,12 +247,12 @@
     </p:ext>
     <p:ext uri="{EFAFB233-063F-42B5-8137-9DF3F51BA10A}">
       <p15:sldGuideLst xmlns:p15="http://schemas.microsoft.com/office/powerpoint/2012/main">
-        <p15:guide id="1" orient="horz" pos="2875" userDrawn="0">
+        <p15:guide id="1" orient="horz" pos="2874" userDrawn="0">
           <p15:clr>
             <a:srgbClr val="A4A3A4"/>
           </p15:clr>
         </p15:guide>
-        <p15:guide id="2" pos="2155" userDrawn="0">
+        <p15:guide id="2" pos="2154" userDrawn="0">
           <p15:clr>
             <a:srgbClr val="A4A3A4"/>
           </p15:clr>
@@ -14328,10 +14328,10 @@
         </p:nvGrpSpPr>
         <p:grpSpPr>
           <a:xfrm>
-            <a:off x="0" y="-22860"/>
-            <a:ext cx="6858635" cy="9171940"/>
-            <a:chOff x="0" y="-22860"/>
-            <a:chExt cx="6858635" cy="9171940"/>
+            <a:off x="0" y="24765"/>
+            <a:ext cx="6859270" cy="9172575"/>
+            <a:chOff x="0" y="24765"/>
+            <a:chExt cx="6859270" cy="9172575"/>
           </a:xfrm>
         </p:grpSpPr>
         <p:grpSp>
@@ -14342,25 +14342,25 @@
           </p:nvGrpSpPr>
           <p:grpSpPr>
             <a:xfrm>
-              <a:off x="0" y="-22860"/>
-              <a:ext cx="6858635" cy="9171940"/>
-              <a:chOff x="0" y="-22860"/>
-              <a:chExt cx="6858635" cy="9171940"/>
+              <a:off x="0" y="24765"/>
+              <a:ext cx="6859270" cy="9172575"/>
+              <a:chOff x="0" y="24765"/>
+              <a:chExt cx="6859270" cy="9172575"/>
             </a:xfrm>
           </p:grpSpPr>
           <p:pic>
             <p:nvPicPr>
-              <p:cNvPr id="86" name="Google Shape;86;p1" descr="C:/Users/admin/AppData/Roaming/PolarisOffice/ETemp/13068_19716960/image1.png"/>
+              <p:cNvPr id="86" name="Google Shape;86;p1" descr="C:/Users/admin/AppData/Roaming/PolarisOffice/ETemp/9416_13740856/image1.png"/>
               <p:cNvPicPr preferRelativeResize="0">
                 <a:picLocks/>
               </p:cNvPicPr>
               <p:nvPr/>
             </p:nvPicPr>
             <p:blipFill rotWithShape="1">
-              <a:blip r:embed="rId3" cstate="print">
+              <a:blip r:embed="rId3" cstate="hqprint">
                 <a:extLst>
                   <a:ext uri="{28A0092B-C50C-407E-A947-70E740481C1C}">
-                    <a14:useLocalDpi xmlns:a14="http://schemas.microsoft.com/office/drawing/2010/main" val="0"/>
+                    <a14:useLocalDpi xmlns:a14="http://schemas.microsoft.com/office/drawing/2010/main"/>
                   </a:ext>
                 </a:extLst>
               </a:blip>
@@ -14370,8 +14370,8 @@
             </p:blipFill>
             <p:spPr>
               <a:xfrm rot="0">
-                <a:off x="0" y="-22860"/>
-                <a:ext cx="6859270" cy="9172575"/>
+                <a:off x="0" y="24765"/>
+                <a:ext cx="6859905" cy="9173210"/>
               </a:xfrm>
               <a:prstGeom prst="rect"/>
               <a:noFill/>
@@ -14391,8 +14391,8 @@
             </p:nvSpPr>
             <p:spPr>
               <a:xfrm rot="0">
-                <a:off x="445770" y="398780"/>
-                <a:ext cx="4824730" cy="1224915"/>
+                <a:off x="445770" y="446405"/>
+                <a:ext cx="4825365" cy="1225550"/>
               </a:xfrm>
               <a:prstGeom prst="rect"/>
               <a:solidFill>
@@ -14431,7 +14431,7 @@
                     <a:ea typeface="나눔고딕OTF" charset="0"/>
                     <a:cs typeface="Malgun Gothic" charset="0"/>
                   </a:rPr>
-                  <a:t>Fit-Back : </a:t>
+                  <a:t>Fit-Back</a:t>
                 </a:r>
                 <a:endParaRPr lang="ko-KR" altLang="en-US" sz="3000" cap="none" i="0" b="1" strike="noStrike">
                   <a:solidFill>
@@ -14510,8 +14510,8 @@
             </p:nvSpPr>
             <p:spPr>
               <a:xfrm rot="0">
-                <a:off x="800735" y="8725535"/>
-                <a:ext cx="4824730" cy="216535"/>
+                <a:off x="800735" y="8773160"/>
+                <a:ext cx="4825365" cy="217170"/>
               </a:xfrm>
               <a:prstGeom prst="rect"/>
               <a:solidFill>
@@ -14563,8 +14563,8 @@
           </p:nvSpPr>
           <p:spPr>
             <a:xfrm rot="0">
-              <a:off x="445770" y="2372360"/>
-              <a:ext cx="5906770" cy="1668145"/>
+              <a:off x="445770" y="2419985"/>
+              <a:ext cx="5907405" cy="1668780"/>
             </a:xfrm>
             <a:prstGeom prst="rect"/>
             <a:solidFill>
@@ -14657,37 +14657,7 @@
                   <a:latin typeface="나눔고딕OTF" charset="0"/>
                   <a:ea typeface="나눔고딕OTF" charset="0"/>
                 </a:rPr>
-                <a:t>속</a:t>
-              </a:r>
-              <a:r>
-                <a:rPr lang="ko-KR" altLang="en-US" sz="1200">
-                  <a:solidFill>
-                    <a:schemeClr val="tx1"/>
-                  </a:solidFill>
-                  <a:latin typeface="나눔고딕OTF" charset="0"/>
-                  <a:ea typeface="나눔고딕OTF" charset="0"/>
-                </a:rPr>
-                <a:t> </a:t>
-              </a:r>
-              <a:r>
-                <a:rPr lang="ko-KR" altLang="en-US" sz="1200">
-                  <a:solidFill>
-                    <a:schemeClr val="tx1"/>
-                  </a:solidFill>
-                  <a:latin typeface="나눔고딕OTF" charset="0"/>
-                  <a:ea typeface="나눔고딕OTF" charset="0"/>
-                </a:rPr>
-                <a:t>해시태그</a:t>
-              </a:r>
-              <a:r>
-                <a:rPr lang="ko-KR" altLang="en-US" sz="1200">
-                  <a:solidFill>
-                    <a:schemeClr val="tx1"/>
-                  </a:solidFill>
-                  <a:latin typeface="나눔고딕OTF" charset="0"/>
-                  <a:ea typeface="나눔고딕OTF" charset="0"/>
-                </a:rPr>
-                <a:t> </a:t>
+                <a:t>속 해시태그 </a:t>
               </a:r>
               <a:r>
                 <a:rPr lang="en-US" altLang="ko-KR" sz="1200">
@@ -14707,7 +14677,17 @@
                   <a:latin typeface="나눔고딕OTF" charset="0"/>
                   <a:ea typeface="나눔고딕OTF" charset="0"/>
                 </a:rPr>
-                <a:t>의 사용 게시물이 </a:t>
+                <a:t>의 게시물</a:t>
+              </a:r>
+              <a:r>
+                <a:rPr lang="ko-KR" altLang="en-US" sz="1200">
+                  <a:solidFill>
+                    <a:schemeClr val="tx1"/>
+                  </a:solidFill>
+                  <a:latin typeface="나눔고딕OTF" charset="0"/>
+                  <a:ea typeface="나눔고딕OTF" charset="0"/>
+                </a:rPr>
+                <a:t> </a:t>
               </a:r>
               <a:r>
                 <a:rPr lang="en-US" altLang="ko-KR" sz="1200">
@@ -14769,7 +14749,27 @@
                   <a:latin typeface="나눔고딕OTF" charset="0"/>
                   <a:ea typeface="나눔고딕OTF" charset="0"/>
                 </a:rPr>
-                <a:t>데일리룩에 관심이 많고 민감한 사람들 다수</a:t>
+                <a:t>데일리룩에 관심이 많고 </a:t>
+              </a:r>
+              <a:r>
+                <a:rPr lang="ko-KR" altLang="en-US" sz="1200">
+                  <a:solidFill>
+                    <a:schemeClr val="tx1"/>
+                  </a:solidFill>
+                  <a:latin typeface="나눔고딕OTF" charset="0"/>
+                  <a:ea typeface="나눔고딕OTF" charset="0"/>
+                </a:rPr>
+                <a:t>유행에 </a:t>
+              </a:r>
+              <a:r>
+                <a:rPr lang="ko-KR" altLang="en-US" sz="1200">
+                  <a:solidFill>
+                    <a:schemeClr val="tx1"/>
+                  </a:solidFill>
+                  <a:latin typeface="나눔고딕OTF" charset="0"/>
+                  <a:ea typeface="나눔고딕OTF" charset="0"/>
+                </a:rPr>
+                <a:t>민감한 사람들 다수</a:t>
               </a:r>
               <a:endParaRPr lang="ko-KR" altLang="en-US" sz="1200">
                 <a:solidFill>
@@ -14850,64 +14850,14 @@
                   <a:latin typeface="나눔고딕OTF" charset="0"/>
                   <a:ea typeface="나눔고딕OTF" charset="0"/>
                 </a:rPr>
-                <a:t>패션에</a:t>
-              </a:r>
-              <a:r>
-                <a:rPr lang="ko-KR" altLang="en-US" sz="1200" i="0" b="0">
-                  <a:solidFill>
-                    <a:srgbClr val="000000"/>
-                  </a:solidFill>
-                  <a:latin typeface="나눔고딕OTF" charset="0"/>
-                  <a:ea typeface="나눔고딕OTF" charset="0"/>
-                </a:rPr>
-                <a:t> </a:t>
-              </a:r>
-              <a:r>
-                <a:rPr lang="ko-KR" altLang="en-US" sz="1200" i="0" b="0">
-                  <a:solidFill>
-                    <a:srgbClr val="000000"/>
-                  </a:solidFill>
-                  <a:latin typeface="나눔고딕OTF" charset="0"/>
-                  <a:ea typeface="나눔고딕OTF" charset="0"/>
-                </a:rPr>
-                <a:t>관심이</a:t>
-              </a:r>
-              <a:r>
-                <a:rPr lang="ko-KR" altLang="en-US" sz="1200" i="0" b="0">
-                  <a:solidFill>
-                    <a:srgbClr val="000000"/>
-                  </a:solidFill>
-                  <a:latin typeface="나눔고딕OTF" charset="0"/>
-                  <a:ea typeface="나눔고딕OTF" charset="0"/>
-                </a:rPr>
-                <a:t> </a:t>
-              </a:r>
-              <a:r>
-                <a:rPr lang="ko-KR" altLang="en-US" sz="1200" i="0" b="0">
-                  <a:solidFill>
-                    <a:srgbClr val="000000"/>
-                  </a:solidFill>
-                  <a:latin typeface="나눔고딕OTF" charset="0"/>
-                  <a:ea typeface="나눔고딕OTF" charset="0"/>
-                </a:rPr>
-                <a:t>많은</a:t>
-              </a:r>
-              <a:r>
-                <a:rPr lang="ko-KR" altLang="en-US" sz="1200" i="0" b="0">
-                  <a:solidFill>
-                    <a:srgbClr val="000000"/>
-                  </a:solidFill>
-                  <a:latin typeface="나눔고딕OTF" charset="0"/>
-                  <a:ea typeface="나눔고딕OTF" charset="0"/>
-                </a:rPr>
-                <a:t> </a:t>
+                <a:t>패션에 관심이 많은 </a:t>
               </a:r>
               <a:r>
                 <a:rPr lang="ko-KR" altLang="en-US" sz="1200">
                   <a:latin typeface="나눔고딕OTF" charset="0"/>
                   <a:ea typeface="나눔고딕OTF" charset="0"/>
                 </a:rPr>
-                <a:t>고객층</a:t>
+                <a:t>사람</a:t>
               </a:r>
               <a:endParaRPr lang="ko-KR" altLang="en-US" sz="1200">
                 <a:latin typeface="나눔고딕OTF" charset="0"/>
@@ -14946,7 +14896,17 @@
                   <a:latin typeface="나눔고딕OTF" charset="0"/>
                   <a:ea typeface="나눔고딕OTF" charset="0"/>
                 </a:rPr>
-                <a:t>유행에 유독 민감한 한국인</a:t>
+                <a:t>유행에 유독 민감한 </a:t>
+              </a:r>
+              <a:r>
+                <a:rPr lang="ko-KR" altLang="en-US" sz="1200">
+                  <a:solidFill>
+                    <a:schemeClr val="tx1"/>
+                  </a:solidFill>
+                  <a:latin typeface="나눔고딕OTF" charset="0"/>
+                  <a:ea typeface="나눔고딕OTF" charset="0"/>
+                </a:rPr>
+                <a:t>MZ세대</a:t>
               </a:r>
               <a:endParaRPr lang="ko-KR" altLang="en-US" sz="1200">
                 <a:solidFill>
@@ -14988,7 +14948,17 @@
                   <a:latin typeface="나눔고딕OTF" charset="0"/>
                   <a:ea typeface="나눔고딕OTF" charset="0"/>
                 </a:rPr>
-                <a:t>어떤 옷을 입어야 하는지 매일 고민하는 사람들</a:t>
+                <a:t>어떤 옷을 입어야 하는지 매일 고민하는 </a:t>
+              </a:r>
+              <a:r>
+                <a:rPr lang="ko-KR" altLang="en-US" sz="1200">
+                  <a:solidFill>
+                    <a:schemeClr val="tx1"/>
+                  </a:solidFill>
+                  <a:latin typeface="나눔고딕OTF" charset="0"/>
+                  <a:ea typeface="나눔고딕OTF" charset="0"/>
+                </a:rPr>
+                <a:t>직장인</a:t>
               </a:r>
               <a:endParaRPr lang="ko-KR" altLang="en-US" sz="1200">
                 <a:solidFill>
@@ -15092,7 +15062,17 @@
                   <a:latin typeface="나눔고딕OTF" charset="0"/>
                   <a:ea typeface="나눔고딕OTF" charset="0"/>
                 </a:rPr>
-                <a:t>패션 및 코디 관련 정보와 의견 교환</a:t>
+                <a:t>코디 </a:t>
+              </a:r>
+              <a:r>
+                <a:rPr lang="ko-KR" altLang="en-US" sz="1200">
+                  <a:solidFill>
+                    <a:schemeClr val="tx1"/>
+                  </a:solidFill>
+                  <a:latin typeface="나눔고딕OTF" charset="0"/>
+                  <a:ea typeface="나눔고딕OTF" charset="0"/>
+                </a:rPr>
+                <a:t>정보교환 및 피드백</a:t>
               </a:r>
               <a:endParaRPr lang="ko-KR" altLang="en-US" sz="1200">
                 <a:solidFill>
@@ -15107,521 +15087,536 @@
       </p:grpSp>
       <p:pic>
         <p:nvPicPr>
-          <p:cNvPr id="90" name="Google Shape;90;p1"/>
-          <p:cNvPicPr preferRelativeResize="0"/>
+          <p:cNvPr id="90" name="Google Shape;90;p1" descr="C:/Users/admin/AppData/Roaming/PolarisOffice/ETemp/9416_13740856/image2.png"/>
+          <p:cNvPicPr preferRelativeResize="0">
+            <a:picLocks/>
+          </p:cNvPicPr>
           <p:nvPr/>
         </p:nvPicPr>
         <p:blipFill rotWithShape="1">
-          <a:blip r:embed="rId4">
-            <a:alphaModFix/>
+          <a:blip r:embed="rId4" cstate="print">
+            <a:extLst>
+              <a:ext uri="{28A0092B-C50C-407E-A947-70E740481C1C}">
+                <a14:useLocalDpi xmlns:a14="http://schemas.microsoft.com/office/drawing/2010/main" val="0"/>
+              </a:ext>
+            </a:extLst>
           </a:blip>
           <a:srcRect l="6948" t="20717" r="54220" b="74844"/>
-          <a:stretch/>
+          <a:stretch>
+            <a:fillRect/>
+          </a:stretch>
         </p:blipFill>
         <p:spPr>
-          <a:xfrm>
-            <a:off x="409575" y="4148455"/>
-            <a:ext cx="2665095" cy="405765"/>
+          <a:xfrm rot="0">
+            <a:off x="409575" y="4415155"/>
+            <a:ext cx="2665730" cy="406400"/>
           </a:xfrm>
-          <a:prstGeom prst="rect">
-            <a:avLst/>
-          </a:prstGeom>
+          <a:prstGeom prst="rect"/>
           <a:noFill/>
-          <a:ln>
+          <a:ln w="0">
             <a:noFill/>
+            <a:prstDash/>
           </a:ln>
         </p:spPr>
       </p:pic>
       <p:pic>
         <p:nvPicPr>
-          <p:cNvPr id="91" name="Google Shape;91;p1"/>
-          <p:cNvPicPr preferRelativeResize="0"/>
+          <p:cNvPr id="91" name="Google Shape;91;p1" descr="C:/Users/admin/AppData/Roaming/PolarisOffice/ETemp/9416_13740856/image3.png"/>
+          <p:cNvPicPr preferRelativeResize="0">
+            <a:picLocks/>
+          </p:cNvPicPr>
           <p:nvPr/>
         </p:nvPicPr>
         <p:blipFill rotWithShape="1">
-          <a:blip r:embed="rId5">
-            <a:alphaModFix/>
+          <a:blip r:embed="rId5" cstate="print">
+            <a:extLst>
+              <a:ext uri="{28A0092B-C50C-407E-A947-70E740481C1C}">
+                <a14:useLocalDpi xmlns:a14="http://schemas.microsoft.com/office/drawing/2010/main" val="0"/>
+              </a:ext>
+            </a:extLst>
           </a:blip>
           <a:srcRect l="6937" t="20678" r="54133" b="75330"/>
-          <a:stretch/>
+          <a:stretch>
+            <a:fillRect/>
+          </a:stretch>
         </p:blipFill>
         <p:spPr>
-          <a:xfrm>
-            <a:off x="464820" y="6501130"/>
-            <a:ext cx="2676525" cy="365125"/>
+          <a:xfrm rot="0">
+            <a:off x="464820" y="7072630"/>
+            <a:ext cx="2677160" cy="365760"/>
           </a:xfrm>
-          <a:prstGeom prst="rect">
-            <a:avLst/>
-          </a:prstGeom>
+          <a:prstGeom prst="rect"/>
           <a:noFill/>
-          <a:ln>
+          <a:ln w="0">
             <a:noFill/>
+            <a:prstDash/>
           </a:ln>
         </p:spPr>
       </p:pic>
       <p:graphicFrame>
         <p:nvGraphicFramePr>
           <p:cNvPr id="97" name="Google Shape;97;p1"/>
-          <p:cNvGraphicFramePr/>
-          <p:nvPr>
-            <p:extLst>
-              <p:ext uri="{D42A27DB-BD31-4B8C-83A1-F6EECF244321}">
-                <p14:modId xmlns:p14="http://schemas.microsoft.com/office/powerpoint/2010/main" val="2212973976"/>
-              </p:ext>
-            </p:extLst>
-          </p:nvPr>
+          <p:cNvGraphicFramePr>
+            <a:graphicFrameLocks noGrp="1"/>
+          </p:cNvGraphicFramePr>
+          <p:nvPr/>
         </p:nvGraphicFramePr>
         <p:xfrm>
-          <a:off x="536985" y="6989898"/>
-          <a:ext cx="5879250" cy="1667754"/>
+          <a:off x="537210" y="7562850"/>
+          <a:ext cx="5879465" cy="1171575"/>
         </p:xfrm>
         <a:graphic>
           <a:graphicData uri="http://schemas.openxmlformats.org/drawingml/2006/table">
             <a:tbl>
               <a:tblPr>
-                <a:noFill/>
-                <a:tableStyleId>{E3DA6240-A37E-4AD5-93DC-7D6949177DA6}</a:tableStyleId>
+                <a:tableStyleId>{00000000-0000-0000-0000-000000000000}</a:tableStyleId>
               </a:tblPr>
               <a:tblGrid>
-                <a:gridCol w="5879250">
-                  <a:extLst>
-                    <a:ext uri="{9D8B030D-6E8A-4147-A177-3AD203B41FA5}">
-                      <a16:colId xmlns:a16="http://schemas.microsoft.com/office/drawing/2014/main" val="20000"/>
-                    </a:ext>
-                  </a:extLst>
-                </a:gridCol>
+                <a:gridCol w="5879465"/>
               </a:tblGrid>
-              <a:tr h="1667754">
+              <a:tr h="1171575">
                 <a:tc>
                   <a:txBody>
                     <a:bodyPr/>
                     <a:lstStyle/>
                     <a:p>
-                      <a:pPr marL="0" marR="0" lvl="0" indent="0" algn="l" defTabSz="914400" rtl="0" eaLnBrk="1" fontAlgn="auto" latinLnBrk="0" hangingPunct="1">
+                      <a:pPr marL="0" indent="0" rtl="0" algn="l" fontAlgn="auto" defTabSz="914400" eaLnBrk="1" latinLnBrk="0" hangingPunct="1" lvl="1">
                         <a:lnSpc>
-                          <a:spcPct val="100000"/>
+                          <a:spcPct val="114999"/>
                         </a:lnSpc>
                         <a:spcBef>
-                          <a:spcPts val="0"/>
+                          <a:spcPct val="0"/>
                         </a:spcBef>
                         <a:spcAft>
-                          <a:spcPts val="0"/>
+                          <a:spcPct val="0"/>
                         </a:spcAft>
-                        <a:buClr>
-                          <a:srgbClr val="000000"/>
-                        </a:buClr>
-                        <a:buSzTx/>
-                        <a:buFont typeface="Arial"/>
+                        <a:buFontTx/>
                         <a:buNone/>
-                        <a:tabLst/>
-                        <a:defRPr/>
                       </a:pPr>
                       <a:r>
-                        <a:rPr kumimoji="0" lang="en-US" altLang="ko-KR" sz="1460" b="1" i="0" u="none" strike="noStrike" kern="0" cap="none" spc="0" normalizeH="0" baseline="0" noProof="0" dirty="0">
-                          <a:ln>
+                        <a:rPr lang="ko-KR" altLang="ko-KR" sz="1460" kern="0" cap="none" kumimoji="0" i="0" b="0" strike="noStrike">
+                          <a:ln w="9525" cap="flat" cmpd="sng" algn="ctr">
                             <a:noFill/>
+                            <a:prstDash/>
+                            <a:round/>
+                            <a:headEnd type="none" w="med" len="med"/>
+                            <a:tailEnd type="none" w="med" len="med"/>
                           </a:ln>
                           <a:solidFill>
                             <a:schemeClr val="tx1"/>
                           </a:solidFill>
-                          <a:effectLst/>
-                          <a:uLnTx/>
-                          <a:uFillTx/>
-                          <a:latin typeface="나눔고딕OTF" panose="020D0604000000000000" pitchFamily="34" charset="-127"/>
-                          <a:ea typeface="나눔고딕OTF" panose="020D0604000000000000" pitchFamily="34" charset="-127"/>
-                          <a:cs typeface="Malgun Gothic"/>
-                          <a:sym typeface="Malgun Gothic"/>
+                          <a:latin typeface="나눔고딕OTF" charset="0"/>
+                          <a:ea typeface="나눔고딕OTF" charset="0"/>
+                          <a:cs typeface="Malgun Gothic" charset="0"/>
                         </a:rPr>
-                        <a:t>1. </a:t>
+                        <a:t>1</a:t>
                       </a:r>
                       <a:r>
-                        <a:rPr kumimoji="0" lang="ko-KR" altLang="en-US" sz="1460" b="1" i="0" u="none" strike="noStrike" kern="0" cap="none" spc="0" normalizeH="0" baseline="0" noProof="0" dirty="0">
-                          <a:ln>
+                        <a:rPr lang="en-US" altLang="ko-KR" sz="1460" kern="0" cap="none" kumimoji="0" i="0" b="0" strike="noStrike">
+                          <a:ln w="9525" cap="flat" cmpd="sng" algn="ctr">
                             <a:noFill/>
+                            <a:prstDash/>
+                            <a:round/>
+                            <a:headEnd type="none" w="med" len="med"/>
+                            <a:tailEnd type="none" w="med" len="med"/>
                           </a:ln>
                           <a:solidFill>
                             <a:schemeClr val="tx1"/>
                           </a:solidFill>
-                          <a:effectLst/>
-                          <a:uLnTx/>
-                          <a:uFillTx/>
-                          <a:latin typeface="나눔고딕OTF" panose="020D0604000000000000" pitchFamily="34" charset="-127"/>
-                          <a:ea typeface="나눔고딕OTF" panose="020D0604000000000000" pitchFamily="34" charset="-127"/>
-                          <a:cs typeface="Malgun Gothic"/>
-                          <a:sym typeface="Malgun Gothic"/>
+                          <a:latin typeface="나눔고딕OTF" charset="0"/>
+                          <a:ea typeface="나눔고딕OTF" charset="0"/>
+                          <a:cs typeface="Malgun Gothic" charset="0"/>
                         </a:rPr>
-                        <a:t>한국의 빠르고 민감한 유행 파악 및 분석 가능</a:t>
+                        <a:t>. </a:t>
                       </a:r>
-                      <a:endParaRPr kumimoji="0" lang="en-US" altLang="ko-KR" sz="1460" b="1" i="0" u="none" strike="noStrike" kern="0" cap="none" spc="0" normalizeH="0" baseline="0" noProof="0" dirty="0">
-                        <a:ln>
+                      <a:r>
+                        <a:rPr lang="ko-KR" altLang="en-US" sz="1460" kern="0" cap="none" kumimoji="0" i="0" b="0" strike="noStrike">
+                          <a:ln w="9525" cap="flat" cmpd="sng" algn="ctr">
+                            <a:noFill/>
+                            <a:prstDash/>
+                            <a:round/>
+                            <a:headEnd type="none" w="med" len="med"/>
+                            <a:tailEnd type="none" w="med" len="med"/>
+                          </a:ln>
+                          <a:solidFill>
+                            <a:schemeClr val="tx1"/>
+                          </a:solidFill>
+                          <a:latin typeface="나눔고딕OTF" charset="0"/>
+                          <a:ea typeface="나눔고딕OTF" charset="0"/>
+                          <a:cs typeface="Malgun Gothic" charset="0"/>
+                        </a:rPr>
+                        <a:t>유저가 보유한 아이템으로 </a:t>
+                      </a:r>
+                      <a:r>
+                        <a:rPr lang="ko-KR" altLang="en-US" sz="1460" kern="0" cap="none" kumimoji="0" i="0" b="0" strike="noStrike">
+                          <a:ln w="9525" cap="flat" cmpd="sng" algn="ctr">
+                            <a:noFill/>
+                            <a:prstDash/>
+                            <a:round/>
+                            <a:headEnd type="none" w="med" len="med"/>
+                            <a:tailEnd type="none" w="med" len="med"/>
+                          </a:ln>
+                          <a:solidFill>
+                            <a:schemeClr val="tx1"/>
+                          </a:solidFill>
+                          <a:latin typeface="나눔고딕OTF" charset="0"/>
+                          <a:ea typeface="나눔고딕OTF" charset="0"/>
+                          <a:cs typeface="Malgun Gothic" charset="0"/>
+                        </a:rPr>
+                        <a:t>자유로운 코디 시뮬레이션</a:t>
+                      </a:r>
+                      <a:endParaRPr lang="ko-KR" altLang="en-US" sz="1460" kern="0" kumimoji="0" i="0" cap="none" b="0" strike="noStrike">
+                        <a:ln w="9525" cap="flat" cmpd="sng" algn="ctr">
                           <a:noFill/>
+                          <a:prstDash/>
+                          <a:round/>
+                          <a:headEnd type="none" w="med" len="med"/>
+                          <a:tailEnd type="none" w="med" len="med"/>
                         </a:ln>
                         <a:solidFill>
                           <a:schemeClr val="tx1"/>
                         </a:solidFill>
-                        <a:effectLst/>
-                        <a:uLnTx/>
-                        <a:uFillTx/>
-                        <a:latin typeface="나눔고딕OTF" panose="020D0604000000000000" pitchFamily="34" charset="-127"/>
-                        <a:ea typeface="나눔고딕OTF" panose="020D0604000000000000" pitchFamily="34" charset="-127"/>
-                        <a:cs typeface="Malgun Gothic"/>
-                        <a:sym typeface="Malgun Gothic"/>
+                        <a:latin typeface="나눔고딕OTF" charset="0"/>
+                        <a:ea typeface="나눔고딕OTF" charset="0"/>
+                        <a:cs typeface="Malgun Gothic" charset="0"/>
                       </a:endParaRPr>
                     </a:p>
                     <a:p>
-                      <a:pPr marL="342900" marR="0" lvl="0" indent="-342900" algn="l" defTabSz="914400" rtl="0" eaLnBrk="1" fontAlgn="auto" latinLnBrk="0" hangingPunct="1">
+                      <a:pPr marL="0" indent="0" rtl="0" algn="l" fontAlgn="auto" defTabSz="914400" eaLnBrk="1" latinLnBrk="0" hangingPunct="1" lvl="1">
                         <a:lnSpc>
-                          <a:spcPct val="100000"/>
+                          <a:spcPct val="114999"/>
                         </a:lnSpc>
                         <a:spcBef>
-                          <a:spcPts val="0"/>
+                          <a:spcPct val="0"/>
                         </a:spcBef>
                         <a:spcAft>
-                          <a:spcPts val="0"/>
+                          <a:spcPct val="0"/>
                         </a:spcAft>
-                        <a:buClr>
-                          <a:srgbClr val="000000"/>
-                        </a:buClr>
-                        <a:buSzTx/>
-                        <a:buFont typeface="Arial"/>
-                        <a:buAutoNum type="arabicPeriod"/>
-                        <a:tabLst/>
-                        <a:defRPr/>
+                        <a:buFontTx/>
+                        <a:buNone/>
                       </a:pPr>
-                      <a:endParaRPr kumimoji="0" lang="en-US" altLang="ko-KR" sz="1460" b="1" i="0" u="none" strike="noStrike" kern="0" cap="none" spc="0" normalizeH="0" baseline="0" noProof="0" dirty="0">
-                        <a:ln>
+                      <a:r>
+                        <a:rPr lang="ko-KR" altLang="ko-KR" sz="1460" kern="0" cap="none" kumimoji="0" i="0" b="0" strike="noStrike">
+                          <a:ln w="9525" cap="flat" cmpd="sng" algn="ctr">
+                            <a:noFill/>
+                            <a:prstDash/>
+                            <a:round/>
+                            <a:headEnd type="none" w="med" len="med"/>
+                            <a:tailEnd type="none" w="med" len="med"/>
+                          </a:ln>
+                          <a:solidFill>
+                            <a:schemeClr val="tx1"/>
+                          </a:solidFill>
+                          <a:latin typeface="나눔고딕OTF" charset="0"/>
+                          <a:ea typeface="나눔고딕OTF" charset="0"/>
+                          <a:cs typeface="Malgun Gothic" charset="0"/>
+                        </a:rPr>
+                        <a:t>2</a:t>
+                      </a:r>
+                      <a:r>
+                        <a:rPr lang="en-US" altLang="ko-KR" sz="1460" kern="0" cap="none" kumimoji="0" i="0" b="0" strike="noStrike">
+                          <a:ln w="9525" cap="flat" cmpd="sng" algn="ctr">
+                            <a:noFill/>
+                            <a:prstDash/>
+                            <a:round/>
+                            <a:headEnd type="none" w="med" len="med"/>
+                            <a:tailEnd type="none" w="med" len="med"/>
+                          </a:ln>
+                          <a:solidFill>
+                            <a:schemeClr val="tx1"/>
+                          </a:solidFill>
+                          <a:latin typeface="나눔고딕OTF" charset="0"/>
+                          <a:ea typeface="나눔고딕OTF" charset="0"/>
+                          <a:cs typeface="Malgun Gothic" charset="0"/>
+                        </a:rPr>
+                        <a:t>. </a:t>
+                      </a:r>
+                      <a:r>
+                        <a:rPr lang="ko-KR" altLang="en-US" sz="1460" kern="0" cap="none" kumimoji="0" i="0" b="0" strike="noStrike">
+                          <a:ln w="9525" cap="flat" cmpd="sng" algn="ctr">
+                            <a:noFill/>
+                            <a:prstDash/>
+                            <a:round/>
+                            <a:headEnd type="none" w="med" len="med"/>
+                            <a:tailEnd type="none" w="med" len="med"/>
+                          </a:ln>
+                          <a:solidFill>
+                            <a:schemeClr val="tx1"/>
+                          </a:solidFill>
+                          <a:latin typeface="나눔고딕OTF" charset="0"/>
+                          <a:ea typeface="나눔고딕OTF" charset="0"/>
+                          <a:cs typeface="Malgun Gothic" charset="0"/>
+                        </a:rPr>
+                        <a:t>유저의 패션에 대한 만족도 상승</a:t>
+                      </a:r>
+                      <a:endParaRPr lang="ko-KR" altLang="en-US" sz="1460" kern="0" kumimoji="0" i="0" cap="none" b="0" strike="noStrike">
+                        <a:ln w="9525" cap="flat" cmpd="sng" algn="ctr">
                           <a:noFill/>
+                          <a:prstDash/>
+                          <a:round/>
+                          <a:headEnd type="none" w="med" len="med"/>
+                          <a:tailEnd type="none" w="med" len="med"/>
                         </a:ln>
                         <a:solidFill>
                           <a:schemeClr val="tx1"/>
                         </a:solidFill>
-                        <a:effectLst/>
-                        <a:uLnTx/>
-                        <a:uFillTx/>
-                        <a:latin typeface="나눔고딕OTF" panose="020D0604000000000000" pitchFamily="34" charset="-127"/>
-                        <a:ea typeface="나눔고딕OTF" panose="020D0604000000000000" pitchFamily="34" charset="-127"/>
-                        <a:cs typeface="Malgun Gothic"/>
-                        <a:sym typeface="Malgun Gothic"/>
+                        <a:latin typeface="나눔고딕OTF" charset="0"/>
+                        <a:ea typeface="나눔고딕OTF" charset="0"/>
+                        <a:cs typeface="Malgun Gothic" charset="0"/>
                       </a:endParaRPr>
                     </a:p>
                     <a:p>
-                      <a:pPr marL="0" marR="0" lvl="0" indent="0" algn="l" defTabSz="914400" rtl="0" eaLnBrk="1" fontAlgn="auto" latinLnBrk="0" hangingPunct="1">
+                      <a:pPr marL="0" indent="0" rtl="0" algn="l" fontAlgn="auto" defTabSz="914400" eaLnBrk="1" latinLnBrk="0" hangingPunct="1" lvl="1">
                         <a:lnSpc>
-                          <a:spcPct val="100000"/>
+                          <a:spcPct val="114999"/>
                         </a:lnSpc>
                         <a:spcBef>
-                          <a:spcPts val="0"/>
+                          <a:spcPct val="0"/>
                         </a:spcBef>
                         <a:spcAft>
-                          <a:spcPts val="0"/>
+                          <a:spcPct val="0"/>
                         </a:spcAft>
-                        <a:buClr>
-                          <a:srgbClr val="000000"/>
-                        </a:buClr>
-                        <a:buSzTx/>
-                        <a:buFont typeface="Arial"/>
+                        <a:buFontTx/>
                         <a:buNone/>
-                        <a:tabLst/>
-                        <a:defRPr/>
                       </a:pPr>
                       <a:r>
-                        <a:rPr kumimoji="0" lang="en-US" altLang="ko-KR" sz="1460" b="1" i="0" u="none" strike="noStrike" kern="0" cap="none" spc="0" normalizeH="0" baseline="0" noProof="0" dirty="0">
-                          <a:ln>
+                        <a:rPr lang="ko-KR" altLang="ko-KR" sz="1460" kern="0" cap="none" kumimoji="0" i="0" b="0" strike="noStrike">
+                          <a:ln w="9525" cap="flat" cmpd="sng" algn="ctr">
                             <a:noFill/>
+                            <a:prstDash/>
+                            <a:round/>
+                            <a:headEnd type="none" w="med" len="med"/>
+                            <a:tailEnd type="none" w="med" len="med"/>
                           </a:ln>
                           <a:solidFill>
                             <a:schemeClr val="tx1"/>
                           </a:solidFill>
-                          <a:effectLst/>
-                          <a:uLnTx/>
-                          <a:uFillTx/>
-                          <a:latin typeface="나눔고딕OTF" panose="020D0604000000000000" pitchFamily="34" charset="-127"/>
-                          <a:ea typeface="나눔고딕OTF" panose="020D0604000000000000" pitchFamily="34" charset="-127"/>
-                          <a:cs typeface="Malgun Gothic"/>
-                          <a:sym typeface="Malgun Gothic"/>
+                          <a:latin typeface="나눔고딕OTF" charset="0"/>
+                          <a:ea typeface="나눔고딕OTF" charset="0"/>
+                          <a:cs typeface="Malgun Gothic" charset="0"/>
                         </a:rPr>
-                        <a:t>2. </a:t>
+                        <a:t>3</a:t>
                       </a:r>
                       <a:r>
-                        <a:rPr kumimoji="0" lang="ko-KR" altLang="en-US" sz="1460" b="1" i="0" u="none" strike="noStrike" kern="0" cap="none" spc="0" normalizeH="0" baseline="0" noProof="0" dirty="0">
-                          <a:ln>
+                        <a:rPr lang="en-US" altLang="ko-KR" sz="1460" kern="0" cap="none" kumimoji="0" i="0" b="0" strike="noStrike">
+                          <a:ln w="9525" cap="flat" cmpd="sng" algn="ctr">
                             <a:noFill/>
+                            <a:prstDash/>
+                            <a:round/>
+                            <a:headEnd type="none" w="med" len="med"/>
+                            <a:tailEnd type="none" w="med" len="med"/>
                           </a:ln>
                           <a:solidFill>
                             <a:schemeClr val="tx1"/>
                           </a:solidFill>
-                          <a:effectLst/>
-                          <a:uLnTx/>
-                          <a:uFillTx/>
-                          <a:latin typeface="나눔고딕OTF" panose="020D0604000000000000" pitchFamily="34" charset="-127"/>
-                          <a:ea typeface="나눔고딕OTF" panose="020D0604000000000000" pitchFamily="34" charset="-127"/>
-                          <a:cs typeface="Malgun Gothic"/>
-                          <a:sym typeface="Malgun Gothic"/>
+                          <a:latin typeface="나눔고딕OTF" charset="0"/>
+                          <a:ea typeface="나눔고딕OTF" charset="0"/>
+                          <a:cs typeface="Malgun Gothic" charset="0"/>
                         </a:rPr>
-                        <a:t>유저가 보유한 아이템으로 간편하게 여러가지 코디 시뮬레이션 가능</a:t>
+                        <a:t>. </a:t>
                       </a:r>
-                      <a:endParaRPr kumimoji="0" lang="en-US" altLang="ko-KR" sz="1460" b="1" i="0" u="none" strike="noStrike" kern="0" cap="none" spc="0" normalizeH="0" baseline="0" noProof="0" dirty="0">
-                        <a:ln>
+                      <a:r>
+                        <a:rPr lang="ko-KR" altLang="en-US" sz="1460" kern="0" cap="none" kumimoji="0" i="0" b="0" strike="noStrike">
+                          <a:ln w="9525" cap="flat" cmpd="sng" algn="ctr">
+                            <a:noFill/>
+                            <a:prstDash/>
+                            <a:round/>
+                            <a:headEnd type="none" w="med" len="med"/>
+                            <a:tailEnd type="none" w="med" len="med"/>
+                          </a:ln>
+                          <a:solidFill>
+                            <a:schemeClr val="tx1"/>
+                          </a:solidFill>
+                          <a:latin typeface="나눔고딕OTF" charset="0"/>
+                          <a:ea typeface="나눔고딕OTF" charset="0"/>
+                          <a:cs typeface="Malgun Gothic" charset="0"/>
+                        </a:rPr>
+                        <a:t>패션에 관심이 많은 </a:t>
+                      </a:r>
+                      <a:r>
+                        <a:rPr lang="ko-KR" altLang="en-US" sz="1460" kern="0" cap="none" kumimoji="0" i="0" b="0" strike="noStrike">
+                          <a:ln w="9525" cap="flat" cmpd="sng" algn="ctr">
+                            <a:noFill/>
+                            <a:prstDash/>
+                            <a:round/>
+                            <a:headEnd type="none" w="med" len="med"/>
+                            <a:tailEnd type="none" w="med" len="med"/>
+                          </a:ln>
+                          <a:solidFill>
+                            <a:schemeClr val="tx1"/>
+                          </a:solidFill>
+                          <a:latin typeface="나눔고딕OTF" charset="0"/>
+                          <a:ea typeface="나눔고딕OTF" charset="0"/>
+                          <a:cs typeface="Malgun Gothic" charset="0"/>
+                        </a:rPr>
+                        <a:t>사람</a:t>
+                      </a:r>
+                      <a:r>
+                        <a:rPr lang="ko-KR" altLang="en-US" sz="1460" kern="0" cap="none" kumimoji="0" i="0" b="0" strike="noStrike">
+                          <a:ln w="9525" cap="flat" cmpd="sng" algn="ctr">
+                            <a:noFill/>
+                            <a:prstDash/>
+                            <a:round/>
+                            <a:headEnd type="none" w="med" len="med"/>
+                            <a:tailEnd type="none" w="med" len="med"/>
+                          </a:ln>
+                          <a:solidFill>
+                            <a:schemeClr val="tx1"/>
+                          </a:solidFill>
+                          <a:latin typeface="나눔고딕OTF" charset="0"/>
+                          <a:ea typeface="나눔고딕OTF" charset="0"/>
+                          <a:cs typeface="Malgun Gothic" charset="0"/>
+                        </a:rPr>
+                        <a:t>들의 </a:t>
+                      </a:r>
+                      <a:r>
+                        <a:rPr lang="ko-KR" altLang="en-US" sz="1460" kern="0" cap="none" kumimoji="0" i="0" b="0" strike="noStrike">
+                          <a:ln w="9525" cap="flat" cmpd="sng" algn="ctr">
+                            <a:noFill/>
+                            <a:prstDash/>
+                            <a:round/>
+                            <a:headEnd type="none" w="med" len="med"/>
+                            <a:tailEnd type="none" w="med" len="med"/>
+                          </a:ln>
+                          <a:solidFill>
+                            <a:schemeClr val="tx1"/>
+                          </a:solidFill>
+                          <a:latin typeface="나눔고딕OTF" charset="0"/>
+                          <a:ea typeface="나눔고딕OTF" charset="0"/>
+                          <a:cs typeface="Malgun Gothic" charset="0"/>
+                        </a:rPr>
+                        <a:t>활발한 소통</a:t>
+                      </a:r>
+                      <a:endParaRPr lang="ko-KR" altLang="en-US" sz="1460" kern="0" kumimoji="0" i="0" cap="none" b="0" strike="noStrike">
+                        <a:ln w="9525" cap="flat" cmpd="sng" algn="ctr">
                           <a:noFill/>
+                          <a:prstDash/>
+                          <a:round/>
+                          <a:headEnd type="none" w="med" len="med"/>
+                          <a:tailEnd type="none" w="med" len="med"/>
                         </a:ln>
                         <a:solidFill>
                           <a:schemeClr val="tx1"/>
                         </a:solidFill>
-                        <a:effectLst/>
-                        <a:uLnTx/>
-                        <a:uFillTx/>
-                        <a:latin typeface="나눔고딕OTF" panose="020D0604000000000000" pitchFamily="34" charset="-127"/>
-                        <a:ea typeface="나눔고딕OTF" panose="020D0604000000000000" pitchFamily="34" charset="-127"/>
-                        <a:cs typeface="Malgun Gothic"/>
-                        <a:sym typeface="Malgun Gothic"/>
+                        <a:latin typeface="나눔고딕OTF" charset="0"/>
+                        <a:ea typeface="나눔고딕OTF" charset="0"/>
+                        <a:cs typeface="Malgun Gothic" charset="0"/>
                       </a:endParaRPr>
                     </a:p>
                     <a:p>
-                      <a:pPr marL="0" marR="0" lvl="0" indent="0" algn="l" defTabSz="914400" rtl="0" eaLnBrk="1" fontAlgn="auto" latinLnBrk="0" hangingPunct="1">
+                      <a:pPr marL="0" indent="0" rtl="0" algn="l" fontAlgn="auto" defTabSz="914400" eaLnBrk="1" latinLnBrk="0" hangingPunct="1" lvl="1">
                         <a:lnSpc>
-                          <a:spcPct val="100000"/>
+                          <a:spcPct val="114999"/>
                         </a:lnSpc>
                         <a:spcBef>
-                          <a:spcPts val="0"/>
+                          <a:spcPct val="0"/>
                         </a:spcBef>
                         <a:spcAft>
-                          <a:spcPts val="0"/>
+                          <a:spcPct val="0"/>
                         </a:spcAft>
-                        <a:buClr>
-                          <a:srgbClr val="000000"/>
-                        </a:buClr>
-                        <a:buSzTx/>
-                        <a:buFont typeface="Arial"/>
+                        <a:buFontTx/>
                         <a:buNone/>
-                        <a:tabLst/>
-                        <a:defRPr/>
                       </a:pPr>
-                      <a:endParaRPr kumimoji="0" lang="en-US" altLang="ko-KR" sz="1460" b="1" i="0" u="none" strike="noStrike" kern="0" cap="none" spc="0" normalizeH="0" baseline="0" noProof="0" dirty="0">
-                        <a:ln>
+                      <a:r>
+                        <a:rPr lang="ko-KR" altLang="en-US" sz="1460" kern="0" cap="none" kumimoji="0" i="0" b="0" strike="noStrike">
+                          <a:ln w="9525" cap="flat" cmpd="sng" algn="ctr">
+                            <a:noFill/>
+                            <a:prstDash/>
+                            <a:round/>
+                            <a:headEnd type="none" w="med" len="med"/>
+                            <a:tailEnd type="none" w="med" len="med"/>
+                          </a:ln>
+                          <a:solidFill>
+                            <a:schemeClr val="tx1"/>
+                          </a:solidFill>
+                          <a:latin typeface="나눔고딕OTF" charset="0"/>
+                          <a:ea typeface="나눔고딕OTF" charset="0"/>
+                          <a:cs typeface="Malgun Gothic" charset="0"/>
+                        </a:rPr>
+                        <a:t>4. </a:t>
+                      </a:r>
+                      <a:r>
+                        <a:rPr lang="ko-KR" altLang="en-US" sz="1460" kern="0" cap="none" kumimoji="0" i="0" b="0" strike="noStrike">
+                          <a:ln w="9525" cap="flat" cmpd="sng" algn="ctr">
+                            <a:noFill/>
+                            <a:prstDash/>
+                            <a:round/>
+                            <a:headEnd type="none" w="med" len="med"/>
+                            <a:tailEnd type="none" w="med" len="med"/>
+                          </a:ln>
+                          <a:solidFill>
+                            <a:schemeClr val="tx1"/>
+                          </a:solidFill>
+                          <a:latin typeface="나눔고딕OTF" charset="0"/>
+                          <a:ea typeface="나눔고딕OTF" charset="0"/>
+                          <a:cs typeface="Malgun Gothic" charset="0"/>
+                        </a:rPr>
+                        <a:t>패션 분야의 빠르고 민감한 유행 파악</a:t>
+                      </a:r>
+                      <a:endParaRPr lang="ko-KR" altLang="en-US" sz="1460" kern="0" kumimoji="0" i="0" cap="none" b="0" strike="noStrike">
+                        <a:ln w="9525" cap="flat" cmpd="sng" algn="ctr">
                           <a:noFill/>
+                          <a:prstDash/>
+                          <a:round/>
+                          <a:headEnd type="none" w="med" len="med"/>
+                          <a:tailEnd type="none" w="med" len="med"/>
                         </a:ln>
                         <a:solidFill>
                           <a:schemeClr val="tx1"/>
                         </a:solidFill>
-                        <a:effectLst/>
-                        <a:uLnTx/>
-                        <a:uFillTx/>
-                        <a:latin typeface="나눔고딕OTF" panose="020D0604000000000000" pitchFamily="34" charset="-127"/>
-                        <a:ea typeface="나눔고딕OTF" panose="020D0604000000000000" pitchFamily="34" charset="-127"/>
-                        <a:cs typeface="Malgun Gothic"/>
-                        <a:sym typeface="Malgun Gothic"/>
+                        <a:latin typeface="나눔고딕OTF" charset="0"/>
+                        <a:ea typeface="나눔고딕OTF" charset="0"/>
+                        <a:cs typeface="Malgun Gothic" charset="0"/>
                       </a:endParaRPr>
                     </a:p>
-                    <a:p>
-                      <a:pPr marL="0" marR="0" lvl="0" indent="0" algn="l" defTabSz="914400" rtl="0" eaLnBrk="1" fontAlgn="auto" latinLnBrk="0" hangingPunct="1">
-                        <a:lnSpc>
-                          <a:spcPct val="100000"/>
-                        </a:lnSpc>
-                        <a:spcBef>
-                          <a:spcPts val="0"/>
-                        </a:spcBef>
-                        <a:spcAft>
-                          <a:spcPts val="0"/>
-                        </a:spcAft>
-                        <a:buClr>
-                          <a:srgbClr val="000000"/>
-                        </a:buClr>
-                        <a:buSzTx/>
-                        <a:buFont typeface="Arial"/>
-                        <a:buNone/>
-                        <a:tabLst/>
-                        <a:defRPr/>
-                      </a:pPr>
-                      <a:r>
-                        <a:rPr kumimoji="0" lang="en-US" altLang="ko-KR" sz="1460" b="1" i="0" u="none" strike="noStrike" kern="0" cap="none" spc="0" normalizeH="0" baseline="0" noProof="0" dirty="0">
-                          <a:ln>
-                            <a:noFill/>
-                          </a:ln>
-                          <a:solidFill>
-                            <a:schemeClr val="tx1"/>
-                          </a:solidFill>
-                          <a:effectLst/>
-                          <a:uLnTx/>
-                          <a:uFillTx/>
-                          <a:latin typeface="나눔고딕OTF" panose="020D0604000000000000" pitchFamily="34" charset="-127"/>
-                          <a:ea typeface="나눔고딕OTF" panose="020D0604000000000000" pitchFamily="34" charset="-127"/>
-                          <a:cs typeface="Malgun Gothic"/>
-                          <a:sym typeface="Malgun Gothic"/>
-                        </a:rPr>
-                        <a:t>3. </a:t>
-                      </a:r>
-                      <a:r>
-                        <a:rPr kumimoji="0" lang="ko-KR" altLang="en-US" sz="1460" b="1" i="0" u="none" strike="noStrike" kern="0" cap="none" spc="0" normalizeH="0" baseline="0" noProof="0" dirty="0">
-                          <a:ln>
-                            <a:noFill/>
-                          </a:ln>
-                          <a:solidFill>
-                            <a:schemeClr val="tx1"/>
-                          </a:solidFill>
-                          <a:effectLst/>
-                          <a:uLnTx/>
-                          <a:uFillTx/>
-                          <a:latin typeface="나눔고딕OTF" panose="020D0604000000000000" pitchFamily="34" charset="-127"/>
-                          <a:ea typeface="나눔고딕OTF" panose="020D0604000000000000" pitchFamily="34" charset="-127"/>
-                          <a:cs typeface="Malgun Gothic"/>
-                          <a:sym typeface="Malgun Gothic"/>
-                        </a:rPr>
-                        <a:t>유저의 패션에 대한 만족도 상승</a:t>
-                      </a:r>
-                      <a:endParaRPr kumimoji="0" lang="en-US" altLang="ko-KR" sz="1460" b="1" i="0" u="none" strike="noStrike" kern="0" cap="none" spc="0" normalizeH="0" baseline="0" noProof="0" dirty="0">
-                        <a:ln>
-                          <a:noFill/>
-                        </a:ln>
-                        <a:solidFill>
-                          <a:schemeClr val="tx1"/>
-                        </a:solidFill>
-                        <a:effectLst/>
-                        <a:uLnTx/>
-                        <a:uFillTx/>
-                        <a:latin typeface="나눔고딕OTF" panose="020D0604000000000000" pitchFamily="34" charset="-127"/>
-                        <a:ea typeface="나눔고딕OTF" panose="020D0604000000000000" pitchFamily="34" charset="-127"/>
-                        <a:cs typeface="Malgun Gothic"/>
-                        <a:sym typeface="Malgun Gothic"/>
-                      </a:endParaRPr>
-                    </a:p>
-                    <a:p>
-                      <a:pPr marL="0" marR="0" lvl="0" indent="0" algn="l" defTabSz="914400" rtl="0" eaLnBrk="1" fontAlgn="auto" latinLnBrk="0" hangingPunct="1">
-                        <a:lnSpc>
-                          <a:spcPct val="100000"/>
-                        </a:lnSpc>
-                        <a:spcBef>
-                          <a:spcPts val="0"/>
-                        </a:spcBef>
-                        <a:spcAft>
-                          <a:spcPts val="0"/>
-                        </a:spcAft>
-                        <a:buClr>
-                          <a:srgbClr val="000000"/>
-                        </a:buClr>
-                        <a:buSzTx/>
-                        <a:buFont typeface="Arial"/>
-                        <a:buNone/>
-                        <a:tabLst/>
-                        <a:defRPr/>
-                      </a:pPr>
-                      <a:endParaRPr kumimoji="0" lang="en-US" altLang="ko-KR" sz="1460" b="1" i="0" u="none" strike="noStrike" kern="0" cap="none" spc="0" normalizeH="0" baseline="0" noProof="0" dirty="0">
-                        <a:ln>
-                          <a:noFill/>
-                        </a:ln>
-                        <a:solidFill>
-                          <a:schemeClr val="tx1"/>
-                        </a:solidFill>
-                        <a:effectLst/>
-                        <a:uLnTx/>
-                        <a:uFillTx/>
-                        <a:latin typeface="나눔고딕OTF" panose="020D0604000000000000" pitchFamily="34" charset="-127"/>
-                        <a:ea typeface="나눔고딕OTF" panose="020D0604000000000000" pitchFamily="34" charset="-127"/>
-                        <a:cs typeface="Malgun Gothic"/>
-                        <a:sym typeface="Malgun Gothic"/>
-                      </a:endParaRPr>
-                    </a:p>
-                    <a:p>
-                      <a:pPr marL="0" marR="0" lvl="0" indent="0" algn="l" defTabSz="914400" rtl="0" eaLnBrk="1" fontAlgn="auto" latinLnBrk="0" hangingPunct="1">
-                        <a:lnSpc>
-                          <a:spcPct val="100000"/>
-                        </a:lnSpc>
-                        <a:spcBef>
-                          <a:spcPts val="0"/>
-                        </a:spcBef>
-                        <a:spcAft>
-                          <a:spcPts val="0"/>
-                        </a:spcAft>
-                        <a:buClr>
-                          <a:srgbClr val="000000"/>
-                        </a:buClr>
-                        <a:buSzTx/>
-                        <a:buFont typeface="Arial"/>
-                        <a:buNone/>
-                        <a:tabLst/>
-                        <a:defRPr/>
-                      </a:pPr>
-                      <a:r>
-                        <a:rPr kumimoji="0" lang="en-US" altLang="ko-KR" sz="1460" b="1" i="0" u="none" strike="noStrike" kern="0" cap="none" spc="0" normalizeH="0" baseline="0" noProof="0" dirty="0">
-                          <a:ln>
-                            <a:noFill/>
-                          </a:ln>
-                          <a:solidFill>
-                            <a:schemeClr val="tx1"/>
-                          </a:solidFill>
-                          <a:effectLst/>
-                          <a:uLnTx/>
-                          <a:uFillTx/>
-                          <a:latin typeface="나눔고딕OTF" panose="020D0604000000000000" pitchFamily="34" charset="-127"/>
-                          <a:ea typeface="나눔고딕OTF" panose="020D0604000000000000" pitchFamily="34" charset="-127"/>
-                          <a:cs typeface="Malgun Gothic"/>
-                          <a:sym typeface="Malgun Gothic"/>
-                        </a:rPr>
-                        <a:t>4. </a:t>
-                      </a:r>
-                      <a:r>
-                        <a:rPr kumimoji="0" lang="ko-KR" altLang="en-US" sz="1460" b="1" i="0" u="none" strike="noStrike" kern="0" cap="none" spc="0" normalizeH="0" baseline="0" noProof="0" dirty="0">
-                          <a:ln>
-                            <a:noFill/>
-                          </a:ln>
-                          <a:solidFill>
-                            <a:schemeClr val="tx1"/>
-                          </a:solidFill>
-                          <a:effectLst/>
-                          <a:uLnTx/>
-                          <a:uFillTx/>
-                          <a:latin typeface="나눔고딕OTF" panose="020D0604000000000000" pitchFamily="34" charset="-127"/>
-                          <a:ea typeface="나눔고딕OTF" panose="020D0604000000000000" pitchFamily="34" charset="-127"/>
-                          <a:cs typeface="Malgun Gothic"/>
-                          <a:sym typeface="Malgun Gothic"/>
-                        </a:rPr>
-                        <a:t>패션에 관심이 많은 고객들의 소통이 활발히 이루어짐</a:t>
-                      </a:r>
-                    </a:p>
                   </a:txBody>
-                  <a:tcPr marL="91450" marR="91450" marT="45725" marB="45725">
-                    <a:lnL w="28575" cap="flat" cmpd="sng">
+                  <a:tcPr marL="91440" marR="91440" marT="45720" marB="45720" anchor="t">
+                    <a:lnL w="28575" cap="flat" cmpd="sng" algn="ctr">
                       <a:solidFill>
-                        <a:srgbClr val="244061"/>
+                        <a:srgbClr val="244061">
+                          <a:alpha val="100000"/>
+                        </a:srgbClr>
                       </a:solidFill>
                       <a:prstDash val="solid"/>
                       <a:round/>
-                      <a:headEnd type="none" w="sm" len="sm"/>
-                      <a:tailEnd type="none" w="sm" len="sm"/>
+                      <a:headEnd type="none" w="med" len="med"/>
+                      <a:tailEnd type="none" w="med" len="med"/>
                     </a:lnL>
                     <a:lnR w="28575" cap="flat" cmpd="sng" algn="ctr">
                       <a:solidFill>
-                        <a:srgbClr val="244061"/>
+                        <a:srgbClr val="244061">
+                          <a:alpha val="100000"/>
+                        </a:srgbClr>
                       </a:solidFill>
                       <a:prstDash val="solid"/>
                       <a:round/>
-                      <a:headEnd type="none" w="sm" len="sm"/>
-                      <a:tailEnd type="none" w="sm" len="sm"/>
+                      <a:headEnd type="none" w="med" len="med"/>
+                      <a:tailEnd type="none" w="med" len="med"/>
                     </a:lnR>
-                    <a:lnT w="28575" cap="flat" cmpd="sng">
+                    <a:lnT w="28575" cap="flat" cmpd="sng" algn="ctr">
                       <a:solidFill>
-                        <a:srgbClr val="244061"/>
+                        <a:srgbClr val="244061">
+                          <a:alpha val="100000"/>
+                        </a:srgbClr>
                       </a:solidFill>
                       <a:prstDash val="solid"/>
                       <a:round/>
-                      <a:headEnd type="none" w="sm" len="sm"/>
-                      <a:tailEnd type="none" w="sm" len="sm"/>
+                      <a:headEnd type="none" w="med" len="med"/>
+                      <a:tailEnd type="none" w="med" len="med"/>
                     </a:lnT>
                     <a:lnB w="28575" cap="flat" cmpd="sng" algn="ctr">
                       <a:solidFill>
-                        <a:srgbClr val="244061"/>
+                        <a:srgbClr val="244061">
+                          <a:alpha val="100000"/>
+                        </a:srgbClr>
                       </a:solidFill>
                       <a:prstDash val="solid"/>
                       <a:round/>
-                      <a:headEnd type="none" w="sm" len="sm"/>
-                      <a:tailEnd type="none" w="sm" len="sm"/>
+                      <a:headEnd type="none" w="med" len="med"/>
+                      <a:tailEnd type="none" w="med" len="med"/>
                     </a:lnB>
                   </a:tcPr>
                 </a:tc>
-                <a:extLst>
-                  <a:ext uri="{0D108BD9-81ED-4DB2-BD59-A6C34878D82A}">
-                    <a16:rowId xmlns:a16="http://schemas.microsoft.com/office/drawing/2014/main" val="10000"/>
-                  </a:ext>
-                </a:extLst>
               </a:tr>
             </a:tbl>
           </a:graphicData>
@@ -15629,148 +15624,105 @@
       </p:graphicFrame>
       <p:pic>
         <p:nvPicPr>
-          <p:cNvPr id="1026" name="Picture 2">
-            <a:extLst>
-              <a:ext uri="{FF2B5EF4-FFF2-40B4-BE49-F238E27FC236}">
-                <a16:creationId xmlns:a16="http://schemas.microsoft.com/office/drawing/2014/main" id="{B82C1361-A0F4-495C-8643-E88D239C4209}"/>
-              </a:ext>
-            </a:extLst>
-          </p:cNvPr>
+          <p:cNvPr id="1026" name="Picture 2" descr="C:/Users/admin/AppData/Roaming/PolarisOffice/ETemp/9416_13740856/image4.png"/>
           <p:cNvPicPr>
-            <a:picLocks noChangeAspect="1" noChangeArrowheads="1"/>
+            <a:picLocks noChangeAspect="1"/>
           </p:cNvPicPr>
           <p:nvPr/>
         </p:nvPicPr>
-        <p:blipFill>
-          <a:blip r:embed="rId6">
+        <p:blipFill rotWithShape="1">
+          <a:blip r:embed="rId6" cstate="print">
             <a:extLst>
               <a:ext uri="{28A0092B-C50C-407E-A947-70E740481C1C}">
                 <a14:useLocalDpi xmlns:a14="http://schemas.microsoft.com/office/drawing/2010/main" val="0"/>
               </a:ext>
             </a:extLst>
           </a:blip>
-          <a:srcRect/>
           <a:stretch>
             <a:fillRect/>
           </a:stretch>
         </p:blipFill>
         <p:spPr bwMode="auto">
-          <a:xfrm>
-            <a:off x="575310" y="4900930"/>
-            <a:ext cx="819785" cy="712470"/>
+          <a:xfrm rot="0">
+            <a:off x="575310" y="5167630"/>
+            <a:ext cx="820420" cy="713105"/>
           </a:xfrm>
-          <a:prstGeom prst="rect">
-            <a:avLst/>
-          </a:prstGeom>
+          <a:prstGeom prst="rect"/>
           <a:noFill/>
-          <a:extLst>
-            <a:ext uri="{909E8E84-426E-40DD-AFC4-6F175D3DCCD1}">
-              <a14:hiddenFill xmlns:a14="http://schemas.microsoft.com/office/drawing/2010/main">
-                <a:solidFill>
-                  <a:srgbClr val="FFFFFF"/>
-                </a:solidFill>
-              </a14:hiddenFill>
-            </a:ext>
-          </a:extLst>
         </p:spPr>
       </p:pic>
       <p:pic>
         <p:nvPicPr>
-          <p:cNvPr id="1028" name="Picture 4">
-            <a:extLst>
-              <a:ext uri="{FF2B5EF4-FFF2-40B4-BE49-F238E27FC236}">
-                <a16:creationId xmlns:a16="http://schemas.microsoft.com/office/drawing/2014/main" id="{D4A1D0C9-70F8-4290-A360-756A9C94D055}"/>
-              </a:ext>
-            </a:extLst>
-          </p:cNvPr>
+          <p:cNvPr id="1028" name="Picture 4" descr="C:/Users/admin/AppData/Roaming/PolarisOffice/ETemp/9416_13740856/image5.png"/>
           <p:cNvPicPr>
-            <a:picLocks noChangeAspect="1" noChangeArrowheads="1"/>
+            <a:picLocks noChangeAspect="1"/>
           </p:cNvPicPr>
           <p:nvPr/>
         </p:nvPicPr>
-        <p:blipFill>
-          <a:blip r:embed="rId7">
+        <p:blipFill rotWithShape="1">
+          <a:blip r:embed="rId7" cstate="print">
             <a:extLst>
               <a:ext uri="{28A0092B-C50C-407E-A947-70E740481C1C}">
                 <a14:useLocalDpi xmlns:a14="http://schemas.microsoft.com/office/drawing/2010/main" val="0"/>
               </a:ext>
             </a:extLst>
           </a:blip>
-          <a:srcRect/>
           <a:stretch>
             <a:fillRect/>
           </a:stretch>
         </p:blipFill>
         <p:spPr bwMode="auto">
-          <a:xfrm>
-            <a:off x="1546225" y="4891405"/>
-            <a:ext cx="712470" cy="712470"/>
+          <a:xfrm rot="0">
+            <a:off x="1570355" y="5206365"/>
+            <a:ext cx="713105" cy="713105"/>
           </a:xfrm>
-          <a:prstGeom prst="rect">
-            <a:avLst/>
-          </a:prstGeom>
+          <a:prstGeom prst="rect"/>
           <a:noFill/>
-          <a:extLst>
-            <a:ext uri="{909E8E84-426E-40DD-AFC4-6F175D3DCCD1}">
-              <a14:hiddenFill xmlns:a14="http://schemas.microsoft.com/office/drawing/2010/main">
-                <a:solidFill>
-                  <a:srgbClr val="FFFFFF"/>
-                </a:solidFill>
-              </a14:hiddenFill>
-            </a:ext>
-          </a:extLst>
         </p:spPr>
       </p:pic>
       <p:pic>
         <p:nvPicPr>
-          <p:cNvPr id="3" name="그림 2">
-            <a:extLst>
-              <a:ext uri="{FF2B5EF4-FFF2-40B4-BE49-F238E27FC236}">
-                <a16:creationId xmlns:a16="http://schemas.microsoft.com/office/drawing/2014/main" id="{A8B4C839-78C3-44E7-B163-B570C59FF43B}"/>
-              </a:ext>
-            </a:extLst>
-          </p:cNvPr>
+          <p:cNvPr id="3" name="그림 2" descr="C:/Users/admin/AppData/Roaming/PolarisOffice/ETemp/9416_13740856/image6.png"/>
           <p:cNvPicPr>
             <a:picLocks noChangeAspect="1"/>
           </p:cNvPicPr>
           <p:nvPr/>
         </p:nvPicPr>
-        <p:blipFill>
-          <a:blip r:embed="rId8"/>
+        <p:blipFill rotWithShape="1">
+          <a:blip r:embed="rId8" cstate="print">
+            <a:extLst>
+              <a:ext uri="{28A0092B-C50C-407E-A947-70E740481C1C}">
+                <a14:useLocalDpi xmlns:a14="http://schemas.microsoft.com/office/drawing/2010/main" val="0"/>
+              </a:ext>
+            </a:extLst>
+          </a:blip>
           <a:stretch>
             <a:fillRect/>
           </a:stretch>
         </p:blipFill>
         <p:spPr>
-          <a:xfrm>
-            <a:off x="2499995" y="4900930"/>
-            <a:ext cx="712470" cy="712470"/>
+          <a:xfrm rot="0">
+            <a:off x="2499995" y="5167630"/>
+            <a:ext cx="713105" cy="713105"/>
           </a:xfrm>
-          <a:prstGeom prst="rect">
-            <a:avLst/>
-          </a:prstGeom>
+          <a:prstGeom prst="rect"/>
+          <a:noFill/>
         </p:spPr>
       </p:pic>
       <p:sp>
         <p:nvSpPr>
-          <p:cNvPr id="4" name="TextBox 3">
-            <a:extLst>
-              <a:ext uri="{FF2B5EF4-FFF2-40B4-BE49-F238E27FC236}">
-                <a16:creationId xmlns:a16="http://schemas.microsoft.com/office/drawing/2014/main" id="{AC383F83-69CE-4BA8-A55A-F3DDA9BB17DC}"/>
-              </a:ext>
-            </a:extLst>
-          </p:cNvPr>
-          <p:cNvSpPr txBox="1"/>
+          <p:cNvPr id="4" name="TextBox 3"/>
+          <p:cNvSpPr txBox="1">
+            <a:spLocks/>
+          </p:cNvSpPr>
           <p:nvPr/>
         </p:nvSpPr>
         <p:spPr>
-          <a:xfrm>
-            <a:off x="464820" y="4554220"/>
-            <a:ext cx="2949575" cy="307340"/>
+          <a:xfrm rot="0">
+            <a:off x="464820" y="4820920"/>
+            <a:ext cx="2950210" cy="307975"/>
           </a:xfrm>
-          <a:prstGeom prst="rect">
-            <a:avLst/>
-          </a:prstGeom>
+          <a:prstGeom prst="rect"/>
           <a:noFill/>
         </p:spPr>
         <p:txBody>
@@ -15792,28 +15744,7 @@
                 <a:latin typeface="나눔고딕OTF" charset="0"/>
                 <a:ea typeface="나눔고딕OTF" charset="0"/>
               </a:rPr>
-              <a:t>개발</a:t>
-            </a:r>
-            <a:r>
-              <a:rPr lang="ko-KR" altLang="en-US">
-                <a:latin typeface="나눔고딕OTF" charset="0"/>
-                <a:ea typeface="나눔고딕OTF" charset="0"/>
-              </a:rPr>
-              <a:t> </a:t>
-            </a:r>
-            <a:r>
-              <a:rPr lang="ko-KR" altLang="en-US">
-                <a:latin typeface="나눔고딕OTF" charset="0"/>
-                <a:ea typeface="나눔고딕OTF" charset="0"/>
-              </a:rPr>
-              <a:t>프레임워크</a:t>
-            </a:r>
-            <a:r>
-              <a:rPr lang="ko-KR" altLang="en-US">
-                <a:latin typeface="나눔고딕OTF" charset="0"/>
-                <a:ea typeface="나눔고딕OTF" charset="0"/>
-              </a:rPr>
-              <a:t> 및 DB관리시스템</a:t>
+              <a:t>개발 프레임워크 및 DB관리시스템</a:t>
             </a:r>
             <a:endParaRPr lang="ko-KR" altLang="en-US">
               <a:latin typeface="나눔고딕OTF" charset="0"/>
@@ -15824,93 +15755,146 @@
       </p:sp>
       <p:sp>
         <p:nvSpPr>
-          <p:cNvPr id="17" name="TextBox 16">
-            <a:extLst>
-              <a:ext uri="{FF2B5EF4-FFF2-40B4-BE49-F238E27FC236}">
-                <a16:creationId xmlns:a16="http://schemas.microsoft.com/office/drawing/2014/main" id="{D2222165-7B85-49FC-9147-D430AC193968}"/>
-              </a:ext>
-            </a:extLst>
-          </p:cNvPr>
-          <p:cNvSpPr txBox="1"/>
+          <p:cNvPr id="17" name="TextBox 16"/>
+          <p:cNvSpPr txBox="1">
+            <a:spLocks/>
+          </p:cNvSpPr>
           <p:nvPr/>
         </p:nvSpPr>
         <p:spPr>
-          <a:xfrm>
-            <a:off x="717550" y="5698490"/>
-            <a:ext cx="535940" cy="708025"/>
+          <a:xfrm rot="0">
+            <a:off x="542925" y="6179820"/>
+            <a:ext cx="934720" cy="706755"/>
           </a:xfrm>
-          <a:prstGeom prst="rect">
-            <a:avLst/>
-          </a:prstGeom>
+          <a:prstGeom prst="rect"/>
           <a:noFill/>
         </p:spPr>
         <p:txBody>
-          <a:bodyPr wrap="none" rtlCol="0">
+          <a:bodyPr wrap="square" lIns="91440" tIns="45720" rIns="91440" bIns="45720" numCol="1" vert="horz" anchor="t">
             <a:spAutoFit/>
           </a:bodyPr>
           <a:lstStyle/>
           <a:p>
-            <a:pPr algn="ctr"/>
+            <a:pPr marL="0" indent="0" algn="ctr" latinLnBrk="0"/>
             <a:r>
-              <a:rPr lang="en-US" altLang="ko-KR" sz="1000" dirty="0">
-                <a:latin typeface="나눔고딕OTF" panose="020D0604000000000000" pitchFamily="34" charset="-127"/>
-                <a:ea typeface="나눔고딕OTF" panose="020D0604000000000000" pitchFamily="34" charset="-127"/>
+              <a:rPr lang="en-US" altLang="ko-KR" sz="1000">
+                <a:latin typeface="나눔바른고딕" charset="0"/>
+                <a:ea typeface="나눔바른고딕" charset="0"/>
               </a:rPr>
-              <a:t>JS</a:t>
+              <a:t>J</a:t>
             </a:r>
+            <a:r>
+              <a:rPr lang="ko-KR" altLang="ko-KR" sz="1000">
+                <a:latin typeface="나눔바른고딕" charset="0"/>
+                <a:ea typeface="나눔바른고딕" charset="0"/>
+              </a:rPr>
+              <a:t>ava</a:t>
+            </a:r>
+            <a:r>
+              <a:rPr lang="en-US" altLang="ko-KR" sz="1000">
+                <a:latin typeface="나눔바른고딕" charset="0"/>
+                <a:ea typeface="나눔바른고딕" charset="0"/>
+              </a:rPr>
+              <a:t>S</a:t>
+            </a:r>
+            <a:r>
+              <a:rPr lang="ko-KR" altLang="ko-KR" sz="1000">
+                <a:latin typeface="나눔바른고딕" charset="0"/>
+                <a:ea typeface="나눔바른고딕" charset="0"/>
+              </a:rPr>
+              <a:t>cript</a:t>
+            </a:r>
+            <a:endParaRPr lang="ko-KR" altLang="en-US" sz="1000">
+              <a:latin typeface="나눔바른고딕" charset="0"/>
+              <a:ea typeface="나눔바른고딕" charset="0"/>
+            </a:endParaRPr>
           </a:p>
           <a:p>
-            <a:pPr algn="ctr"/>
+            <a:pPr marL="0" indent="0" algn="ctr" latinLnBrk="0"/>
             <a:r>
-              <a:rPr lang="en-US" altLang="ko-KR" sz="1000" dirty="0">
-                <a:latin typeface="나눔고딕OTF" panose="020D0604000000000000" pitchFamily="34" charset="-127"/>
-                <a:ea typeface="나눔고딕OTF" panose="020D0604000000000000" pitchFamily="34" charset="-127"/>
+              <a:rPr lang="en-US" altLang="ko-KR" sz="1000">
+                <a:latin typeface="나눔바른고딕" charset="0"/>
+                <a:ea typeface="나눔바른고딕" charset="0"/>
               </a:rPr>
-              <a:t>TS</a:t>
+              <a:t>T</a:t>
             </a:r>
+            <a:r>
+              <a:rPr lang="ko-KR" altLang="ko-KR" sz="1000">
+                <a:latin typeface="나눔바른고딕" charset="0"/>
+                <a:ea typeface="나눔바른고딕" charset="0"/>
+              </a:rPr>
+              <a:t>ype</a:t>
+            </a:r>
+            <a:r>
+              <a:rPr lang="en-US" altLang="ko-KR" sz="1000">
+                <a:latin typeface="나눔바른고딕" charset="0"/>
+                <a:ea typeface="나눔바른고딕" charset="0"/>
+              </a:rPr>
+              <a:t>S</a:t>
+            </a:r>
+            <a:r>
+              <a:rPr lang="ko-KR" altLang="ko-KR" sz="1000">
+                <a:latin typeface="나눔바른고딕" charset="0"/>
+                <a:ea typeface="나눔바른고딕" charset="0"/>
+              </a:rPr>
+              <a:t>cript</a:t>
+            </a:r>
+            <a:endParaRPr lang="ko-KR" altLang="en-US" sz="1000">
+              <a:latin typeface="나눔바른고딕" charset="0"/>
+              <a:ea typeface="나눔바른고딕" charset="0"/>
+            </a:endParaRPr>
           </a:p>
           <a:p>
-            <a:pPr algn="ctr"/>
+            <a:pPr marL="0" indent="0" algn="ctr" latinLnBrk="0"/>
             <a:r>
-              <a:rPr lang="en-US" altLang="ko-KR" sz="1000" dirty="0">
-                <a:latin typeface="나눔고딕OTF" panose="020D0604000000000000" pitchFamily="34" charset="-127"/>
-                <a:ea typeface="나눔고딕OTF" panose="020D0604000000000000" pitchFamily="34" charset="-127"/>
+              <a:rPr lang="en-US" altLang="ko-KR" sz="1000">
+                <a:latin typeface="나눔바른고딕" charset="0"/>
+                <a:ea typeface="나눔바른고딕" charset="0"/>
+              </a:rPr>
+              <a:t>HTML</a:t>
+            </a:r>
+            <a:r>
+              <a:rPr lang="ko-KR" altLang="ko-KR" sz="1000">
+                <a:latin typeface="나눔바른고딕" charset="0"/>
+                <a:ea typeface="나눔바른고딕" charset="0"/>
+              </a:rPr>
+              <a:t> / </a:t>
+            </a:r>
+            <a:r>
+              <a:rPr lang="en-US" altLang="ko-KR" sz="1000">
+                <a:latin typeface="나눔바른고딕" charset="0"/>
+                <a:ea typeface="나눔바른고딕" charset="0"/>
               </a:rPr>
               <a:t>CSS</a:t>
             </a:r>
+            <a:endParaRPr lang="ko-KR" altLang="en-US" sz="1000">
+              <a:latin typeface="나눔바른고딕" charset="0"/>
+              <a:ea typeface="나눔바른고딕" charset="0"/>
+            </a:endParaRPr>
           </a:p>
           <a:p>
-            <a:pPr algn="ctr"/>
-            <a:r>
-              <a:rPr lang="en-US" altLang="ko-KR" sz="1000" dirty="0">
-                <a:latin typeface="나눔고딕OTF" panose="020D0604000000000000" pitchFamily="34" charset="-127"/>
-                <a:ea typeface="나눔고딕OTF" panose="020D0604000000000000" pitchFamily="34" charset="-127"/>
-              </a:rPr>
-              <a:t>HTML</a:t>
-            </a:r>
+            <a:pPr marL="0" indent="0" algn="ctr" latinLnBrk="0"/>
+            <a:endParaRPr lang="ko-KR" altLang="en-US" sz="1000">
+              <a:latin typeface="나눔바른고딕" charset="0"/>
+              <a:ea typeface="나눔바른고딕" charset="0"/>
+            </a:endParaRPr>
           </a:p>
         </p:txBody>
       </p:sp>
       <p:sp>
         <p:nvSpPr>
-          <p:cNvPr id="18" name="TextBox 17">
-            <a:extLst>
-              <a:ext uri="{FF2B5EF4-FFF2-40B4-BE49-F238E27FC236}">
-                <a16:creationId xmlns:a16="http://schemas.microsoft.com/office/drawing/2014/main" id="{4ECB825C-64E0-4B08-BA88-82394D2719BA}"/>
-              </a:ext>
-            </a:extLst>
-          </p:cNvPr>
-          <p:cNvSpPr txBox="1"/>
+          <p:cNvPr id="18" name="TextBox 17"/>
+          <p:cNvSpPr txBox="1">
+            <a:spLocks/>
+          </p:cNvSpPr>
           <p:nvPr/>
         </p:nvSpPr>
         <p:spPr>
-          <a:xfrm>
-            <a:off x="1653540" y="5702300"/>
-            <a:ext cx="498475" cy="399415"/>
+          <a:xfrm rot="0">
+            <a:off x="1635760" y="6211570"/>
+            <a:ext cx="499110" cy="399415"/>
           </a:xfrm>
-          <a:prstGeom prst="rect">
-            <a:avLst/>
-          </a:prstGeom>
+          <a:prstGeom prst="rect"/>
           <a:noFill/>
         </p:spPr>
         <p:txBody>
@@ -15922,45 +15906,141 @@
             <a:pPr marL="0" indent="0" algn="ctr" latinLnBrk="0"/>
             <a:r>
               <a:rPr lang="en-US" altLang="ko-KR" sz="1000">
-                <a:latin typeface="나눔고딕OTF" charset="0"/>
-                <a:ea typeface="나눔고딕OTF" charset="0"/>
+                <a:latin typeface="나눔바른고딕" charset="0"/>
+                <a:ea typeface="나눔바른고딕" charset="0"/>
               </a:rPr>
               <a:t>JAVA</a:t>
             </a:r>
             <a:endParaRPr lang="ko-KR" altLang="en-US" sz="1000">
-              <a:latin typeface="나눔고딕OTF" charset="0"/>
-              <a:ea typeface="나눔고딕OTF" charset="0"/>
+              <a:latin typeface="나눔바른고딕" charset="0"/>
+              <a:ea typeface="나눔바른고딕" charset="0"/>
             </a:endParaRPr>
           </a:p>
           <a:p>
             <a:pPr marL="0" indent="0" algn="ctr" latinLnBrk="0"/>
             <a:endParaRPr lang="ko-KR" altLang="en-US" sz="1000">
+              <a:latin typeface="나눔바른고딕" charset="0"/>
+              <a:ea typeface="나눔바른고딕" charset="0"/>
+            </a:endParaRPr>
+          </a:p>
+        </p:txBody>
+      </p:sp>
+      <p:sp>
+        <p:nvSpPr>
+          <p:cNvPr id="20" name="TextBox 19"/>
+          <p:cNvSpPr txBox="1">
+            <a:spLocks/>
+          </p:cNvSpPr>
+          <p:nvPr/>
+        </p:nvSpPr>
+        <p:spPr>
+          <a:xfrm rot="0">
+            <a:off x="3558540" y="4820920"/>
+            <a:ext cx="1289685" cy="308610"/>
+          </a:xfrm>
+          <a:prstGeom prst="rect"/>
+          <a:noFill/>
+        </p:spPr>
+        <p:txBody>
+          <a:bodyPr wrap="none" lIns="91440" tIns="45720" rIns="91440" bIns="45720" numCol="1" vert="horz" anchor="t">
+            <a:spAutoFit/>
+          </a:bodyPr>
+          <a:lstStyle/>
+          <a:p>
+            <a:pPr marL="0" indent="0" latinLnBrk="0"/>
+            <a:r>
+              <a:rPr lang="en-US" altLang="ko-KR">
+                <a:latin typeface="나눔고딕OTF" charset="0"/>
+                <a:ea typeface="나눔고딕OTF" charset="0"/>
+              </a:rPr>
+              <a:t>2. </a:t>
+            </a:r>
+            <a:r>
+              <a:rPr lang="ko-KR" altLang="en-US">
+                <a:latin typeface="나눔고딕OTF" charset="0"/>
+                <a:ea typeface="나눔고딕OTF" charset="0"/>
+              </a:rPr>
+              <a:t>서비스 배포</a:t>
+            </a:r>
+            <a:endParaRPr lang="ko-KR" altLang="en-US">
               <a:latin typeface="나눔고딕OTF" charset="0"/>
               <a:ea typeface="나눔고딕OTF" charset="0"/>
             </a:endParaRPr>
           </a:p>
         </p:txBody>
       </p:sp>
+      <p:pic>
+        <p:nvPicPr>
+          <p:cNvPr id="1032" name="Picture 8" descr="C:/Users/admin/AppData/Roaming/PolarisOffice/ETemp/9416_13740856/image7.png"/>
+          <p:cNvPicPr>
+            <a:picLocks noChangeAspect="1"/>
+          </p:cNvPicPr>
+          <p:nvPr/>
+        </p:nvPicPr>
+        <p:blipFill rotWithShape="1">
+          <a:blip r:embed="rId9" cstate="print">
+            <a:extLst>
+              <a:ext uri="{28A0092B-C50C-407E-A947-70E740481C1C}">
+                <a14:useLocalDpi xmlns:a14="http://schemas.microsoft.com/office/drawing/2010/main" val="0"/>
+              </a:ext>
+            </a:extLst>
+          </a:blip>
+          <a:stretch>
+            <a:fillRect/>
+          </a:stretch>
+        </p:blipFill>
+        <p:spPr bwMode="auto">
+          <a:xfrm rot="0">
+            <a:off x="3521075" y="5379720"/>
+            <a:ext cx="909955" cy="546100"/>
+          </a:xfrm>
+          <a:prstGeom prst="rect"/>
+          <a:noFill/>
+        </p:spPr>
+      </p:pic>
+      <p:pic>
+        <p:nvPicPr>
+          <p:cNvPr id="1034" name="Picture 10" descr="C:/Users/admin/AppData/Roaming/PolarisOffice/ETemp/9416_13740856/image8.png"/>
+          <p:cNvPicPr>
+            <a:picLocks noChangeAspect="1"/>
+          </p:cNvPicPr>
+          <p:nvPr/>
+        </p:nvPicPr>
+        <p:blipFill rotWithShape="1">
+          <a:blip r:embed="rId10" cstate="print">
+            <a:extLst>
+              <a:ext uri="{28A0092B-C50C-407E-A947-70E740481C1C}">
+                <a14:useLocalDpi xmlns:a14="http://schemas.microsoft.com/office/drawing/2010/main" val="0"/>
+              </a:ext>
+            </a:extLst>
+          </a:blip>
+          <a:stretch>
+            <a:fillRect/>
+          </a:stretch>
+        </p:blipFill>
+        <p:spPr bwMode="auto">
+          <a:xfrm rot="0">
+            <a:off x="4715510" y="5365115"/>
+            <a:ext cx="1668780" cy="537210"/>
+          </a:xfrm>
+          <a:prstGeom prst="rect"/>
+          <a:noFill/>
+        </p:spPr>
+      </p:pic>
       <p:sp>
         <p:nvSpPr>
-          <p:cNvPr id="19" name="TextBox 18">
-            <a:extLst>
-              <a:ext uri="{FF2B5EF4-FFF2-40B4-BE49-F238E27FC236}">
-                <a16:creationId xmlns:a16="http://schemas.microsoft.com/office/drawing/2014/main" id="{474CB64F-C192-41AF-9E5C-2958ABA66F90}"/>
-              </a:ext>
-            </a:extLst>
-          </p:cNvPr>
-          <p:cNvSpPr txBox="1"/>
+          <p:cNvPr id="25" name="TextBox 24"/>
+          <p:cNvSpPr txBox="1">
+            <a:spLocks/>
+          </p:cNvSpPr>
           <p:nvPr/>
         </p:nvSpPr>
         <p:spPr>
-          <a:xfrm>
-            <a:off x="2536190" y="5701665"/>
-            <a:ext cx="623570" cy="245745"/>
+          <a:xfrm rot="0">
+            <a:off x="1323340" y="5386705"/>
+            <a:ext cx="299085" cy="292735"/>
           </a:xfrm>
-          <a:prstGeom prst="rect">
-            <a:avLst/>
-          </a:prstGeom>
+          <a:prstGeom prst="rect"/>
           <a:noFill/>
         </p:spPr>
         <p:txBody>
@@ -15971,13 +16051,13 @@
           <a:p>
             <a:pPr marL="0" indent="0" algn="ctr" latinLnBrk="0"/>
             <a:r>
-              <a:rPr lang="en-US" altLang="ko-KR" sz="1000">
+              <a:rPr lang="en-US" altLang="ko-KR" sz="1300" b="1">
                 <a:latin typeface="나눔고딕OTF" charset="0"/>
                 <a:ea typeface="나눔고딕OTF" charset="0"/>
               </a:rPr>
-              <a:t>RDBMS</a:t>
+              <a:t>+</a:t>
             </a:r>
-            <a:endParaRPr lang="ko-KR" altLang="en-US" sz="1000">
+            <a:endParaRPr lang="ko-KR" altLang="en-US" sz="1300" b="1">
               <a:latin typeface="나눔고딕OTF" charset="0"/>
               <a:ea typeface="나눔고딕OTF" charset="0"/>
             </a:endParaRPr>
@@ -15986,353 +16066,214 @@
       </p:sp>
       <p:sp>
         <p:nvSpPr>
-          <p:cNvPr id="20" name="TextBox 19">
-            <a:extLst>
-              <a:ext uri="{FF2B5EF4-FFF2-40B4-BE49-F238E27FC236}">
-                <a16:creationId xmlns:a16="http://schemas.microsoft.com/office/drawing/2014/main" id="{89AF7C37-9996-41D7-9B94-265E17BFE852}"/>
-              </a:ext>
-            </a:extLst>
-          </p:cNvPr>
-          <p:cNvSpPr txBox="1"/>
+          <p:cNvPr id="26" name="TextBox 25"/>
+          <p:cNvSpPr txBox="1">
+            <a:spLocks/>
+          </p:cNvSpPr>
           <p:nvPr/>
         </p:nvSpPr>
         <p:spPr>
-          <a:xfrm>
-            <a:off x="3558540" y="4554220"/>
-            <a:ext cx="1289050" cy="307975"/>
+          <a:xfrm rot="0">
+            <a:off x="2220595" y="5385435"/>
+            <a:ext cx="299085" cy="292735"/>
           </a:xfrm>
-          <a:prstGeom prst="rect">
-            <a:avLst/>
-          </a:prstGeom>
+          <a:prstGeom prst="rect"/>
           <a:noFill/>
         </p:spPr>
         <p:txBody>
-          <a:bodyPr wrap="none" rtlCol="0">
+          <a:bodyPr wrap="none" lIns="91440" tIns="45720" rIns="91440" bIns="45720" numCol="1" vert="horz" anchor="t">
             <a:spAutoFit/>
           </a:bodyPr>
           <a:lstStyle/>
           <a:p>
+            <a:pPr marL="0" indent="0" algn="ctr" latinLnBrk="0"/>
             <a:r>
-              <a:rPr lang="en-US" altLang="ko-KR" dirty="0">
-                <a:latin typeface="나눔고딕OTF" panose="020D0604000000000000" pitchFamily="34" charset="-127"/>
-                <a:ea typeface="나눔고딕OTF" panose="020D0604000000000000" pitchFamily="34" charset="-127"/>
-              </a:rPr>
-              <a:t>2. </a:t>
-            </a:r>
-            <a:r>
-              <a:rPr lang="ko-KR" altLang="en-US" dirty="0">
-                <a:latin typeface="나눔고딕OTF" panose="020D0604000000000000" pitchFamily="34" charset="-127"/>
-                <a:ea typeface="나눔고딕OTF" panose="020D0604000000000000" pitchFamily="34" charset="-127"/>
-              </a:rPr>
-              <a:t>서비스 배포</a:t>
-            </a:r>
-          </a:p>
-        </p:txBody>
-      </p:sp>
-      <p:pic>
-        <p:nvPicPr>
-          <p:cNvPr id="1032" name="Picture 8">
-            <a:extLst>
-              <a:ext uri="{FF2B5EF4-FFF2-40B4-BE49-F238E27FC236}">
-                <a16:creationId xmlns:a16="http://schemas.microsoft.com/office/drawing/2014/main" id="{0E69614C-180D-4ED2-B7EF-F58C083928AF}"/>
-              </a:ext>
-            </a:extLst>
-          </p:cNvPr>
-          <p:cNvPicPr>
-            <a:picLocks noChangeAspect="1" noChangeArrowheads="1"/>
-          </p:cNvPicPr>
-          <p:nvPr/>
-        </p:nvPicPr>
-        <p:blipFill>
-          <a:blip r:embed="rId9">
-            <a:extLst>
-              <a:ext uri="{28A0092B-C50C-407E-A947-70E740481C1C}">
-                <a14:useLocalDpi xmlns:a14="http://schemas.microsoft.com/office/drawing/2010/main" val="0"/>
-              </a:ext>
-            </a:extLst>
-          </a:blip>
-          <a:srcRect/>
-          <a:stretch>
-            <a:fillRect/>
-          </a:stretch>
-        </p:blipFill>
-        <p:spPr bwMode="auto">
-          <a:xfrm>
-            <a:off x="3711575" y="5001895"/>
-            <a:ext cx="909320" cy="545465"/>
-          </a:xfrm>
-          <a:prstGeom prst="rect">
-            <a:avLst/>
-          </a:prstGeom>
-          <a:noFill/>
-          <a:extLst>
-            <a:ext uri="{909E8E84-426E-40DD-AFC4-6F175D3DCCD1}">
-              <a14:hiddenFill xmlns:a14="http://schemas.microsoft.com/office/drawing/2010/main">
-                <a:solidFill>
-                  <a:srgbClr val="FFFFFF"/>
-                </a:solidFill>
-              </a14:hiddenFill>
-            </a:ext>
-          </a:extLst>
-        </p:spPr>
-      </p:pic>
-      <p:sp>
-        <p:nvSpPr>
-          <p:cNvPr id="23" name="TextBox 22">
-            <a:extLst>
-              <a:ext uri="{FF2B5EF4-FFF2-40B4-BE49-F238E27FC236}">
-                <a16:creationId xmlns:a16="http://schemas.microsoft.com/office/drawing/2014/main" id="{953B8FF2-40E5-45C9-B06F-18DF4284E410}"/>
-              </a:ext>
-            </a:extLst>
-          </p:cNvPr>
-          <p:cNvSpPr txBox="1"/>
-          <p:nvPr/>
-        </p:nvSpPr>
-        <p:spPr>
-          <a:xfrm>
-            <a:off x="3921125" y="5698490"/>
-            <a:ext cx="490855" cy="553720"/>
-          </a:xfrm>
-          <a:prstGeom prst="rect">
-            <a:avLst/>
-          </a:prstGeom>
-          <a:noFill/>
-        </p:spPr>
-        <p:txBody>
-          <a:bodyPr wrap="none" rtlCol="0">
-            <a:spAutoFit/>
-          </a:bodyPr>
-          <a:lstStyle/>
-          <a:p>
-            <a:pPr algn="ctr"/>
-            <a:r>
-              <a:rPr kumimoji="0" lang="en-US" altLang="ko-KR" sz="1000" b="0" i="0" u="none" strike="noStrike" kern="0" cap="none" spc="0" normalizeH="0" baseline="0" noProof="0" dirty="0">
-                <a:ln>
-                  <a:noFill/>
-                </a:ln>
-                <a:solidFill>
-                  <a:schemeClr val="tx1"/>
-                </a:solidFill>
-                <a:effectLst/>
-                <a:uLnTx/>
-                <a:uFillTx/>
-                <a:latin typeface="Arial"/>
-                <a:ea typeface="Malgun Gothic"/>
-                <a:cs typeface="Malgun Gothic"/>
-                <a:sym typeface="Malgun Gothic"/>
-              </a:rPr>
-              <a:t>EC2</a:t>
-            </a:r>
-          </a:p>
-          <a:p>
-            <a:pPr algn="ctr"/>
-            <a:r>
-              <a:rPr kumimoji="0" lang="en-US" altLang="ko-KR" sz="1000" b="0" i="0" u="none" strike="noStrike" kern="0" cap="none" spc="0" normalizeH="0" baseline="0" noProof="0" dirty="0">
-                <a:ln>
-                  <a:noFill/>
-                </a:ln>
-                <a:solidFill>
-                  <a:schemeClr val="tx1"/>
-                </a:solidFill>
-                <a:effectLst/>
-                <a:uLnTx/>
-                <a:uFillTx/>
-                <a:latin typeface="Arial"/>
-                <a:ea typeface="Malgun Gothic"/>
-                <a:cs typeface="Malgun Gothic"/>
-                <a:sym typeface="Malgun Gothic"/>
-              </a:rPr>
-              <a:t>S3</a:t>
-            </a:r>
-          </a:p>
-          <a:p>
-            <a:pPr algn="ctr"/>
-            <a:r>
-              <a:rPr kumimoji="0" lang="en-US" altLang="ko-KR" sz="1000" b="0" i="0" u="none" strike="noStrike" kern="0" cap="none" spc="0" normalizeH="0" baseline="0" noProof="0" dirty="0">
-                <a:ln>
-                  <a:noFill/>
-                </a:ln>
-                <a:solidFill>
-                  <a:schemeClr val="tx1"/>
-                </a:solidFill>
-                <a:effectLst/>
-                <a:uLnTx/>
-                <a:uFillTx/>
-                <a:latin typeface="Arial"/>
-                <a:ea typeface="Malgun Gothic"/>
-                <a:cs typeface="Malgun Gothic"/>
-                <a:sym typeface="Malgun Gothic"/>
-              </a:rPr>
-              <a:t>RDS </a:t>
-            </a:r>
-            <a:endParaRPr lang="en-US" altLang="ko-KR" sz="1000" dirty="0">
-              <a:latin typeface="나눔고딕OTF" panose="020D0604000000000000" pitchFamily="34" charset="-127"/>
-              <a:ea typeface="나눔고딕OTF" panose="020D0604000000000000" pitchFamily="34" charset="-127"/>
-            </a:endParaRPr>
-          </a:p>
-        </p:txBody>
-      </p:sp>
-      <p:pic>
-        <p:nvPicPr>
-          <p:cNvPr id="1034" name="Picture 10">
-            <a:extLst>
-              <a:ext uri="{FF2B5EF4-FFF2-40B4-BE49-F238E27FC236}">
-                <a16:creationId xmlns:a16="http://schemas.microsoft.com/office/drawing/2014/main" id="{1D58414C-D5E0-4C3F-9502-E0AC79ED8F5E}"/>
-              </a:ext>
-            </a:extLst>
-          </p:cNvPr>
-          <p:cNvPicPr>
-            <a:picLocks noChangeAspect="1" noChangeArrowheads="1"/>
-          </p:cNvPicPr>
-          <p:nvPr/>
-        </p:nvPicPr>
-        <p:blipFill>
-          <a:blip r:embed="rId10">
-            <a:extLst>
-              <a:ext uri="{28A0092B-C50C-407E-A947-70E740481C1C}">
-                <a14:useLocalDpi xmlns:a14="http://schemas.microsoft.com/office/drawing/2010/main" val="0"/>
-              </a:ext>
-            </a:extLst>
-          </a:blip>
-          <a:srcRect/>
-          <a:stretch>
-            <a:fillRect/>
-          </a:stretch>
-        </p:blipFill>
-        <p:spPr bwMode="auto">
-          <a:xfrm>
-            <a:off x="4906010" y="4987290"/>
-            <a:ext cx="1668145" cy="536575"/>
-          </a:xfrm>
-          <a:prstGeom prst="rect">
-            <a:avLst/>
-          </a:prstGeom>
-          <a:noFill/>
-          <a:extLst>
-            <a:ext uri="{909E8E84-426E-40DD-AFC4-6F175D3DCCD1}">
-              <a14:hiddenFill xmlns:a14="http://schemas.microsoft.com/office/drawing/2010/main">
-                <a:solidFill>
-                  <a:srgbClr val="FFFFFF"/>
-                </a:solidFill>
-              </a14:hiddenFill>
-            </a:ext>
-          </a:extLst>
-        </p:spPr>
-      </p:pic>
-      <p:sp>
-        <p:nvSpPr>
-          <p:cNvPr id="25" name="TextBox 24">
-            <a:extLst>
-              <a:ext uri="{FF2B5EF4-FFF2-40B4-BE49-F238E27FC236}">
-                <a16:creationId xmlns:a16="http://schemas.microsoft.com/office/drawing/2014/main" id="{45950CAA-7266-473E-844D-FC8359A660EA}"/>
-              </a:ext>
-            </a:extLst>
-          </p:cNvPr>
-          <p:cNvSpPr txBox="1"/>
-          <p:nvPr/>
-        </p:nvSpPr>
-        <p:spPr>
-          <a:xfrm>
-            <a:off x="1323340" y="5120005"/>
-            <a:ext cx="298450" cy="292100"/>
-          </a:xfrm>
-          <a:prstGeom prst="rect">
-            <a:avLst/>
-          </a:prstGeom>
-          <a:noFill/>
-        </p:spPr>
-        <p:txBody>
-          <a:bodyPr wrap="none" rtlCol="0">
-            <a:spAutoFit/>
-          </a:bodyPr>
-          <a:lstStyle/>
-          <a:p>
-            <a:pPr algn="ctr"/>
-            <a:r>
-              <a:rPr lang="en-US" altLang="ko-KR" sz="1300" b="1" dirty="0">
-                <a:latin typeface="나눔고딕OTF" panose="020D0604000000000000" pitchFamily="34" charset="-127"/>
-                <a:ea typeface="나눔고딕OTF" panose="020D0604000000000000" pitchFamily="34" charset="-127"/>
+              <a:rPr lang="en-US" altLang="ko-KR" sz="1300" b="1">
+                <a:latin typeface="나눔고딕OTF" charset="0"/>
+                <a:ea typeface="나눔고딕OTF" charset="0"/>
               </a:rPr>
               <a:t>+</a:t>
             </a:r>
+            <a:endParaRPr lang="ko-KR" altLang="en-US" sz="1300" b="1">
+              <a:latin typeface="나눔고딕OTF" charset="0"/>
+              <a:ea typeface="나눔고딕OTF" charset="0"/>
+            </a:endParaRPr>
           </a:p>
         </p:txBody>
       </p:sp>
       <p:sp>
         <p:nvSpPr>
-          <p:cNvPr id="26" name="TextBox 25">
-            <a:extLst>
-              <a:ext uri="{FF2B5EF4-FFF2-40B4-BE49-F238E27FC236}">
-                <a16:creationId xmlns:a16="http://schemas.microsoft.com/office/drawing/2014/main" id="{B0119069-650A-4907-9AAE-B3FDEECF01E5}"/>
-              </a:ext>
-            </a:extLst>
-          </p:cNvPr>
-          <p:cNvSpPr txBox="1"/>
+          <p:cNvPr id="27" name="TextBox 26"/>
+          <p:cNvSpPr txBox="1">
+            <a:spLocks/>
+          </p:cNvSpPr>
           <p:nvPr/>
         </p:nvSpPr>
         <p:spPr>
-          <a:xfrm>
-            <a:off x="2220595" y="5118735"/>
-            <a:ext cx="298450" cy="292100"/>
+          <a:xfrm rot="0">
+            <a:off x="4431030" y="5473065"/>
+            <a:ext cx="299085" cy="292735"/>
           </a:xfrm>
-          <a:prstGeom prst="rect">
-            <a:avLst/>
-          </a:prstGeom>
+          <a:prstGeom prst="rect"/>
           <a:noFill/>
         </p:spPr>
         <p:txBody>
-          <a:bodyPr wrap="none" rtlCol="0">
+          <a:bodyPr wrap="none" lIns="91440" tIns="45720" rIns="91440" bIns="45720" numCol="1" vert="horz" anchor="t">
             <a:spAutoFit/>
           </a:bodyPr>
           <a:lstStyle/>
           <a:p>
-            <a:pPr algn="ctr"/>
+            <a:pPr marL="0" indent="0" algn="ctr" latinLnBrk="0"/>
             <a:r>
-              <a:rPr lang="en-US" altLang="ko-KR" sz="1300" b="1" dirty="0">
-                <a:latin typeface="나눔고딕OTF" panose="020D0604000000000000" pitchFamily="34" charset="-127"/>
-                <a:ea typeface="나눔고딕OTF" panose="020D0604000000000000" pitchFamily="34" charset="-127"/>
+              <a:rPr lang="en-US" altLang="ko-KR" sz="1300" b="1">
+                <a:latin typeface="나눔고딕OTF" charset="0"/>
+                <a:ea typeface="나눔고딕OTF" charset="0"/>
               </a:rPr>
               <a:t>+</a:t>
             </a:r>
+            <a:endParaRPr lang="ko-KR" altLang="en-US" sz="1300" b="1">
+              <a:latin typeface="나눔고딕OTF" charset="0"/>
+              <a:ea typeface="나눔고딕OTF" charset="0"/>
+            </a:endParaRPr>
           </a:p>
         </p:txBody>
       </p:sp>
       <p:sp>
         <p:nvSpPr>
-          <p:cNvPr id="27" name="TextBox 26">
-            <a:extLst>
-              <a:ext uri="{FF2B5EF4-FFF2-40B4-BE49-F238E27FC236}">
-                <a16:creationId xmlns:a16="http://schemas.microsoft.com/office/drawing/2014/main" id="{B2CCD1C9-0BFA-4E77-B6D6-0A043AA6B33C}"/>
-              </a:ext>
-            </a:extLst>
-          </p:cNvPr>
-          <p:cNvSpPr txBox="1"/>
+          <p:cNvPr id="1035" name="텍스트 상자 3"/>
+          <p:cNvSpPr txBox="1">
+            <a:spLocks/>
+          </p:cNvSpPr>
           <p:nvPr/>
         </p:nvSpPr>
         <p:spPr>
-          <a:xfrm>
-            <a:off x="4621530" y="5095240"/>
-            <a:ext cx="298450" cy="292100"/>
+          <a:xfrm rot="0">
+            <a:off x="652780" y="5916295"/>
+            <a:ext cx="673100" cy="307340"/>
           </a:xfrm>
-          <a:prstGeom prst="rect">
-            <a:avLst/>
-          </a:prstGeom>
+          <a:prstGeom prst="rect"/>
           <a:noFill/>
         </p:spPr>
         <p:txBody>
-          <a:bodyPr wrap="none" rtlCol="0">
+          <a:bodyPr wrap="square" lIns="91440" tIns="45720" rIns="91440" bIns="45720" numCol="1" vert="horz" anchor="t">
             <a:spAutoFit/>
           </a:bodyPr>
           <a:lstStyle/>
           <a:p>
-            <a:pPr algn="ctr"/>
+            <a:pPr marL="0" indent="0" algn="ctr" latinLnBrk="0"/>
             <a:r>
-              <a:rPr lang="en-US" altLang="ko-KR" sz="1300" b="1" dirty="0">
-                <a:latin typeface="나눔고딕OTF" panose="020D0604000000000000" pitchFamily="34" charset="-127"/>
-                <a:ea typeface="나눔고딕OTF" panose="020D0604000000000000" pitchFamily="34" charset="-127"/>
+              <a:rPr b="1"/>
+              <a:t>React</a:t>
+            </a:r>
+            <a:endParaRPr lang="ko-KR" altLang="en-US" sz="1000" b="1">
+              <a:latin typeface="나눔바른고딕" charset="0"/>
+              <a:ea typeface="나눔바른고딕" charset="0"/>
+            </a:endParaRPr>
+          </a:p>
+        </p:txBody>
+      </p:sp>
+      <p:sp>
+        <p:nvSpPr>
+          <p:cNvPr id="1036" name="텍스트 상자 4"/>
+          <p:cNvSpPr txBox="1">
+            <a:spLocks/>
+          </p:cNvSpPr>
+          <p:nvPr/>
+        </p:nvSpPr>
+        <p:spPr>
+          <a:xfrm rot="0">
+            <a:off x="1328420" y="5928360"/>
+            <a:ext cx="1244600" cy="307340"/>
+          </a:xfrm>
+          <a:prstGeom prst="rect"/>
+          <a:noFill/>
+        </p:spPr>
+        <p:txBody>
+          <a:bodyPr wrap="square" lIns="91440" tIns="45720" rIns="91440" bIns="45720" numCol="1" vert="horz" anchor="t">
+            <a:spAutoFit/>
+          </a:bodyPr>
+          <a:lstStyle/>
+          <a:p>
+            <a:pPr marL="0" indent="0" algn="ctr" latinLnBrk="0"/>
+            <a:r>
+              <a:rPr b="1"/>
+              <a:t>SpringBoot</a:t>
+            </a:r>
+            <a:endParaRPr lang="ko-KR" altLang="en-US" b="1"/>
+          </a:p>
+        </p:txBody>
+      </p:sp>
+      <p:sp>
+        <p:nvSpPr>
+          <p:cNvPr id="1037" name="텍스트 상자 5"/>
+          <p:cNvSpPr txBox="1">
+            <a:spLocks/>
+          </p:cNvSpPr>
+          <p:nvPr/>
+        </p:nvSpPr>
+        <p:spPr>
+          <a:xfrm rot="0">
+            <a:off x="2521585" y="6234430"/>
+            <a:ext cx="624205" cy="245745"/>
+          </a:xfrm>
+          <a:prstGeom prst="rect"/>
+          <a:noFill/>
+        </p:spPr>
+        <p:txBody>
+          <a:bodyPr wrap="square" lIns="91440" tIns="45720" rIns="91440" bIns="45720" numCol="1" vert="horz" anchor="t">
+            <a:spAutoFit/>
+          </a:bodyPr>
+          <a:lstStyle/>
+          <a:p>
+            <a:pPr marL="0" indent="0" algn="ctr" latinLnBrk="0"/>
+            <a:r>
+              <a:rPr lang="en-US" altLang="ko-KR" sz="1000">
+                <a:latin typeface="나눔바른고딕" charset="0"/>
+                <a:ea typeface="나눔바른고딕" charset="0"/>
               </a:rPr>
-              <a:t>+</a:t>
+              <a:t>RDBMS</a:t>
             </a:r>
+            <a:endParaRPr lang="ko-KR" altLang="en-US" sz="1000">
+              <a:latin typeface="나눔바른고딕" charset="0"/>
+              <a:ea typeface="나눔바른고딕" charset="0"/>
+            </a:endParaRPr>
+          </a:p>
+        </p:txBody>
+      </p:sp>
+      <p:sp>
+        <p:nvSpPr>
+          <p:cNvPr id="1038" name="텍스트 상자 6"/>
+          <p:cNvSpPr txBox="1">
+            <a:spLocks/>
+          </p:cNvSpPr>
+          <p:nvPr/>
+        </p:nvSpPr>
+        <p:spPr>
+          <a:xfrm rot="0">
+            <a:off x="2241550" y="5928360"/>
+            <a:ext cx="1244600" cy="307340"/>
+          </a:xfrm>
+          <a:prstGeom prst="rect"/>
+          <a:noFill/>
+        </p:spPr>
+        <p:txBody>
+          <a:bodyPr wrap="square" lIns="91440" tIns="45720" rIns="91440" bIns="45720" numCol="1" vert="horz" anchor="t">
+            <a:spAutoFit/>
+          </a:bodyPr>
+          <a:lstStyle/>
+          <a:p>
+            <a:pPr marL="0" indent="0" algn="ctr" latinLnBrk="0"/>
+            <a:r>
+              <a:rPr lang="ko-KR" altLang="en-US" sz="1400" b="1">
+                <a:latin typeface="Arial" charset="0"/>
+                <a:ea typeface="Arial" charset="0"/>
+              </a:rPr>
+              <a:t>MySQL</a:t>
+            </a:r>
+            <a:endParaRPr lang="ko-KR" altLang="en-US" sz="1400" b="1">
+              <a:latin typeface="Arial" charset="0"/>
+              <a:ea typeface="Arial" charset="0"/>
+            </a:endParaRPr>
           </a:p>
         </p:txBody>
       </p:sp>
